--- a/Net Blazor.pptx
+++ b/Net Blazor.pptx
@@ -25,6 +25,7 @@
     <p:sldId id="271" r:id="rId19"/>
     <p:sldId id="269" r:id="rId20"/>
     <p:sldId id="270" r:id="rId21"/>
+    <p:sldId id="272" r:id="rId22"/>
   </p:sldIdLst>
   <p:sldSz cx="9144000" cy="6858000" type="screen4x3"/>
   <p:notesSz cx="6858000" cy="9144000"/>
@@ -123,6 +124,22 @@
       </a:defRPr>
     </a:lvl9pPr>
   </p:defaultTextStyle>
+  <p:extLst>
+    <p:ext uri="{EFAFB233-063F-42B5-8137-9DF3F51BA10A}">
+      <p15:sldGuideLst xmlns:p15="http://schemas.microsoft.com/office/powerpoint/2012/main">
+        <p15:guide id="1" orient="horz" pos="2160">
+          <p15:clr>
+            <a:srgbClr val="A4A3A4"/>
+          </p15:clr>
+        </p15:guide>
+        <p15:guide id="2" pos="2880">
+          <p15:clr>
+            <a:srgbClr val="A4A3A4"/>
+          </p15:clr>
+        </p15:guide>
+      </p15:sldGuideLst>
+    </p:ext>
+  </p:extLst>
 </p:presentation>
 </file>
 
@@ -148,7 +165,7 @@
           <p:cNvPr id="8" name="Picture Placeholder 7">
             <a:extLst>
               <a:ext uri="{FF2B5EF4-FFF2-40B4-BE49-F238E27FC236}">
-                <a16:creationId xmlns:a16="http://schemas.microsoft.com/office/drawing/2014/main" xmlns="" id="{DF9C7667-EADA-40AC-B931-4642E0A9A4DE}"/>
+                <a16:creationId xmlns:a16="http://schemas.microsoft.com/office/drawing/2014/main" id="{DF9C7667-EADA-40AC-B931-4642E0A9A4DE}"/>
               </a:ext>
             </a:extLst>
           </p:cNvPr>
@@ -188,7 +205,7 @@
           </a:lstStyle>
           <a:p>
             <a:r>
-              <a:rPr lang="es-ES" smtClean="0"/>
+              <a:rPr lang="es-ES"/>
               <a:t>Haga clic en el icono para agregar una imagen</a:t>
             </a:r>
             <a:endParaRPr lang="en-US" dirty="0"/>
@@ -200,7 +217,7 @@
           <p:cNvPr id="2" name="Title 1">
             <a:extLst>
               <a:ext uri="{FF2B5EF4-FFF2-40B4-BE49-F238E27FC236}">
-                <a16:creationId xmlns:a16="http://schemas.microsoft.com/office/drawing/2014/main" xmlns="" id="{43379CA9-81D6-424A-8046-4B56E1D25059}"/>
+                <a16:creationId xmlns:a16="http://schemas.microsoft.com/office/drawing/2014/main" id="{43379CA9-81D6-424A-8046-4B56E1D25059}"/>
               </a:ext>
             </a:extLst>
           </p:cNvPr>
@@ -235,7 +252,7 @@
           </a:lstStyle>
           <a:p>
             <a:r>
-              <a:rPr lang="es-ES" smtClean="0"/>
+              <a:rPr lang="es-ES"/>
               <a:t>Haga clic para modificar el estilo de título del patrón</a:t>
             </a:r>
             <a:endParaRPr lang="en-US" dirty="0"/>
@@ -245,7 +262,7 @@
     </p:spTree>
     <p:extLst>
       <p:ext uri="{BB962C8B-B14F-4D97-AF65-F5344CB8AC3E}">
-        <p14:creationId xmlns:p14="http://schemas.microsoft.com/office/powerpoint/2010/main" xmlns="" val="3650242761"/>
+        <p14:creationId xmlns:p14="http://schemas.microsoft.com/office/powerpoint/2010/main" val="3650242761"/>
       </p:ext>
     </p:extLst>
   </p:cSld>
@@ -287,7 +304,7 @@
           <p:cNvPr id="2" name="Title 1">
             <a:extLst>
               <a:ext uri="{FF2B5EF4-FFF2-40B4-BE49-F238E27FC236}">
-                <a16:creationId xmlns:a16="http://schemas.microsoft.com/office/drawing/2014/main" xmlns="" id="{43379CA9-81D6-424A-8046-4B56E1D25059}"/>
+                <a16:creationId xmlns:a16="http://schemas.microsoft.com/office/drawing/2014/main" id="{43379CA9-81D6-424A-8046-4B56E1D25059}"/>
               </a:ext>
             </a:extLst>
           </p:cNvPr>
@@ -329,7 +346,7 @@
           <p:cNvPr id="9" name="Picture Placeholder 8">
             <a:extLst>
               <a:ext uri="{FF2B5EF4-FFF2-40B4-BE49-F238E27FC236}">
-                <a16:creationId xmlns:a16="http://schemas.microsoft.com/office/drawing/2014/main" xmlns="" id="{B2F51F73-5064-47F8-83FD-440E0ED1950B}"/>
+                <a16:creationId xmlns:a16="http://schemas.microsoft.com/office/drawing/2014/main" id="{B2F51F73-5064-47F8-83FD-440E0ED1950B}"/>
               </a:ext>
             </a:extLst>
           </p:cNvPr>
@@ -358,7 +375,7 @@
           </a:lstStyle>
           <a:p>
             <a:r>
-              <a:rPr lang="es-ES" smtClean="0"/>
+              <a:rPr lang="es-ES"/>
               <a:t>Haga clic en el icono para agregar una imagen</a:t>
             </a:r>
             <a:endParaRPr lang="en-US" dirty="0"/>
@@ -370,7 +387,7 @@
           <p:cNvPr id="18" name="Picture Placeholder 8">
             <a:extLst>
               <a:ext uri="{FF2B5EF4-FFF2-40B4-BE49-F238E27FC236}">
-                <a16:creationId xmlns:a16="http://schemas.microsoft.com/office/drawing/2014/main" xmlns="" id="{06FF689A-8221-42E8-96D4-ED4D3AD501F8}"/>
+                <a16:creationId xmlns:a16="http://schemas.microsoft.com/office/drawing/2014/main" id="{06FF689A-8221-42E8-96D4-ED4D3AD501F8}"/>
               </a:ext>
             </a:extLst>
           </p:cNvPr>
@@ -399,7 +416,7 @@
           </a:lstStyle>
           <a:p>
             <a:r>
-              <a:rPr lang="es-ES" smtClean="0"/>
+              <a:rPr lang="es-ES"/>
               <a:t>Haga clic en el icono para agregar una imagen</a:t>
             </a:r>
             <a:endParaRPr lang="en-US" dirty="0"/>
@@ -411,7 +428,7 @@
           <p:cNvPr id="19" name="Picture Placeholder 8">
             <a:extLst>
               <a:ext uri="{FF2B5EF4-FFF2-40B4-BE49-F238E27FC236}">
-                <a16:creationId xmlns:a16="http://schemas.microsoft.com/office/drawing/2014/main" xmlns="" id="{96424DB2-4D46-493F-A5B8-8901EDA394F2}"/>
+                <a16:creationId xmlns:a16="http://schemas.microsoft.com/office/drawing/2014/main" id="{96424DB2-4D46-493F-A5B8-8901EDA394F2}"/>
               </a:ext>
             </a:extLst>
           </p:cNvPr>
@@ -440,7 +457,7 @@
           </a:lstStyle>
           <a:p>
             <a:r>
-              <a:rPr lang="es-ES" smtClean="0"/>
+              <a:rPr lang="es-ES"/>
               <a:t>Haga clic en el icono para agregar una imagen</a:t>
             </a:r>
             <a:endParaRPr lang="en-US" dirty="0"/>
@@ -452,7 +469,7 @@
           <p:cNvPr id="20" name="Picture Placeholder 8">
             <a:extLst>
               <a:ext uri="{FF2B5EF4-FFF2-40B4-BE49-F238E27FC236}">
-                <a16:creationId xmlns:a16="http://schemas.microsoft.com/office/drawing/2014/main" xmlns="" id="{0AF2B6E1-5738-41B1-8C15-EA6715490140}"/>
+                <a16:creationId xmlns:a16="http://schemas.microsoft.com/office/drawing/2014/main" id="{0AF2B6E1-5738-41B1-8C15-EA6715490140}"/>
               </a:ext>
             </a:extLst>
           </p:cNvPr>
@@ -481,7 +498,7 @@
           </a:lstStyle>
           <a:p>
             <a:r>
-              <a:rPr lang="es-ES" smtClean="0"/>
+              <a:rPr lang="es-ES"/>
               <a:t>Haga clic en el icono para agregar una imagen</a:t>
             </a:r>
             <a:endParaRPr lang="en-US" dirty="0"/>
@@ -493,7 +510,7 @@
           <p:cNvPr id="21" name="Picture Placeholder 8">
             <a:extLst>
               <a:ext uri="{FF2B5EF4-FFF2-40B4-BE49-F238E27FC236}">
-                <a16:creationId xmlns:a16="http://schemas.microsoft.com/office/drawing/2014/main" xmlns="" id="{6C8D73EB-347C-4E13-94C8-FA8FADE46559}"/>
+                <a16:creationId xmlns:a16="http://schemas.microsoft.com/office/drawing/2014/main" id="{6C8D73EB-347C-4E13-94C8-FA8FADE46559}"/>
               </a:ext>
             </a:extLst>
           </p:cNvPr>
@@ -522,7 +539,7 @@
           </a:lstStyle>
           <a:p>
             <a:r>
-              <a:rPr lang="es-ES" smtClean="0"/>
+              <a:rPr lang="es-ES"/>
               <a:t>Haga clic en el icono para agregar una imagen</a:t>
             </a:r>
             <a:endParaRPr lang="en-US" dirty="0"/>
@@ -534,7 +551,7 @@
           <p:cNvPr id="22" name="Picture Placeholder 8">
             <a:extLst>
               <a:ext uri="{FF2B5EF4-FFF2-40B4-BE49-F238E27FC236}">
-                <a16:creationId xmlns:a16="http://schemas.microsoft.com/office/drawing/2014/main" xmlns="" id="{9DFA5C56-9B47-4F87-8E12-30A936274F1B}"/>
+                <a16:creationId xmlns:a16="http://schemas.microsoft.com/office/drawing/2014/main" id="{9DFA5C56-9B47-4F87-8E12-30A936274F1B}"/>
               </a:ext>
             </a:extLst>
           </p:cNvPr>
@@ -563,7 +580,7 @@
           </a:lstStyle>
           <a:p>
             <a:r>
-              <a:rPr lang="es-ES" smtClean="0"/>
+              <a:rPr lang="es-ES"/>
               <a:t>Haga clic en el icono para agregar una imagen</a:t>
             </a:r>
             <a:endParaRPr lang="en-US" dirty="0"/>
@@ -575,7 +592,7 @@
           <p:cNvPr id="23" name="Picture Placeholder 8">
             <a:extLst>
               <a:ext uri="{FF2B5EF4-FFF2-40B4-BE49-F238E27FC236}">
-                <a16:creationId xmlns:a16="http://schemas.microsoft.com/office/drawing/2014/main" xmlns="" id="{1E3B5888-98ED-48E4-8AA8-5BAB43F8516C}"/>
+                <a16:creationId xmlns:a16="http://schemas.microsoft.com/office/drawing/2014/main" id="{1E3B5888-98ED-48E4-8AA8-5BAB43F8516C}"/>
               </a:ext>
             </a:extLst>
           </p:cNvPr>
@@ -604,7 +621,7 @@
           </a:lstStyle>
           <a:p>
             <a:r>
-              <a:rPr lang="es-ES" smtClean="0"/>
+              <a:rPr lang="es-ES"/>
               <a:t>Haga clic en el icono para agregar una imagen</a:t>
             </a:r>
             <a:endParaRPr lang="en-US" dirty="0"/>
@@ -616,7 +633,7 @@
           <p:cNvPr id="24" name="Picture Placeholder 8">
             <a:extLst>
               <a:ext uri="{FF2B5EF4-FFF2-40B4-BE49-F238E27FC236}">
-                <a16:creationId xmlns:a16="http://schemas.microsoft.com/office/drawing/2014/main" xmlns="" id="{569C9EE3-34D1-4DE0-B06C-2F6212F7C329}"/>
+                <a16:creationId xmlns:a16="http://schemas.microsoft.com/office/drawing/2014/main" id="{569C9EE3-34D1-4DE0-B06C-2F6212F7C329}"/>
               </a:ext>
             </a:extLst>
           </p:cNvPr>
@@ -645,7 +662,7 @@
           </a:lstStyle>
           <a:p>
             <a:r>
-              <a:rPr lang="es-ES" smtClean="0"/>
+              <a:rPr lang="es-ES"/>
               <a:t>Haga clic en el icono para agregar una imagen</a:t>
             </a:r>
             <a:endParaRPr lang="en-US" dirty="0"/>
@@ -655,7 +672,7 @@
     </p:spTree>
     <p:extLst>
       <p:ext uri="{BB962C8B-B14F-4D97-AF65-F5344CB8AC3E}">
-        <p14:creationId xmlns:p14="http://schemas.microsoft.com/office/powerpoint/2010/main" xmlns="" val="1553920741"/>
+        <p14:creationId xmlns:p14="http://schemas.microsoft.com/office/powerpoint/2010/main" val="1553920741"/>
       </p:ext>
     </p:extLst>
   </p:cSld>
@@ -695,7 +712,7 @@
           <p:cNvPr id="8" name="Rectangle 7">
             <a:extLst>
               <a:ext uri="{FF2B5EF4-FFF2-40B4-BE49-F238E27FC236}">
-                <a16:creationId xmlns:a16="http://schemas.microsoft.com/office/drawing/2014/main" xmlns="" id="{5462B86F-90E5-425E-9F83-8477D8111E1D}"/>
+                <a16:creationId xmlns:a16="http://schemas.microsoft.com/office/drawing/2014/main" id="{5462B86F-90E5-425E-9F83-8477D8111E1D}"/>
               </a:ext>
             </a:extLst>
           </p:cNvPr>
@@ -747,7 +764,7 @@
           <p:cNvPr id="9" name="Rectangle 8">
             <a:extLst>
               <a:ext uri="{FF2B5EF4-FFF2-40B4-BE49-F238E27FC236}">
-                <a16:creationId xmlns:a16="http://schemas.microsoft.com/office/drawing/2014/main" xmlns="" id="{F5269853-3C2C-4F9C-B1BB-E00F7A1DB9E1}"/>
+                <a16:creationId xmlns:a16="http://schemas.microsoft.com/office/drawing/2014/main" id="{F5269853-3C2C-4F9C-B1BB-E00F7A1DB9E1}"/>
               </a:ext>
             </a:extLst>
           </p:cNvPr>
@@ -799,7 +816,7 @@
           <p:cNvPr id="11" name="Rectangle 10">
             <a:extLst>
               <a:ext uri="{FF2B5EF4-FFF2-40B4-BE49-F238E27FC236}">
-                <a16:creationId xmlns:a16="http://schemas.microsoft.com/office/drawing/2014/main" xmlns="" id="{93759D58-52AF-4785-8A33-F528F46D88A3}"/>
+                <a16:creationId xmlns:a16="http://schemas.microsoft.com/office/drawing/2014/main" id="{93759D58-52AF-4785-8A33-F528F46D88A3}"/>
               </a:ext>
             </a:extLst>
           </p:cNvPr>
@@ -851,7 +868,7 @@
           <p:cNvPr id="12" name="Rectangle 11">
             <a:extLst>
               <a:ext uri="{FF2B5EF4-FFF2-40B4-BE49-F238E27FC236}">
-                <a16:creationId xmlns:a16="http://schemas.microsoft.com/office/drawing/2014/main" xmlns="" id="{6AD3E0F4-EC0D-43C2-AC84-A53134C8566E}"/>
+                <a16:creationId xmlns:a16="http://schemas.microsoft.com/office/drawing/2014/main" id="{6AD3E0F4-EC0D-43C2-AC84-A53134C8566E}"/>
               </a:ext>
             </a:extLst>
           </p:cNvPr>
@@ -903,7 +920,7 @@
           <p:cNvPr id="2" name="Title 1">
             <a:extLst>
               <a:ext uri="{FF2B5EF4-FFF2-40B4-BE49-F238E27FC236}">
-                <a16:creationId xmlns:a16="http://schemas.microsoft.com/office/drawing/2014/main" xmlns="" id="{43379CA9-81D6-424A-8046-4B56E1D25059}"/>
+                <a16:creationId xmlns:a16="http://schemas.microsoft.com/office/drawing/2014/main" id="{43379CA9-81D6-424A-8046-4B56E1D25059}"/>
               </a:ext>
             </a:extLst>
           </p:cNvPr>
@@ -935,7 +952,7 @@
           </a:lstStyle>
           <a:p>
             <a:r>
-              <a:rPr lang="es-ES" smtClean="0"/>
+              <a:rPr lang="es-ES"/>
               <a:t>Haga clic para modificar el estilo de título del patrón</a:t>
             </a:r>
             <a:endParaRPr lang="en-US" dirty="0"/>
@@ -947,7 +964,7 @@
           <p:cNvPr id="10" name="Text Placeholder 9">
             <a:extLst>
               <a:ext uri="{FF2B5EF4-FFF2-40B4-BE49-F238E27FC236}">
-                <a16:creationId xmlns:a16="http://schemas.microsoft.com/office/drawing/2014/main" xmlns="" id="{2A60302F-65DB-4E93-B6C3-49E64C44FB53}"/>
+                <a16:creationId xmlns:a16="http://schemas.microsoft.com/office/drawing/2014/main" id="{2A60302F-65DB-4E93-B6C3-49E64C44FB53}"/>
               </a:ext>
             </a:extLst>
           </p:cNvPr>
@@ -1015,7 +1032,7 @@
           <p:cNvPr id="7" name="Picture Placeholder 6">
             <a:extLst>
               <a:ext uri="{FF2B5EF4-FFF2-40B4-BE49-F238E27FC236}">
-                <a16:creationId xmlns:a16="http://schemas.microsoft.com/office/drawing/2014/main" xmlns="" id="{9A66F217-0E52-4AD8-82BA-AB332C59638C}"/>
+                <a16:creationId xmlns:a16="http://schemas.microsoft.com/office/drawing/2014/main" id="{9A66F217-0E52-4AD8-82BA-AB332C59638C}"/>
               </a:ext>
             </a:extLst>
           </p:cNvPr>
@@ -1048,7 +1065,7 @@
           </a:lstStyle>
           <a:p>
             <a:r>
-              <a:rPr lang="es-ES" smtClean="0"/>
+              <a:rPr lang="es-ES"/>
               <a:t>Haga clic en el icono para agregar una imagen</a:t>
             </a:r>
             <a:endParaRPr lang="en-US" dirty="0"/>
@@ -1058,16 +1075,16 @@
     </p:spTree>
     <p:extLst>
       <p:ext uri="{BB962C8B-B14F-4D97-AF65-F5344CB8AC3E}">
-        <p14:creationId xmlns:p14="http://schemas.microsoft.com/office/powerpoint/2010/main" xmlns="" val="3180366801"/>
+        <p14:creationId xmlns:p14="http://schemas.microsoft.com/office/powerpoint/2010/main" val="3180366801"/>
       </p:ext>
     </p:extLst>
   </p:cSld>
   <p:clrMapOvr>
     <a:masterClrMapping/>
   </p:clrMapOvr>
-  <p:extLst mod="1">
+  <p:extLst>
     <p:ext uri="{DCECCB84-F9BA-43D5-87BE-67443E8EF086}">
-      <p15:sldGuideLst xmlns:p15="http://schemas.microsoft.com/office/powerpoint/2012/main" xmlns="">
+      <p15:sldGuideLst xmlns:p15="http://schemas.microsoft.com/office/powerpoint/2012/main">
         <p15:guide id="1" pos="3840" userDrawn="1">
           <p15:clr>
             <a:srgbClr val="FBAE40"/>
@@ -1111,7 +1128,7 @@
           <p:cNvPr id="2" name="Title 1">
             <a:extLst>
               <a:ext uri="{FF2B5EF4-FFF2-40B4-BE49-F238E27FC236}">
-                <a16:creationId xmlns:a16="http://schemas.microsoft.com/office/drawing/2014/main" xmlns="" id="{43379CA9-81D6-424A-8046-4B56E1D25059}"/>
+                <a16:creationId xmlns:a16="http://schemas.microsoft.com/office/drawing/2014/main" id="{43379CA9-81D6-424A-8046-4B56E1D25059}"/>
               </a:ext>
             </a:extLst>
           </p:cNvPr>
@@ -1153,7 +1170,7 @@
           <p:cNvPr id="9" name="Picture Placeholder 8">
             <a:extLst>
               <a:ext uri="{FF2B5EF4-FFF2-40B4-BE49-F238E27FC236}">
-                <a16:creationId xmlns:a16="http://schemas.microsoft.com/office/drawing/2014/main" xmlns="" id="{B2F51F73-5064-47F8-83FD-440E0ED1950B}"/>
+                <a16:creationId xmlns:a16="http://schemas.microsoft.com/office/drawing/2014/main" id="{B2F51F73-5064-47F8-83FD-440E0ED1950B}"/>
               </a:ext>
             </a:extLst>
           </p:cNvPr>
@@ -1182,7 +1199,7 @@
           </a:lstStyle>
           <a:p>
             <a:r>
-              <a:rPr lang="es-ES" smtClean="0"/>
+              <a:rPr lang="es-ES"/>
               <a:t>Haga clic en el icono para agregar una imagen</a:t>
             </a:r>
             <a:endParaRPr lang="en-US" dirty="0"/>
@@ -1194,7 +1211,7 @@
           <p:cNvPr id="18" name="Picture Placeholder 8">
             <a:extLst>
               <a:ext uri="{FF2B5EF4-FFF2-40B4-BE49-F238E27FC236}">
-                <a16:creationId xmlns:a16="http://schemas.microsoft.com/office/drawing/2014/main" xmlns="" id="{06FF689A-8221-42E8-96D4-ED4D3AD501F8}"/>
+                <a16:creationId xmlns:a16="http://schemas.microsoft.com/office/drawing/2014/main" id="{06FF689A-8221-42E8-96D4-ED4D3AD501F8}"/>
               </a:ext>
             </a:extLst>
           </p:cNvPr>
@@ -1223,7 +1240,7 @@
           </a:lstStyle>
           <a:p>
             <a:r>
-              <a:rPr lang="es-ES" smtClean="0"/>
+              <a:rPr lang="es-ES"/>
               <a:t>Haga clic en el icono para agregar una imagen</a:t>
             </a:r>
             <a:endParaRPr lang="en-US" dirty="0"/>
@@ -1235,7 +1252,7 @@
           <p:cNvPr id="19" name="Picture Placeholder 8">
             <a:extLst>
               <a:ext uri="{FF2B5EF4-FFF2-40B4-BE49-F238E27FC236}">
-                <a16:creationId xmlns:a16="http://schemas.microsoft.com/office/drawing/2014/main" xmlns="" id="{96424DB2-4D46-493F-A5B8-8901EDA394F2}"/>
+                <a16:creationId xmlns:a16="http://schemas.microsoft.com/office/drawing/2014/main" id="{96424DB2-4D46-493F-A5B8-8901EDA394F2}"/>
               </a:ext>
             </a:extLst>
           </p:cNvPr>
@@ -1264,7 +1281,7 @@
           </a:lstStyle>
           <a:p>
             <a:r>
-              <a:rPr lang="es-ES" smtClean="0"/>
+              <a:rPr lang="es-ES"/>
               <a:t>Haga clic en el icono para agregar una imagen</a:t>
             </a:r>
             <a:endParaRPr lang="en-US" dirty="0"/>
@@ -1276,7 +1293,7 @@
           <p:cNvPr id="20" name="Picture Placeholder 8">
             <a:extLst>
               <a:ext uri="{FF2B5EF4-FFF2-40B4-BE49-F238E27FC236}">
-                <a16:creationId xmlns:a16="http://schemas.microsoft.com/office/drawing/2014/main" xmlns="" id="{0AF2B6E1-5738-41B1-8C15-EA6715490140}"/>
+                <a16:creationId xmlns:a16="http://schemas.microsoft.com/office/drawing/2014/main" id="{0AF2B6E1-5738-41B1-8C15-EA6715490140}"/>
               </a:ext>
             </a:extLst>
           </p:cNvPr>
@@ -1305,7 +1322,7 @@
           </a:lstStyle>
           <a:p>
             <a:r>
-              <a:rPr lang="es-ES" smtClean="0"/>
+              <a:rPr lang="es-ES"/>
               <a:t>Haga clic en el icono para agregar una imagen</a:t>
             </a:r>
             <a:endParaRPr lang="en-US" dirty="0"/>
@@ -1317,7 +1334,7 @@
           <p:cNvPr id="21" name="Picture Placeholder 8">
             <a:extLst>
               <a:ext uri="{FF2B5EF4-FFF2-40B4-BE49-F238E27FC236}">
-                <a16:creationId xmlns:a16="http://schemas.microsoft.com/office/drawing/2014/main" xmlns="" id="{6C8D73EB-347C-4E13-94C8-FA8FADE46559}"/>
+                <a16:creationId xmlns:a16="http://schemas.microsoft.com/office/drawing/2014/main" id="{6C8D73EB-347C-4E13-94C8-FA8FADE46559}"/>
               </a:ext>
             </a:extLst>
           </p:cNvPr>
@@ -1346,7 +1363,7 @@
           </a:lstStyle>
           <a:p>
             <a:r>
-              <a:rPr lang="es-ES" smtClean="0"/>
+              <a:rPr lang="es-ES"/>
               <a:t>Haga clic en el icono para agregar una imagen</a:t>
             </a:r>
             <a:endParaRPr lang="en-US" dirty="0"/>
@@ -1358,7 +1375,7 @@
           <p:cNvPr id="22" name="Picture Placeholder 8">
             <a:extLst>
               <a:ext uri="{FF2B5EF4-FFF2-40B4-BE49-F238E27FC236}">
-                <a16:creationId xmlns:a16="http://schemas.microsoft.com/office/drawing/2014/main" xmlns="" id="{9DFA5C56-9B47-4F87-8E12-30A936274F1B}"/>
+                <a16:creationId xmlns:a16="http://schemas.microsoft.com/office/drawing/2014/main" id="{9DFA5C56-9B47-4F87-8E12-30A936274F1B}"/>
               </a:ext>
             </a:extLst>
           </p:cNvPr>
@@ -1387,7 +1404,7 @@
           </a:lstStyle>
           <a:p>
             <a:r>
-              <a:rPr lang="es-ES" smtClean="0"/>
+              <a:rPr lang="es-ES"/>
               <a:t>Haga clic en el icono para agregar una imagen</a:t>
             </a:r>
             <a:endParaRPr lang="en-US" dirty="0"/>
@@ -1399,7 +1416,7 @@
           <p:cNvPr id="23" name="Picture Placeholder 8">
             <a:extLst>
               <a:ext uri="{FF2B5EF4-FFF2-40B4-BE49-F238E27FC236}">
-                <a16:creationId xmlns:a16="http://schemas.microsoft.com/office/drawing/2014/main" xmlns="" id="{1E3B5888-98ED-48E4-8AA8-5BAB43F8516C}"/>
+                <a16:creationId xmlns:a16="http://schemas.microsoft.com/office/drawing/2014/main" id="{1E3B5888-98ED-48E4-8AA8-5BAB43F8516C}"/>
               </a:ext>
             </a:extLst>
           </p:cNvPr>
@@ -1428,7 +1445,7 @@
           </a:lstStyle>
           <a:p>
             <a:r>
-              <a:rPr lang="es-ES" smtClean="0"/>
+              <a:rPr lang="es-ES"/>
               <a:t>Haga clic en el icono para agregar una imagen</a:t>
             </a:r>
             <a:endParaRPr lang="en-US" dirty="0"/>
@@ -1440,7 +1457,7 @@
           <p:cNvPr id="24" name="Picture Placeholder 8">
             <a:extLst>
               <a:ext uri="{FF2B5EF4-FFF2-40B4-BE49-F238E27FC236}">
-                <a16:creationId xmlns:a16="http://schemas.microsoft.com/office/drawing/2014/main" xmlns="" id="{569C9EE3-34D1-4DE0-B06C-2F6212F7C329}"/>
+                <a16:creationId xmlns:a16="http://schemas.microsoft.com/office/drawing/2014/main" id="{569C9EE3-34D1-4DE0-B06C-2F6212F7C329}"/>
               </a:ext>
             </a:extLst>
           </p:cNvPr>
@@ -1469,7 +1486,7 @@
           </a:lstStyle>
           <a:p>
             <a:r>
-              <a:rPr lang="es-ES" smtClean="0"/>
+              <a:rPr lang="es-ES"/>
               <a:t>Haga clic en el icono para agregar una imagen</a:t>
             </a:r>
             <a:endParaRPr lang="en-US" dirty="0"/>
@@ -1479,7 +1496,7 @@
     </p:spTree>
     <p:extLst>
       <p:ext uri="{BB962C8B-B14F-4D97-AF65-F5344CB8AC3E}">
-        <p14:creationId xmlns:p14="http://schemas.microsoft.com/office/powerpoint/2010/main" xmlns="" val="1542889989"/>
+        <p14:creationId xmlns:p14="http://schemas.microsoft.com/office/powerpoint/2010/main" val="1542889989"/>
       </p:ext>
     </p:extLst>
   </p:cSld>
@@ -1519,7 +1536,7 @@
           <p:cNvPr id="8" name="Rectangle 7">
             <a:extLst>
               <a:ext uri="{FF2B5EF4-FFF2-40B4-BE49-F238E27FC236}">
-                <a16:creationId xmlns:a16="http://schemas.microsoft.com/office/drawing/2014/main" xmlns="" id="{53A3BC27-A809-4F76-931E-2DE01059A5AB}"/>
+                <a16:creationId xmlns:a16="http://schemas.microsoft.com/office/drawing/2014/main" id="{53A3BC27-A809-4F76-931E-2DE01059A5AB}"/>
               </a:ext>
             </a:extLst>
           </p:cNvPr>
@@ -1571,7 +1588,7 @@
           <p:cNvPr id="9" name="Rectangle 8">
             <a:extLst>
               <a:ext uri="{FF2B5EF4-FFF2-40B4-BE49-F238E27FC236}">
-                <a16:creationId xmlns:a16="http://schemas.microsoft.com/office/drawing/2014/main" xmlns="" id="{D96A5108-5EBA-43CE-BA4A-DA9EEF5D808A}"/>
+                <a16:creationId xmlns:a16="http://schemas.microsoft.com/office/drawing/2014/main" id="{D96A5108-5EBA-43CE-BA4A-DA9EEF5D808A}"/>
               </a:ext>
             </a:extLst>
           </p:cNvPr>
@@ -1623,7 +1640,7 @@
           <p:cNvPr id="11" name="Rectangle 10">
             <a:extLst>
               <a:ext uri="{FF2B5EF4-FFF2-40B4-BE49-F238E27FC236}">
-                <a16:creationId xmlns:a16="http://schemas.microsoft.com/office/drawing/2014/main" xmlns="" id="{E2712910-50D0-4906-AB08-F37D02F96D4A}"/>
+                <a16:creationId xmlns:a16="http://schemas.microsoft.com/office/drawing/2014/main" id="{E2712910-50D0-4906-AB08-F37D02F96D4A}"/>
               </a:ext>
             </a:extLst>
           </p:cNvPr>
@@ -1675,7 +1692,7 @@
           <p:cNvPr id="12" name="Rectangle 11">
             <a:extLst>
               <a:ext uri="{FF2B5EF4-FFF2-40B4-BE49-F238E27FC236}">
-                <a16:creationId xmlns:a16="http://schemas.microsoft.com/office/drawing/2014/main" xmlns="" id="{7DAC760C-BE23-4DA2-A294-3B5668F8AECA}"/>
+                <a16:creationId xmlns:a16="http://schemas.microsoft.com/office/drawing/2014/main" id="{7DAC760C-BE23-4DA2-A294-3B5668F8AECA}"/>
               </a:ext>
             </a:extLst>
           </p:cNvPr>
@@ -1727,7 +1744,7 @@
           <p:cNvPr id="2" name="Title 1">
             <a:extLst>
               <a:ext uri="{FF2B5EF4-FFF2-40B4-BE49-F238E27FC236}">
-                <a16:creationId xmlns:a16="http://schemas.microsoft.com/office/drawing/2014/main" xmlns="" id="{43379CA9-81D6-424A-8046-4B56E1D25059}"/>
+                <a16:creationId xmlns:a16="http://schemas.microsoft.com/office/drawing/2014/main" id="{43379CA9-81D6-424A-8046-4B56E1D25059}"/>
               </a:ext>
             </a:extLst>
           </p:cNvPr>
@@ -1757,7 +1774,7 @@
           </a:lstStyle>
           <a:p>
             <a:r>
-              <a:rPr lang="es-ES" smtClean="0"/>
+              <a:rPr lang="es-ES"/>
               <a:t>Haga clic para modificar el estilo de título del patrón</a:t>
             </a:r>
             <a:endParaRPr lang="en-US" dirty="0"/>
@@ -1769,7 +1786,7 @@
           <p:cNvPr id="10" name="Text Placeholder 9">
             <a:extLst>
               <a:ext uri="{FF2B5EF4-FFF2-40B4-BE49-F238E27FC236}">
-                <a16:creationId xmlns:a16="http://schemas.microsoft.com/office/drawing/2014/main" xmlns="" id="{2A60302F-65DB-4E93-B6C3-49E64C44FB53}"/>
+                <a16:creationId xmlns:a16="http://schemas.microsoft.com/office/drawing/2014/main" id="{2A60302F-65DB-4E93-B6C3-49E64C44FB53}"/>
               </a:ext>
             </a:extLst>
           </p:cNvPr>
@@ -1837,7 +1854,7 @@
           <p:cNvPr id="7" name="Picture Placeholder 6">
             <a:extLst>
               <a:ext uri="{FF2B5EF4-FFF2-40B4-BE49-F238E27FC236}">
-                <a16:creationId xmlns:a16="http://schemas.microsoft.com/office/drawing/2014/main" xmlns="" id="{9A66F217-0E52-4AD8-82BA-AB332C59638C}"/>
+                <a16:creationId xmlns:a16="http://schemas.microsoft.com/office/drawing/2014/main" id="{9A66F217-0E52-4AD8-82BA-AB332C59638C}"/>
               </a:ext>
             </a:extLst>
           </p:cNvPr>
@@ -1873,7 +1890,7 @@
           </a:lstStyle>
           <a:p>
             <a:r>
-              <a:rPr lang="es-ES" smtClean="0"/>
+              <a:rPr lang="es-ES"/>
               <a:t>Haga clic en el icono para agregar una imagen</a:t>
             </a:r>
             <a:endParaRPr lang="en-US" dirty="0"/>
@@ -1883,16 +1900,16 @@
     </p:spTree>
     <p:extLst>
       <p:ext uri="{BB962C8B-B14F-4D97-AF65-F5344CB8AC3E}">
-        <p14:creationId xmlns:p14="http://schemas.microsoft.com/office/powerpoint/2010/main" xmlns="" val="4037176041"/>
+        <p14:creationId xmlns:p14="http://schemas.microsoft.com/office/powerpoint/2010/main" val="4037176041"/>
       </p:ext>
     </p:extLst>
   </p:cSld>
   <p:clrMapOvr>
     <a:masterClrMapping/>
   </p:clrMapOvr>
-  <p:extLst mod="1">
+  <p:extLst>
     <p:ext uri="{DCECCB84-F9BA-43D5-87BE-67443E8EF086}">
-      <p15:sldGuideLst xmlns:p15="http://schemas.microsoft.com/office/powerpoint/2012/main" xmlns="">
+      <p15:sldGuideLst xmlns:p15="http://schemas.microsoft.com/office/powerpoint/2012/main">
         <p15:guide id="1" pos="3840" userDrawn="1">
           <p15:clr>
             <a:srgbClr val="FBAE40"/>
@@ -1926,7 +1943,7 @@
           <p:cNvPr id="21" name="Rectangle 20">
             <a:extLst>
               <a:ext uri="{FF2B5EF4-FFF2-40B4-BE49-F238E27FC236}">
-                <a16:creationId xmlns:a16="http://schemas.microsoft.com/office/drawing/2014/main" xmlns="" id="{6E739168-A5E8-443A-B392-7AD4CF8977AD}"/>
+                <a16:creationId xmlns:a16="http://schemas.microsoft.com/office/drawing/2014/main" id="{6E739168-A5E8-443A-B392-7AD4CF8977AD}"/>
               </a:ext>
             </a:extLst>
           </p:cNvPr>
@@ -1978,7 +1995,7 @@
           <p:cNvPr id="4" name="Group 6">
             <a:extLst>
               <a:ext uri="{FF2B5EF4-FFF2-40B4-BE49-F238E27FC236}">
-                <a16:creationId xmlns:a16="http://schemas.microsoft.com/office/drawing/2014/main" xmlns="" id="{4CA15AFD-4983-47DD-9ED0-D3B27E5A096F}"/>
+                <a16:creationId xmlns:a16="http://schemas.microsoft.com/office/drawing/2014/main" id="{4CA15AFD-4983-47DD-9ED0-D3B27E5A096F}"/>
               </a:ext>
             </a:extLst>
           </p:cNvPr>
@@ -1998,7 +2015,7 @@
             <p:cNvPr id="5" name="Group 7">
               <a:extLst>
                 <a:ext uri="{FF2B5EF4-FFF2-40B4-BE49-F238E27FC236}">
-                  <a16:creationId xmlns:a16="http://schemas.microsoft.com/office/drawing/2014/main" xmlns="" id="{2222D5E2-E9B4-4180-98B8-4E514C9ADB28}"/>
+                  <a16:creationId xmlns:a16="http://schemas.microsoft.com/office/drawing/2014/main" id="{2222D5E2-E9B4-4180-98B8-4E514C9ADB28}"/>
                 </a:ext>
               </a:extLst>
             </p:cNvPr>
@@ -2018,7 +2035,7 @@
               <p:cNvPr id="15" name="Freeform: Shape 14">
                 <a:extLst>
                   <a:ext uri="{FF2B5EF4-FFF2-40B4-BE49-F238E27FC236}">
-                    <a16:creationId xmlns:a16="http://schemas.microsoft.com/office/drawing/2014/main" xmlns="" id="{41E10E1E-5268-4F03-BA64-07E19DE26739}"/>
+                    <a16:creationId xmlns:a16="http://schemas.microsoft.com/office/drawing/2014/main" id="{41E10E1E-5268-4F03-BA64-07E19DE26739}"/>
                   </a:ext>
                 </a:extLst>
               </p:cNvPr>
@@ -2155,7 +2172,7 @@
               <p:cNvPr id="16" name="Freeform: Shape 15">
                 <a:extLst>
                   <a:ext uri="{FF2B5EF4-FFF2-40B4-BE49-F238E27FC236}">
-                    <a16:creationId xmlns:a16="http://schemas.microsoft.com/office/drawing/2014/main" xmlns="" id="{B989C45D-BDFF-418F-BE79-03FF70015770}"/>
+                    <a16:creationId xmlns:a16="http://schemas.microsoft.com/office/drawing/2014/main" id="{B989C45D-BDFF-418F-BE79-03FF70015770}"/>
                   </a:ext>
                 </a:extLst>
               </p:cNvPr>
@@ -2319,7 +2336,7 @@
               <p:cNvPr id="17" name="Right Triangle 16">
                 <a:extLst>
                   <a:ext uri="{FF2B5EF4-FFF2-40B4-BE49-F238E27FC236}">
-                    <a16:creationId xmlns:a16="http://schemas.microsoft.com/office/drawing/2014/main" xmlns="" id="{8DCD5806-2A2F-4ABF-8057-245681C498E6}"/>
+                    <a16:creationId xmlns:a16="http://schemas.microsoft.com/office/drawing/2014/main" id="{8DCD5806-2A2F-4ABF-8057-245681C498E6}"/>
                   </a:ext>
                 </a:extLst>
               </p:cNvPr>
@@ -2373,7 +2390,7 @@
               <p:cNvPr id="18" name="Right Triangle 17">
                 <a:extLst>
                   <a:ext uri="{FF2B5EF4-FFF2-40B4-BE49-F238E27FC236}">
-                    <a16:creationId xmlns:a16="http://schemas.microsoft.com/office/drawing/2014/main" xmlns="" id="{3A93038F-E9E4-4FFD-B3DF-28DB7C2C1490}"/>
+                    <a16:creationId xmlns:a16="http://schemas.microsoft.com/office/drawing/2014/main" id="{3A93038F-E9E4-4FFD-B3DF-28DB7C2C1490}"/>
                   </a:ext>
                 </a:extLst>
               </p:cNvPr>
@@ -2430,7 +2447,7 @@
               <p:cNvPr id="19" name="Right Triangle 18">
                 <a:extLst>
                   <a:ext uri="{FF2B5EF4-FFF2-40B4-BE49-F238E27FC236}">
-                    <a16:creationId xmlns:a16="http://schemas.microsoft.com/office/drawing/2014/main" xmlns="" id="{5DEA1E02-BBD0-4AE3-AF22-433B90272178}"/>
+                    <a16:creationId xmlns:a16="http://schemas.microsoft.com/office/drawing/2014/main" id="{5DEA1E02-BBD0-4AE3-AF22-433B90272178}"/>
                   </a:ext>
                 </a:extLst>
               </p:cNvPr>
@@ -2484,7 +2501,7 @@
               <p:cNvPr id="20" name="Freeform: Shape 19">
                 <a:extLst>
                   <a:ext uri="{FF2B5EF4-FFF2-40B4-BE49-F238E27FC236}">
-                    <a16:creationId xmlns:a16="http://schemas.microsoft.com/office/drawing/2014/main" xmlns="" id="{0027A677-9ACB-4264-B148-4806678FB83F}"/>
+                    <a16:creationId xmlns:a16="http://schemas.microsoft.com/office/drawing/2014/main" id="{0027A677-9ACB-4264-B148-4806678FB83F}"/>
                   </a:ext>
                 </a:extLst>
               </p:cNvPr>
@@ -2647,7 +2664,7 @@
             <p:cNvPr id="9" name="Freeform: Shape 12">
               <a:extLst>
                 <a:ext uri="{FF2B5EF4-FFF2-40B4-BE49-F238E27FC236}">
-                  <a16:creationId xmlns:a16="http://schemas.microsoft.com/office/drawing/2014/main" xmlns="" id="{E3AAB79D-382D-4A95-965E-526B6A681DA7}"/>
+                  <a16:creationId xmlns:a16="http://schemas.microsoft.com/office/drawing/2014/main" id="{E3AAB79D-382D-4A95-965E-526B6A681DA7}"/>
                 </a:ext>
               </a:extLst>
             </p:cNvPr>
@@ -2737,7 +2754,7 @@
             <p:cNvPr id="10" name="Freeform: Shape 9">
               <a:extLst>
                 <a:ext uri="{FF2B5EF4-FFF2-40B4-BE49-F238E27FC236}">
-                  <a16:creationId xmlns:a16="http://schemas.microsoft.com/office/drawing/2014/main" xmlns="" id="{C0A22127-2B4A-4B15-B0A9-F019A30347A1}"/>
+                  <a16:creationId xmlns:a16="http://schemas.microsoft.com/office/drawing/2014/main" id="{C0A22127-2B4A-4B15-B0A9-F019A30347A1}"/>
                 </a:ext>
               </a:extLst>
             </p:cNvPr>
@@ -2840,7 +2857,7 @@
             <p:cNvPr id="11" name="Freeform: Shape 12">
               <a:extLst>
                 <a:ext uri="{FF2B5EF4-FFF2-40B4-BE49-F238E27FC236}">
-                  <a16:creationId xmlns:a16="http://schemas.microsoft.com/office/drawing/2014/main" xmlns="" id="{F04D9FDC-1B67-4254-9535-CD32E81F0C3E}"/>
+                  <a16:creationId xmlns:a16="http://schemas.microsoft.com/office/drawing/2014/main" id="{F04D9FDC-1B67-4254-9535-CD32E81F0C3E}"/>
                 </a:ext>
               </a:extLst>
             </p:cNvPr>
@@ -2938,7 +2955,7 @@
             <p:cNvPr id="6" name="Group 11">
               <a:extLst>
                 <a:ext uri="{FF2B5EF4-FFF2-40B4-BE49-F238E27FC236}">
-                  <a16:creationId xmlns:a16="http://schemas.microsoft.com/office/drawing/2014/main" xmlns="" id="{0A86C4EA-4CF8-4531-845D-4FCB1E2F7422}"/>
+                  <a16:creationId xmlns:a16="http://schemas.microsoft.com/office/drawing/2014/main" id="{0A86C4EA-4CF8-4531-845D-4FCB1E2F7422}"/>
                 </a:ext>
               </a:extLst>
             </p:cNvPr>
@@ -2958,7 +2975,7 @@
               <p:cNvPr id="13" name="Freeform: Shape 12">
                 <a:extLst>
                   <a:ext uri="{FF2B5EF4-FFF2-40B4-BE49-F238E27FC236}">
-                    <a16:creationId xmlns:a16="http://schemas.microsoft.com/office/drawing/2014/main" xmlns="" id="{1101B195-C112-4D20-8D19-4D22479B150D}"/>
+                    <a16:creationId xmlns:a16="http://schemas.microsoft.com/office/drawing/2014/main" id="{1101B195-C112-4D20-8D19-4D22479B150D}"/>
                   </a:ext>
                 </a:extLst>
               </p:cNvPr>
@@ -3048,7 +3065,7 @@
               <p:cNvPr id="14" name="Freeform: Shape 12">
                 <a:extLst>
                   <a:ext uri="{FF2B5EF4-FFF2-40B4-BE49-F238E27FC236}">
-                    <a16:creationId xmlns:a16="http://schemas.microsoft.com/office/drawing/2014/main" xmlns="" id="{CA755F1F-9955-4CBB-8F34-F7801CA44CE7}"/>
+                    <a16:creationId xmlns:a16="http://schemas.microsoft.com/office/drawing/2014/main" id="{CA755F1F-9955-4CBB-8F34-F7801CA44CE7}"/>
                   </a:ext>
                 </a:extLst>
               </p:cNvPr>
@@ -3148,7 +3165,7 @@
           <p:cNvPr id="2" name="Title 1">
             <a:extLst>
               <a:ext uri="{FF2B5EF4-FFF2-40B4-BE49-F238E27FC236}">
-                <a16:creationId xmlns:a16="http://schemas.microsoft.com/office/drawing/2014/main" xmlns="" id="{9E597736-C478-4C26-9BAF-205FE31E977C}"/>
+                <a16:creationId xmlns:a16="http://schemas.microsoft.com/office/drawing/2014/main" id="{9E597736-C478-4C26-9BAF-205FE31E977C}"/>
               </a:ext>
             </a:extLst>
           </p:cNvPr>
@@ -3195,7 +3212,7 @@
           <p:cNvPr id="3" name="Subtitle 2">
             <a:extLst>
               <a:ext uri="{FF2B5EF4-FFF2-40B4-BE49-F238E27FC236}">
-                <a16:creationId xmlns:a16="http://schemas.microsoft.com/office/drawing/2014/main" xmlns="" id="{C3D2DEF0-A0B0-4CFE-B67D-A9D75E2368DC}"/>
+                <a16:creationId xmlns:a16="http://schemas.microsoft.com/office/drawing/2014/main" id="{C3D2DEF0-A0B0-4CFE-B67D-A9D75E2368DC}"/>
               </a:ext>
             </a:extLst>
           </p:cNvPr>
@@ -3231,7 +3248,7 @@
           <a:p>
             <a:pPr marL="228600" lvl="0" indent="-228600"/>
             <a:r>
-              <a:rPr lang="es-ES" noProof="0" smtClean="0"/>
+              <a:rPr lang="es-ES" noProof="0"/>
               <a:t>Haga clic para modificar el estilo de subtítulo del patrón</a:t>
             </a:r>
             <a:endParaRPr lang="en-US" noProof="0"/>
@@ -3241,7 +3258,7 @@
     </p:spTree>
     <p:extLst>
       <p:ext uri="{BB962C8B-B14F-4D97-AF65-F5344CB8AC3E}">
-        <p14:creationId xmlns:p14="http://schemas.microsoft.com/office/powerpoint/2010/main" xmlns="" val="436959625"/>
+        <p14:creationId xmlns:p14="http://schemas.microsoft.com/office/powerpoint/2010/main" val="436959625"/>
       </p:ext>
     </p:extLst>
   </p:cSld>
@@ -3273,7 +3290,7 @@
           <p:cNvPr id="7" name="Rectangle 6">
             <a:extLst>
               <a:ext uri="{FF2B5EF4-FFF2-40B4-BE49-F238E27FC236}">
-                <a16:creationId xmlns:a16="http://schemas.microsoft.com/office/drawing/2014/main" xmlns="" id="{B2838D16-809E-4EB1-8C0C-0E63D8139112}"/>
+                <a16:creationId xmlns:a16="http://schemas.microsoft.com/office/drawing/2014/main" id="{B2838D16-809E-4EB1-8C0C-0E63D8139112}"/>
               </a:ext>
             </a:extLst>
           </p:cNvPr>
@@ -3325,7 +3342,7 @@
           <p:cNvPr id="8" name="Freeform: Shape 7">
             <a:extLst>
               <a:ext uri="{FF2B5EF4-FFF2-40B4-BE49-F238E27FC236}">
-                <a16:creationId xmlns:a16="http://schemas.microsoft.com/office/drawing/2014/main" xmlns="" id="{01FEB333-94B4-4E53-9019-D584810903BB}"/>
+                <a16:creationId xmlns:a16="http://schemas.microsoft.com/office/drawing/2014/main" id="{01FEB333-94B4-4E53-9019-D584810903BB}"/>
               </a:ext>
             </a:extLst>
           </p:cNvPr>
@@ -3446,7 +3463,7 @@
           <p:cNvPr id="9" name="Freeform: Shape 8">
             <a:extLst>
               <a:ext uri="{FF2B5EF4-FFF2-40B4-BE49-F238E27FC236}">
-                <a16:creationId xmlns:a16="http://schemas.microsoft.com/office/drawing/2014/main" xmlns="" id="{A59B9489-0CD9-4DB7-AC82-6E7867F91403}"/>
+                <a16:creationId xmlns:a16="http://schemas.microsoft.com/office/drawing/2014/main" id="{A59B9489-0CD9-4DB7-AC82-6E7867F91403}"/>
               </a:ext>
             </a:extLst>
           </p:cNvPr>
@@ -3586,7 +3603,7 @@
           <p:cNvPr id="10" name="Right Triangle 9">
             <a:extLst>
               <a:ext uri="{FF2B5EF4-FFF2-40B4-BE49-F238E27FC236}">
-                <a16:creationId xmlns:a16="http://schemas.microsoft.com/office/drawing/2014/main" xmlns="" id="{A55D1C76-C591-4FA5-9780-87AB6B37C0FA}"/>
+                <a16:creationId xmlns:a16="http://schemas.microsoft.com/office/drawing/2014/main" id="{A55D1C76-C591-4FA5-9780-87AB6B37C0FA}"/>
               </a:ext>
             </a:extLst>
           </p:cNvPr>
@@ -3640,7 +3657,7 @@
           <p:cNvPr id="11" name="Freeform: Shape 10">
             <a:extLst>
               <a:ext uri="{FF2B5EF4-FFF2-40B4-BE49-F238E27FC236}">
-                <a16:creationId xmlns:a16="http://schemas.microsoft.com/office/drawing/2014/main" xmlns="" id="{A7DC1D12-670F-4235-8791-FA8C2B330871}"/>
+                <a16:creationId xmlns:a16="http://schemas.microsoft.com/office/drawing/2014/main" id="{A7DC1D12-670F-4235-8791-FA8C2B330871}"/>
               </a:ext>
             </a:extLst>
           </p:cNvPr>
@@ -3786,7 +3803,7 @@
           <p:cNvPr id="12" name="Freeform: Shape 11">
             <a:extLst>
               <a:ext uri="{FF2B5EF4-FFF2-40B4-BE49-F238E27FC236}">
-                <a16:creationId xmlns:a16="http://schemas.microsoft.com/office/drawing/2014/main" xmlns="" id="{859569CF-FDAC-47C4-A0F5-296F7117C398}"/>
+                <a16:creationId xmlns:a16="http://schemas.microsoft.com/office/drawing/2014/main" id="{859569CF-FDAC-47C4-A0F5-296F7117C398}"/>
               </a:ext>
             </a:extLst>
           </p:cNvPr>
@@ -3886,7 +3903,7 @@
           <p:cNvPr id="13" name="Freeform: Shape 12">
             <a:extLst>
               <a:ext uri="{FF2B5EF4-FFF2-40B4-BE49-F238E27FC236}">
-                <a16:creationId xmlns:a16="http://schemas.microsoft.com/office/drawing/2014/main" xmlns="" id="{D68D0C72-2B2C-4C85-A091-157853C71784}"/>
+                <a16:creationId xmlns:a16="http://schemas.microsoft.com/office/drawing/2014/main" id="{D68D0C72-2B2C-4C85-A091-157853C71784}"/>
               </a:ext>
             </a:extLst>
           </p:cNvPr>
@@ -3994,7 +4011,7 @@
           <p:cNvPr id="14" name="Freeform: Shape 13">
             <a:extLst>
               <a:ext uri="{FF2B5EF4-FFF2-40B4-BE49-F238E27FC236}">
-                <a16:creationId xmlns:a16="http://schemas.microsoft.com/office/drawing/2014/main" xmlns="" id="{8E25334A-5FE3-4DDA-8D32-4796CCFCAA74}"/>
+                <a16:creationId xmlns:a16="http://schemas.microsoft.com/office/drawing/2014/main" id="{8E25334A-5FE3-4DDA-8D32-4796CCFCAA74}"/>
               </a:ext>
             </a:extLst>
           </p:cNvPr>
@@ -4086,7 +4103,7 @@
           <p:cNvPr id="15" name="Freeform: Shape 14">
             <a:extLst>
               <a:ext uri="{FF2B5EF4-FFF2-40B4-BE49-F238E27FC236}">
-                <a16:creationId xmlns:a16="http://schemas.microsoft.com/office/drawing/2014/main" xmlns="" id="{18818DF1-D7FD-4C0F-875D-7A07E8F75C06}"/>
+                <a16:creationId xmlns:a16="http://schemas.microsoft.com/office/drawing/2014/main" id="{18818DF1-D7FD-4C0F-875D-7A07E8F75C06}"/>
               </a:ext>
             </a:extLst>
           </p:cNvPr>
@@ -4186,7 +4203,7 @@
           <p:cNvPr id="2" name="Group 15">
             <a:extLst>
               <a:ext uri="{FF2B5EF4-FFF2-40B4-BE49-F238E27FC236}">
-                <a16:creationId xmlns:a16="http://schemas.microsoft.com/office/drawing/2014/main" xmlns="" id="{8F9BB384-9E14-4CEA-82C1-21837229D3EF}"/>
+                <a16:creationId xmlns:a16="http://schemas.microsoft.com/office/drawing/2014/main" id="{8F9BB384-9E14-4CEA-82C1-21837229D3EF}"/>
               </a:ext>
             </a:extLst>
           </p:cNvPr>
@@ -4206,7 +4223,7 @@
             <p:cNvPr id="17" name="Freeform: Shape 16">
               <a:extLst>
                 <a:ext uri="{FF2B5EF4-FFF2-40B4-BE49-F238E27FC236}">
-                  <a16:creationId xmlns:a16="http://schemas.microsoft.com/office/drawing/2014/main" xmlns="" id="{0862A81A-959D-4EAB-90ED-DB20759BB397}"/>
+                  <a16:creationId xmlns:a16="http://schemas.microsoft.com/office/drawing/2014/main" id="{0862A81A-959D-4EAB-90ED-DB20759BB397}"/>
                 </a:ext>
               </a:extLst>
             </p:cNvPr>
@@ -4296,7 +4313,7 @@
             <p:cNvPr id="18" name="Freeform: Shape 17">
               <a:extLst>
                 <a:ext uri="{FF2B5EF4-FFF2-40B4-BE49-F238E27FC236}">
-                  <a16:creationId xmlns:a16="http://schemas.microsoft.com/office/drawing/2014/main" xmlns="" id="{AAB9E28C-9422-42BD-AECE-29B44B5D63E2}"/>
+                  <a16:creationId xmlns:a16="http://schemas.microsoft.com/office/drawing/2014/main" id="{AAB9E28C-9422-42BD-AECE-29B44B5D63E2}"/>
                 </a:ext>
               </a:extLst>
             </p:cNvPr>
@@ -4395,7 +4412,7 @@
           <p:cNvPr id="4" name="Group 18">
             <a:extLst>
               <a:ext uri="{FF2B5EF4-FFF2-40B4-BE49-F238E27FC236}">
-                <a16:creationId xmlns:a16="http://schemas.microsoft.com/office/drawing/2014/main" xmlns="" id="{2772239B-C46D-4458-BB4B-DDB12FAB0172}"/>
+                <a16:creationId xmlns:a16="http://schemas.microsoft.com/office/drawing/2014/main" id="{2772239B-C46D-4458-BB4B-DDB12FAB0172}"/>
               </a:ext>
             </a:extLst>
           </p:cNvPr>
@@ -4415,7 +4432,7 @@
             <p:cNvPr id="20" name="Freeform: Shape 19">
               <a:extLst>
                 <a:ext uri="{FF2B5EF4-FFF2-40B4-BE49-F238E27FC236}">
-                  <a16:creationId xmlns:a16="http://schemas.microsoft.com/office/drawing/2014/main" xmlns="" id="{3C8A2A1A-1FB9-4CA1-B74E-B293187E51AA}"/>
+                  <a16:creationId xmlns:a16="http://schemas.microsoft.com/office/drawing/2014/main" id="{3C8A2A1A-1FB9-4CA1-B74E-B293187E51AA}"/>
                 </a:ext>
               </a:extLst>
             </p:cNvPr>
@@ -4505,7 +4522,7 @@
             <p:cNvPr id="21" name="Freeform: Shape 20">
               <a:extLst>
                 <a:ext uri="{FF2B5EF4-FFF2-40B4-BE49-F238E27FC236}">
-                  <a16:creationId xmlns:a16="http://schemas.microsoft.com/office/drawing/2014/main" xmlns="" id="{DF2B18BA-6B43-40FA-A23B-D894D6AB468B}"/>
+                  <a16:creationId xmlns:a16="http://schemas.microsoft.com/office/drawing/2014/main" id="{DF2B18BA-6B43-40FA-A23B-D894D6AB468B}"/>
                 </a:ext>
               </a:extLst>
             </p:cNvPr>
@@ -4604,7 +4621,7 @@
           <p:cNvPr id="3" name="Text Placeholder 2">
             <a:extLst>
               <a:ext uri="{FF2B5EF4-FFF2-40B4-BE49-F238E27FC236}">
-                <a16:creationId xmlns:a16="http://schemas.microsoft.com/office/drawing/2014/main" xmlns="" id="{5E194264-A3F5-42E2-9A63-DCCED0457E1B}"/>
+                <a16:creationId xmlns:a16="http://schemas.microsoft.com/office/drawing/2014/main" id="{5E194264-A3F5-42E2-9A63-DCCED0457E1B}"/>
               </a:ext>
             </a:extLst>
           </p:cNvPr>
@@ -4643,7 +4660,7 @@
           <a:p>
             <a:pPr marL="228600" lvl="0" indent="-228600"/>
             <a:r>
-              <a:rPr lang="es-ES" noProof="0" smtClean="0"/>
+              <a:rPr lang="es-ES" noProof="0"/>
               <a:t>Haga clic para modificar el estilo de texto del patrón</a:t>
             </a:r>
           </a:p>
@@ -4654,7 +4671,7 @@
           <p:cNvPr id="22" name="Slide Number Placeholder 4">
             <a:extLst>
               <a:ext uri="{FF2B5EF4-FFF2-40B4-BE49-F238E27FC236}">
-                <a16:creationId xmlns:a16="http://schemas.microsoft.com/office/drawing/2014/main" xmlns="" id="{0F332671-6296-47C8-BF26-B2D962F5D03D}"/>
+                <a16:creationId xmlns:a16="http://schemas.microsoft.com/office/drawing/2014/main" id="{0F332671-6296-47C8-BF26-B2D962F5D03D}"/>
               </a:ext>
             </a:extLst>
           </p:cNvPr>
@@ -4698,7 +4715,7 @@
           <p:cNvPr id="23" name="Title 1">
             <a:extLst>
               <a:ext uri="{FF2B5EF4-FFF2-40B4-BE49-F238E27FC236}">
-                <a16:creationId xmlns:a16="http://schemas.microsoft.com/office/drawing/2014/main" xmlns="" id="{7772A652-7229-2B42-B87B-298C31D6F0CB}"/>
+                <a16:creationId xmlns:a16="http://schemas.microsoft.com/office/drawing/2014/main" id="{7772A652-7229-2B42-B87B-298C31D6F0CB}"/>
               </a:ext>
             </a:extLst>
           </p:cNvPr>
@@ -4741,7 +4758,7 @@
     </p:spTree>
     <p:extLst>
       <p:ext uri="{BB962C8B-B14F-4D97-AF65-F5344CB8AC3E}">
-        <p14:creationId xmlns:p14="http://schemas.microsoft.com/office/powerpoint/2010/main" xmlns="" val="1675197494"/>
+        <p14:creationId xmlns:p14="http://schemas.microsoft.com/office/powerpoint/2010/main" val="1675197494"/>
       </p:ext>
     </p:extLst>
   </p:cSld>
@@ -4773,7 +4790,7 @@
           <p:cNvPr id="22" name="Rectangle 21">
             <a:extLst>
               <a:ext uri="{FF2B5EF4-FFF2-40B4-BE49-F238E27FC236}">
-                <a16:creationId xmlns:a16="http://schemas.microsoft.com/office/drawing/2014/main" xmlns="" id="{2CDBB6E5-B91E-4946-9390-E8693855103A}"/>
+                <a16:creationId xmlns:a16="http://schemas.microsoft.com/office/drawing/2014/main" id="{2CDBB6E5-B91E-4946-9390-E8693855103A}"/>
               </a:ext>
             </a:extLst>
           </p:cNvPr>
@@ -4827,7 +4844,7 @@
           <p:cNvPr id="34" name="Freeform: Shape 33">
             <a:extLst>
               <a:ext uri="{FF2B5EF4-FFF2-40B4-BE49-F238E27FC236}">
-                <a16:creationId xmlns:a16="http://schemas.microsoft.com/office/drawing/2014/main" xmlns="" id="{0C3CC1C9-1FA0-4FE4-8984-4A8B3728D674}"/>
+                <a16:creationId xmlns:a16="http://schemas.microsoft.com/office/drawing/2014/main" id="{0C3CC1C9-1FA0-4FE4-8984-4A8B3728D674}"/>
               </a:ext>
             </a:extLst>
           </p:cNvPr>
@@ -4972,7 +4989,7 @@
           <p:cNvPr id="24" name="Freeform: Shape 23">
             <a:extLst>
               <a:ext uri="{FF2B5EF4-FFF2-40B4-BE49-F238E27FC236}">
-                <a16:creationId xmlns:a16="http://schemas.microsoft.com/office/drawing/2014/main" xmlns="" id="{8E049265-431E-48DE-B7F7-4959930171DC}"/>
+                <a16:creationId xmlns:a16="http://schemas.microsoft.com/office/drawing/2014/main" id="{8E049265-431E-48DE-B7F7-4959930171DC}"/>
               </a:ext>
             </a:extLst>
           </p:cNvPr>
@@ -5112,7 +5129,7 @@
           <p:cNvPr id="25" name="Freeform: Shape 24">
             <a:extLst>
               <a:ext uri="{FF2B5EF4-FFF2-40B4-BE49-F238E27FC236}">
-                <a16:creationId xmlns:a16="http://schemas.microsoft.com/office/drawing/2014/main" xmlns="" id="{173E5F2D-1F8E-4DCC-857F-932C6C6539BB}"/>
+                <a16:creationId xmlns:a16="http://schemas.microsoft.com/office/drawing/2014/main" id="{173E5F2D-1F8E-4DCC-857F-932C6C6539BB}"/>
               </a:ext>
             </a:extLst>
           </p:cNvPr>
@@ -5258,7 +5275,7 @@
           <p:cNvPr id="4" name="Group 25">
             <a:extLst>
               <a:ext uri="{FF2B5EF4-FFF2-40B4-BE49-F238E27FC236}">
-                <a16:creationId xmlns:a16="http://schemas.microsoft.com/office/drawing/2014/main" xmlns="" id="{E9318B2B-E019-4078-9EF0-C9D6281AE31B}"/>
+                <a16:creationId xmlns:a16="http://schemas.microsoft.com/office/drawing/2014/main" id="{E9318B2B-E019-4078-9EF0-C9D6281AE31B}"/>
               </a:ext>
             </a:extLst>
           </p:cNvPr>
@@ -5278,7 +5295,7 @@
             <p:cNvPr id="27" name="Freeform: Shape 26">
               <a:extLst>
                 <a:ext uri="{FF2B5EF4-FFF2-40B4-BE49-F238E27FC236}">
-                  <a16:creationId xmlns:a16="http://schemas.microsoft.com/office/drawing/2014/main" xmlns="" id="{D3E625C0-9656-421F-861F-67C8F93362ED}"/>
+                  <a16:creationId xmlns:a16="http://schemas.microsoft.com/office/drawing/2014/main" id="{D3E625C0-9656-421F-861F-67C8F93362ED}"/>
                 </a:ext>
               </a:extLst>
             </p:cNvPr>
@@ -5378,7 +5395,7 @@
             <p:cNvPr id="28" name="Freeform: Shape 27">
               <a:extLst>
                 <a:ext uri="{FF2B5EF4-FFF2-40B4-BE49-F238E27FC236}">
-                  <a16:creationId xmlns:a16="http://schemas.microsoft.com/office/drawing/2014/main" xmlns="" id="{49F8E490-C6E3-4D00-866F-CD85DD88996E}"/>
+                  <a16:creationId xmlns:a16="http://schemas.microsoft.com/office/drawing/2014/main" id="{49F8E490-C6E3-4D00-866F-CD85DD88996E}"/>
                 </a:ext>
               </a:extLst>
             </p:cNvPr>
@@ -5487,7 +5504,7 @@
           <p:cNvPr id="29" name="Freeform: Shape 28">
             <a:extLst>
               <a:ext uri="{FF2B5EF4-FFF2-40B4-BE49-F238E27FC236}">
-                <a16:creationId xmlns:a16="http://schemas.microsoft.com/office/drawing/2014/main" xmlns="" id="{EE8F5B31-1523-46AE-9455-C33DFC1BDDE0}"/>
+                <a16:creationId xmlns:a16="http://schemas.microsoft.com/office/drawing/2014/main" id="{EE8F5B31-1523-46AE-9455-C33DFC1BDDE0}"/>
               </a:ext>
             </a:extLst>
           </p:cNvPr>
@@ -5579,7 +5596,7 @@
           <p:cNvPr id="30" name="Freeform: Shape 29">
             <a:extLst>
               <a:ext uri="{FF2B5EF4-FFF2-40B4-BE49-F238E27FC236}">
-                <a16:creationId xmlns:a16="http://schemas.microsoft.com/office/drawing/2014/main" xmlns="" id="{5D17048F-C2E1-4775-BC32-50BD6219F89D}"/>
+                <a16:creationId xmlns:a16="http://schemas.microsoft.com/office/drawing/2014/main" id="{5D17048F-C2E1-4775-BC32-50BD6219F89D}"/>
               </a:ext>
             </a:extLst>
           </p:cNvPr>
@@ -5679,7 +5696,7 @@
           <p:cNvPr id="5" name="Group 30">
             <a:extLst>
               <a:ext uri="{FF2B5EF4-FFF2-40B4-BE49-F238E27FC236}">
-                <a16:creationId xmlns:a16="http://schemas.microsoft.com/office/drawing/2014/main" xmlns="" id="{EAB002AA-4848-49C8-A834-036F860C79A3}"/>
+                <a16:creationId xmlns:a16="http://schemas.microsoft.com/office/drawing/2014/main" id="{EAB002AA-4848-49C8-A834-036F860C79A3}"/>
               </a:ext>
             </a:extLst>
           </p:cNvPr>
@@ -5699,7 +5716,7 @@
             <p:cNvPr id="32" name="Freeform: Shape 31">
               <a:extLst>
                 <a:ext uri="{FF2B5EF4-FFF2-40B4-BE49-F238E27FC236}">
-                  <a16:creationId xmlns:a16="http://schemas.microsoft.com/office/drawing/2014/main" xmlns="" id="{14B187A8-7F8D-469D-A03B-4F835A5746DE}"/>
+                  <a16:creationId xmlns:a16="http://schemas.microsoft.com/office/drawing/2014/main" id="{14B187A8-7F8D-469D-A03B-4F835A5746DE}"/>
                 </a:ext>
               </a:extLst>
             </p:cNvPr>
@@ -5789,7 +5806,7 @@
             <p:cNvPr id="33" name="Freeform: Shape 32">
               <a:extLst>
                 <a:ext uri="{FF2B5EF4-FFF2-40B4-BE49-F238E27FC236}">
-                  <a16:creationId xmlns:a16="http://schemas.microsoft.com/office/drawing/2014/main" xmlns="" id="{03D871D1-A11A-48FB-82A8-8D61AB5CB85C}"/>
+                  <a16:creationId xmlns:a16="http://schemas.microsoft.com/office/drawing/2014/main" id="{03D871D1-A11A-48FB-82A8-8D61AB5CB85C}"/>
                 </a:ext>
               </a:extLst>
             </p:cNvPr>
@@ -5888,7 +5905,7 @@
           <p:cNvPr id="2" name="Title 1">
             <a:extLst>
               <a:ext uri="{FF2B5EF4-FFF2-40B4-BE49-F238E27FC236}">
-                <a16:creationId xmlns:a16="http://schemas.microsoft.com/office/drawing/2014/main" xmlns="" id="{42374B20-3E42-44AF-BEF1-8AB33067395C}"/>
+                <a16:creationId xmlns:a16="http://schemas.microsoft.com/office/drawing/2014/main" id="{42374B20-3E42-44AF-BEF1-8AB33067395C}"/>
               </a:ext>
             </a:extLst>
           </p:cNvPr>
@@ -5933,7 +5950,7 @@
           <p:cNvPr id="3" name="Text Placeholder 2">
             <a:extLst>
               <a:ext uri="{FF2B5EF4-FFF2-40B4-BE49-F238E27FC236}">
-                <a16:creationId xmlns:a16="http://schemas.microsoft.com/office/drawing/2014/main" xmlns="" id="{5E194264-A3F5-42E2-9A63-DCCED0457E1B}"/>
+                <a16:creationId xmlns:a16="http://schemas.microsoft.com/office/drawing/2014/main" id="{5E194264-A3F5-42E2-9A63-DCCED0457E1B}"/>
               </a:ext>
             </a:extLst>
           </p:cNvPr>
@@ -5972,7 +5989,7 @@
           <a:p>
             <a:pPr marL="228600" lvl="0" indent="-228600"/>
             <a:r>
-              <a:rPr lang="es-ES" noProof="0" smtClean="0"/>
+              <a:rPr lang="es-ES" noProof="0"/>
               <a:t>Haga clic para modificar el estilo de texto del patrón</a:t>
             </a:r>
           </a:p>
@@ -5983,7 +6000,7 @@
           <p:cNvPr id="35" name="Slide Number Placeholder 4">
             <a:extLst>
               <a:ext uri="{FF2B5EF4-FFF2-40B4-BE49-F238E27FC236}">
-                <a16:creationId xmlns:a16="http://schemas.microsoft.com/office/drawing/2014/main" xmlns="" id="{6F73F836-940E-4B65-A29C-D0869263C935}"/>
+                <a16:creationId xmlns:a16="http://schemas.microsoft.com/office/drawing/2014/main" id="{6F73F836-940E-4B65-A29C-D0869263C935}"/>
               </a:ext>
             </a:extLst>
           </p:cNvPr>
@@ -6025,7 +6042,7 @@
     </p:spTree>
     <p:extLst>
       <p:ext uri="{BB962C8B-B14F-4D97-AF65-F5344CB8AC3E}">
-        <p14:creationId xmlns:p14="http://schemas.microsoft.com/office/powerpoint/2010/main" xmlns="" val="3511478827"/>
+        <p14:creationId xmlns:p14="http://schemas.microsoft.com/office/powerpoint/2010/main" val="3511478827"/>
       </p:ext>
     </p:extLst>
   </p:cSld>
@@ -6057,7 +6074,7 @@
           <p:cNvPr id="22" name="Rectangle 21">
             <a:extLst>
               <a:ext uri="{FF2B5EF4-FFF2-40B4-BE49-F238E27FC236}">
-                <a16:creationId xmlns:a16="http://schemas.microsoft.com/office/drawing/2014/main" xmlns="" id="{2CDBB6E5-B91E-4946-9390-E8693855103A}"/>
+                <a16:creationId xmlns:a16="http://schemas.microsoft.com/office/drawing/2014/main" id="{2CDBB6E5-B91E-4946-9390-E8693855103A}"/>
               </a:ext>
             </a:extLst>
           </p:cNvPr>
@@ -6111,7 +6128,7 @@
           <p:cNvPr id="34" name="Freeform: Shape 33">
             <a:extLst>
               <a:ext uri="{FF2B5EF4-FFF2-40B4-BE49-F238E27FC236}">
-                <a16:creationId xmlns:a16="http://schemas.microsoft.com/office/drawing/2014/main" xmlns="" id="{0C3CC1C9-1FA0-4FE4-8984-4A8B3728D674}"/>
+                <a16:creationId xmlns:a16="http://schemas.microsoft.com/office/drawing/2014/main" id="{0C3CC1C9-1FA0-4FE4-8984-4A8B3728D674}"/>
               </a:ext>
             </a:extLst>
           </p:cNvPr>
@@ -6256,7 +6273,7 @@
           <p:cNvPr id="24" name="Freeform: Shape 23">
             <a:extLst>
               <a:ext uri="{FF2B5EF4-FFF2-40B4-BE49-F238E27FC236}">
-                <a16:creationId xmlns:a16="http://schemas.microsoft.com/office/drawing/2014/main" xmlns="" id="{8E049265-431E-48DE-B7F7-4959930171DC}"/>
+                <a16:creationId xmlns:a16="http://schemas.microsoft.com/office/drawing/2014/main" id="{8E049265-431E-48DE-B7F7-4959930171DC}"/>
               </a:ext>
             </a:extLst>
           </p:cNvPr>
@@ -6396,7 +6413,7 @@
           <p:cNvPr id="25" name="Freeform: Shape 24">
             <a:extLst>
               <a:ext uri="{FF2B5EF4-FFF2-40B4-BE49-F238E27FC236}">
-                <a16:creationId xmlns:a16="http://schemas.microsoft.com/office/drawing/2014/main" xmlns="" id="{173E5F2D-1F8E-4DCC-857F-932C6C6539BB}"/>
+                <a16:creationId xmlns:a16="http://schemas.microsoft.com/office/drawing/2014/main" id="{173E5F2D-1F8E-4DCC-857F-932C6C6539BB}"/>
               </a:ext>
             </a:extLst>
           </p:cNvPr>
@@ -6542,7 +6559,7 @@
           <p:cNvPr id="4" name="Oval 3">
             <a:extLst>
               <a:ext uri="{FF2B5EF4-FFF2-40B4-BE49-F238E27FC236}">
-                <a16:creationId xmlns:a16="http://schemas.microsoft.com/office/drawing/2014/main" xmlns="" id="{ECB4C115-EFF9-405C-98BE-F4077B9730D0}"/>
+                <a16:creationId xmlns:a16="http://schemas.microsoft.com/office/drawing/2014/main" id="{ECB4C115-EFF9-405C-98BE-F4077B9730D0}"/>
               </a:ext>
             </a:extLst>
           </p:cNvPr>
@@ -6600,7 +6617,7 @@
           <p:cNvPr id="18" name="Title 1">
             <a:extLst>
               <a:ext uri="{FF2B5EF4-FFF2-40B4-BE49-F238E27FC236}">
-                <a16:creationId xmlns:a16="http://schemas.microsoft.com/office/drawing/2014/main" xmlns="" id="{C9A300DD-BB54-44ED-A7E4-01CD41EC930F}"/>
+                <a16:creationId xmlns:a16="http://schemas.microsoft.com/office/drawing/2014/main" id="{C9A300DD-BB54-44ED-A7E4-01CD41EC930F}"/>
               </a:ext>
             </a:extLst>
           </p:cNvPr>
@@ -6663,7 +6680,7 @@
           <p:cNvPr id="2" name="Title 1">
             <a:extLst>
               <a:ext uri="{FF2B5EF4-FFF2-40B4-BE49-F238E27FC236}">
-                <a16:creationId xmlns:a16="http://schemas.microsoft.com/office/drawing/2014/main" xmlns="" id="{42374B20-3E42-44AF-BEF1-8AB33067395C}"/>
+                <a16:creationId xmlns:a16="http://schemas.microsoft.com/office/drawing/2014/main" id="{42374B20-3E42-44AF-BEF1-8AB33067395C}"/>
               </a:ext>
             </a:extLst>
           </p:cNvPr>
@@ -6711,7 +6728,7 @@
           <p:cNvPr id="19" name="Slide Number Placeholder 4">
             <a:extLst>
               <a:ext uri="{FF2B5EF4-FFF2-40B4-BE49-F238E27FC236}">
-                <a16:creationId xmlns:a16="http://schemas.microsoft.com/office/drawing/2014/main" xmlns="" id="{A4E6C1FF-5925-42B3-B7F9-0A0031BDAD30}"/>
+                <a16:creationId xmlns:a16="http://schemas.microsoft.com/office/drawing/2014/main" id="{A4E6C1FF-5925-42B3-B7F9-0A0031BDAD30}"/>
               </a:ext>
             </a:extLst>
           </p:cNvPr>
@@ -6753,7 +6770,7 @@
     </p:spTree>
     <p:extLst>
       <p:ext uri="{BB962C8B-B14F-4D97-AF65-F5344CB8AC3E}">
-        <p14:creationId xmlns:p14="http://schemas.microsoft.com/office/powerpoint/2010/main" xmlns="" val="1753169891"/>
+        <p14:creationId xmlns:p14="http://schemas.microsoft.com/office/powerpoint/2010/main" val="1753169891"/>
       </p:ext>
     </p:extLst>
   </p:cSld>
@@ -6793,7 +6810,7 @@
           <p:cNvPr id="11" name="Rectangle 10">
             <a:extLst>
               <a:ext uri="{FF2B5EF4-FFF2-40B4-BE49-F238E27FC236}">
-                <a16:creationId xmlns:a16="http://schemas.microsoft.com/office/drawing/2014/main" xmlns="" id="{EB3E033F-4449-40FA-BC85-BD2712D313DD}"/>
+                <a16:creationId xmlns:a16="http://schemas.microsoft.com/office/drawing/2014/main" id="{EB3E033F-4449-40FA-BC85-BD2712D313DD}"/>
               </a:ext>
             </a:extLst>
           </p:cNvPr>
@@ -6847,7 +6864,7 @@
           <p:cNvPr id="10" name="Freeform: Shape 9">
             <a:extLst>
               <a:ext uri="{FF2B5EF4-FFF2-40B4-BE49-F238E27FC236}">
-                <a16:creationId xmlns:a16="http://schemas.microsoft.com/office/drawing/2014/main" xmlns="" id="{63D26743-0505-444C-80B3-E88EE87DF72B}"/>
+                <a16:creationId xmlns:a16="http://schemas.microsoft.com/office/drawing/2014/main" id="{63D26743-0505-444C-80B3-E88EE87DF72B}"/>
               </a:ext>
             </a:extLst>
           </p:cNvPr>
@@ -6970,7 +6987,7 @@
           <p:cNvPr id="8" name="Freeform: Shape 7">
             <a:extLst>
               <a:ext uri="{FF2B5EF4-FFF2-40B4-BE49-F238E27FC236}">
-                <a16:creationId xmlns:a16="http://schemas.microsoft.com/office/drawing/2014/main" xmlns="" id="{1599AF7E-3E34-4597-AA72-9373A7FDB020}"/>
+                <a16:creationId xmlns:a16="http://schemas.microsoft.com/office/drawing/2014/main" id="{1599AF7E-3E34-4597-AA72-9373A7FDB020}"/>
               </a:ext>
             </a:extLst>
           </p:cNvPr>
@@ -7116,7 +7133,7 @@
           <p:cNvPr id="2" name="Title 1">
             <a:extLst>
               <a:ext uri="{FF2B5EF4-FFF2-40B4-BE49-F238E27FC236}">
-                <a16:creationId xmlns:a16="http://schemas.microsoft.com/office/drawing/2014/main" xmlns="" id="{4A2DF563-7FAC-46B3-B24C-7E45CD89DA2B}"/>
+                <a16:creationId xmlns:a16="http://schemas.microsoft.com/office/drawing/2014/main" id="{4A2DF563-7FAC-46B3-B24C-7E45CD89DA2B}"/>
               </a:ext>
             </a:extLst>
           </p:cNvPr>
@@ -7150,7 +7167,7 @@
           <a:p>
             <a:pPr lvl="0"/>
             <a:r>
-              <a:rPr lang="es-ES" noProof="0" smtClean="0"/>
+              <a:rPr lang="es-ES" noProof="0"/>
               <a:t>Haga clic para modificar el estilo de título del patrón</a:t>
             </a:r>
             <a:endParaRPr lang="en-US" noProof="0"/>
@@ -7162,7 +7179,7 @@
           <p:cNvPr id="5" name="Slide Number Placeholder 4">
             <a:extLst>
               <a:ext uri="{FF2B5EF4-FFF2-40B4-BE49-F238E27FC236}">
-                <a16:creationId xmlns:a16="http://schemas.microsoft.com/office/drawing/2014/main" xmlns="" id="{87B51822-97FF-47A7-8E4E-A0F79B4EB237}"/>
+                <a16:creationId xmlns:a16="http://schemas.microsoft.com/office/drawing/2014/main" id="{87B51822-97FF-47A7-8E4E-A0F79B4EB237}"/>
               </a:ext>
             </a:extLst>
           </p:cNvPr>
@@ -7206,7 +7223,7 @@
           <p:cNvPr id="3" name="Group 14">
             <a:extLst>
               <a:ext uri="{FF2B5EF4-FFF2-40B4-BE49-F238E27FC236}">
-                <a16:creationId xmlns:a16="http://schemas.microsoft.com/office/drawing/2014/main" xmlns="" id="{7732E1E7-45E3-4264-8F26-66758696DD1E}"/>
+                <a16:creationId xmlns:a16="http://schemas.microsoft.com/office/drawing/2014/main" id="{7732E1E7-45E3-4264-8F26-66758696DD1E}"/>
               </a:ext>
             </a:extLst>
           </p:cNvPr>
@@ -7226,7 +7243,7 @@
             <p:cNvPr id="16" name="Freeform: Shape 15">
               <a:extLst>
                 <a:ext uri="{FF2B5EF4-FFF2-40B4-BE49-F238E27FC236}">
-                  <a16:creationId xmlns:a16="http://schemas.microsoft.com/office/drawing/2014/main" xmlns="" id="{2E3DF883-8093-49FA-81E1-E5D77F086A25}"/>
+                  <a16:creationId xmlns:a16="http://schemas.microsoft.com/office/drawing/2014/main" id="{2E3DF883-8093-49FA-81E1-E5D77F086A25}"/>
                 </a:ext>
               </a:extLst>
             </p:cNvPr>
@@ -7316,7 +7333,7 @@
             <p:cNvPr id="17" name="Freeform: Shape 16">
               <a:extLst>
                 <a:ext uri="{FF2B5EF4-FFF2-40B4-BE49-F238E27FC236}">
-                  <a16:creationId xmlns:a16="http://schemas.microsoft.com/office/drawing/2014/main" xmlns="" id="{18944C90-37E5-4BBE-89FF-060627168050}"/>
+                  <a16:creationId xmlns:a16="http://schemas.microsoft.com/office/drawing/2014/main" id="{18944C90-37E5-4BBE-89FF-060627168050}"/>
                 </a:ext>
               </a:extLst>
             </p:cNvPr>
@@ -7415,7 +7432,7 @@
           <p:cNvPr id="23" name="Text Placeholder 22">
             <a:extLst>
               <a:ext uri="{FF2B5EF4-FFF2-40B4-BE49-F238E27FC236}">
-                <a16:creationId xmlns:a16="http://schemas.microsoft.com/office/drawing/2014/main" xmlns="" id="{03618670-D1E4-466C-BDB5-FC890AC31457}"/>
+                <a16:creationId xmlns:a16="http://schemas.microsoft.com/office/drawing/2014/main" id="{03618670-D1E4-466C-BDB5-FC890AC31457}"/>
               </a:ext>
             </a:extLst>
           </p:cNvPr>
@@ -7513,21 +7530,21 @@
           <a:p>
             <a:pPr lvl="0"/>
             <a:r>
-              <a:rPr lang="es-ES" noProof="0" smtClean="0"/>
+              <a:rPr lang="es-ES" noProof="0"/>
               <a:t>Haga clic para modificar el estilo de texto del patrón</a:t>
             </a:r>
           </a:p>
           <a:p>
             <a:pPr lvl="1"/>
             <a:r>
-              <a:rPr lang="es-ES" noProof="0" smtClean="0"/>
+              <a:rPr lang="es-ES" noProof="0"/>
               <a:t>Segundo nivel</a:t>
             </a:r>
           </a:p>
           <a:p>
             <a:pPr lvl="2"/>
             <a:r>
-              <a:rPr lang="es-ES" noProof="0" smtClean="0"/>
+              <a:rPr lang="es-ES" noProof="0"/>
               <a:t>Tercer nivel</a:t>
             </a:r>
           </a:p>
@@ -7536,7 +7553,7 @@
     </p:spTree>
     <p:extLst>
       <p:ext uri="{BB962C8B-B14F-4D97-AF65-F5344CB8AC3E}">
-        <p14:creationId xmlns:p14="http://schemas.microsoft.com/office/powerpoint/2010/main" xmlns="" val="274574868"/>
+        <p14:creationId xmlns:p14="http://schemas.microsoft.com/office/powerpoint/2010/main" val="274574868"/>
       </p:ext>
     </p:extLst>
   </p:cSld>
@@ -7576,7 +7593,7 @@
           <p:cNvPr id="11" name="Rectangle 10">
             <a:extLst>
               <a:ext uri="{FF2B5EF4-FFF2-40B4-BE49-F238E27FC236}">
-                <a16:creationId xmlns:a16="http://schemas.microsoft.com/office/drawing/2014/main" xmlns="" id="{EB3E033F-4449-40FA-BC85-BD2712D313DD}"/>
+                <a16:creationId xmlns:a16="http://schemas.microsoft.com/office/drawing/2014/main" id="{EB3E033F-4449-40FA-BC85-BD2712D313DD}"/>
               </a:ext>
             </a:extLst>
           </p:cNvPr>
@@ -7630,7 +7647,7 @@
           <p:cNvPr id="10" name="Freeform: Shape 9">
             <a:extLst>
               <a:ext uri="{FF2B5EF4-FFF2-40B4-BE49-F238E27FC236}">
-                <a16:creationId xmlns:a16="http://schemas.microsoft.com/office/drawing/2014/main" xmlns="" id="{63D26743-0505-444C-80B3-E88EE87DF72B}"/>
+                <a16:creationId xmlns:a16="http://schemas.microsoft.com/office/drawing/2014/main" id="{63D26743-0505-444C-80B3-E88EE87DF72B}"/>
               </a:ext>
             </a:extLst>
           </p:cNvPr>
@@ -7753,7 +7770,7 @@
           <p:cNvPr id="18" name="Freeform: Shape 17">
             <a:extLst>
               <a:ext uri="{FF2B5EF4-FFF2-40B4-BE49-F238E27FC236}">
-                <a16:creationId xmlns:a16="http://schemas.microsoft.com/office/drawing/2014/main" xmlns="" id="{E37145E9-AC61-47D5-9288-8789940F81B6}"/>
+                <a16:creationId xmlns:a16="http://schemas.microsoft.com/office/drawing/2014/main" id="{E37145E9-AC61-47D5-9288-8789940F81B6}"/>
               </a:ext>
             </a:extLst>
           </p:cNvPr>
@@ -7905,7 +7922,7 @@
           <p:cNvPr id="12" name="Freeform: Shape 11">
             <a:extLst>
               <a:ext uri="{FF2B5EF4-FFF2-40B4-BE49-F238E27FC236}">
-                <a16:creationId xmlns:a16="http://schemas.microsoft.com/office/drawing/2014/main" xmlns="" id="{A5E2B3ED-9A49-40A7-B8A3-62595FE513F9}"/>
+                <a16:creationId xmlns:a16="http://schemas.microsoft.com/office/drawing/2014/main" id="{A5E2B3ED-9A49-40A7-B8A3-62595FE513F9}"/>
               </a:ext>
             </a:extLst>
           </p:cNvPr>
@@ -8055,7 +8072,7 @@
           <p:cNvPr id="8" name="Freeform: Shape 7">
             <a:extLst>
               <a:ext uri="{FF2B5EF4-FFF2-40B4-BE49-F238E27FC236}">
-                <a16:creationId xmlns:a16="http://schemas.microsoft.com/office/drawing/2014/main" xmlns="" id="{1599AF7E-3E34-4597-AA72-9373A7FDB020}"/>
+                <a16:creationId xmlns:a16="http://schemas.microsoft.com/office/drawing/2014/main" id="{1599AF7E-3E34-4597-AA72-9373A7FDB020}"/>
               </a:ext>
             </a:extLst>
           </p:cNvPr>
@@ -8201,7 +8218,7 @@
           <p:cNvPr id="2" name="Title 1">
             <a:extLst>
               <a:ext uri="{FF2B5EF4-FFF2-40B4-BE49-F238E27FC236}">
-                <a16:creationId xmlns:a16="http://schemas.microsoft.com/office/drawing/2014/main" xmlns="" id="{4A2DF563-7FAC-46B3-B24C-7E45CD89DA2B}"/>
+                <a16:creationId xmlns:a16="http://schemas.microsoft.com/office/drawing/2014/main" id="{4A2DF563-7FAC-46B3-B24C-7E45CD89DA2B}"/>
               </a:ext>
             </a:extLst>
           </p:cNvPr>
@@ -8235,7 +8252,7 @@
           <a:p>
             <a:pPr lvl="0"/>
             <a:r>
-              <a:rPr lang="es-ES" noProof="0" smtClean="0"/>
+              <a:rPr lang="es-ES" noProof="0"/>
               <a:t>Haga clic para modificar el estilo de título del patrón</a:t>
             </a:r>
             <a:endParaRPr lang="en-US" noProof="0"/>
@@ -8247,7 +8264,7 @@
           <p:cNvPr id="4" name="Group 14">
             <a:extLst>
               <a:ext uri="{FF2B5EF4-FFF2-40B4-BE49-F238E27FC236}">
-                <a16:creationId xmlns:a16="http://schemas.microsoft.com/office/drawing/2014/main" xmlns="" id="{7732E1E7-45E3-4264-8F26-66758696DD1E}"/>
+                <a16:creationId xmlns:a16="http://schemas.microsoft.com/office/drawing/2014/main" id="{7732E1E7-45E3-4264-8F26-66758696DD1E}"/>
               </a:ext>
             </a:extLst>
           </p:cNvPr>
@@ -8267,7 +8284,7 @@
             <p:cNvPr id="16" name="Freeform: Shape 15">
               <a:extLst>
                 <a:ext uri="{FF2B5EF4-FFF2-40B4-BE49-F238E27FC236}">
-                  <a16:creationId xmlns:a16="http://schemas.microsoft.com/office/drawing/2014/main" xmlns="" id="{2E3DF883-8093-49FA-81E1-E5D77F086A25}"/>
+                  <a16:creationId xmlns:a16="http://schemas.microsoft.com/office/drawing/2014/main" id="{2E3DF883-8093-49FA-81E1-E5D77F086A25}"/>
                 </a:ext>
               </a:extLst>
             </p:cNvPr>
@@ -8357,7 +8374,7 @@
             <p:cNvPr id="17" name="Freeform: Shape 16">
               <a:extLst>
                 <a:ext uri="{FF2B5EF4-FFF2-40B4-BE49-F238E27FC236}">
-                  <a16:creationId xmlns:a16="http://schemas.microsoft.com/office/drawing/2014/main" xmlns="" id="{18944C90-37E5-4BBE-89FF-060627168050}"/>
+                  <a16:creationId xmlns:a16="http://schemas.microsoft.com/office/drawing/2014/main" id="{18944C90-37E5-4BBE-89FF-060627168050}"/>
                 </a:ext>
               </a:extLst>
             </p:cNvPr>
@@ -8456,7 +8473,7 @@
           <p:cNvPr id="6" name="Group 5">
             <a:extLst>
               <a:ext uri="{FF2B5EF4-FFF2-40B4-BE49-F238E27FC236}">
-                <a16:creationId xmlns:a16="http://schemas.microsoft.com/office/drawing/2014/main" xmlns="" id="{D9EBF8BB-A805-4DDB-B459-082F99815B95}"/>
+                <a16:creationId xmlns:a16="http://schemas.microsoft.com/office/drawing/2014/main" id="{D9EBF8BB-A805-4DDB-B459-082F99815B95}"/>
               </a:ext>
             </a:extLst>
           </p:cNvPr>
@@ -8476,7 +8493,7 @@
             <p:cNvPr id="19" name="Rectangle: Single Corner Snipped 18">
               <a:extLst>
                 <a:ext uri="{FF2B5EF4-FFF2-40B4-BE49-F238E27FC236}">
-                  <a16:creationId xmlns:a16="http://schemas.microsoft.com/office/drawing/2014/main" xmlns="" id="{5D638788-DD47-45E7-939A-FA108A818173}"/>
+                  <a16:creationId xmlns:a16="http://schemas.microsoft.com/office/drawing/2014/main" id="{5D638788-DD47-45E7-939A-FA108A818173}"/>
                 </a:ext>
               </a:extLst>
             </p:cNvPr>
@@ -8542,7 +8559,7 @@
             <p:cNvPr id="3" name="Rectangle: Single Corner Snipped 2">
               <a:extLst>
                 <a:ext uri="{FF2B5EF4-FFF2-40B4-BE49-F238E27FC236}">
-                  <a16:creationId xmlns:a16="http://schemas.microsoft.com/office/drawing/2014/main" xmlns="" id="{74BDECEF-EEFE-4332-B3B2-BDE4F82C10FC}"/>
+                  <a16:creationId xmlns:a16="http://schemas.microsoft.com/office/drawing/2014/main" id="{74BDECEF-EEFE-4332-B3B2-BDE4F82C10FC}"/>
                 </a:ext>
               </a:extLst>
             </p:cNvPr>
@@ -8599,7 +8616,7 @@
           <p:cNvPr id="24" name="Freeform: Shape 23">
             <a:extLst>
               <a:ext uri="{FF2B5EF4-FFF2-40B4-BE49-F238E27FC236}">
-                <a16:creationId xmlns:a16="http://schemas.microsoft.com/office/drawing/2014/main" xmlns="" id="{18103E00-7E4A-44CD-81AC-06433CAE1110}"/>
+                <a16:creationId xmlns:a16="http://schemas.microsoft.com/office/drawing/2014/main" id="{18103E00-7E4A-44CD-81AC-06433CAE1110}"/>
               </a:ext>
             </a:extLst>
           </p:cNvPr>
@@ -8694,7 +8711,7 @@
           <p:cNvPr id="5" name="Slide Number Placeholder 4">
             <a:extLst>
               <a:ext uri="{FF2B5EF4-FFF2-40B4-BE49-F238E27FC236}">
-                <a16:creationId xmlns:a16="http://schemas.microsoft.com/office/drawing/2014/main" xmlns="" id="{87B51822-97FF-47A7-8E4E-A0F79B4EB237}"/>
+                <a16:creationId xmlns:a16="http://schemas.microsoft.com/office/drawing/2014/main" id="{87B51822-97FF-47A7-8E4E-A0F79B4EB237}"/>
               </a:ext>
             </a:extLst>
           </p:cNvPr>
@@ -8736,7 +8753,7 @@
     </p:spTree>
     <p:extLst>
       <p:ext uri="{BB962C8B-B14F-4D97-AF65-F5344CB8AC3E}">
-        <p14:creationId xmlns:p14="http://schemas.microsoft.com/office/powerpoint/2010/main" xmlns="" val="4073704932"/>
+        <p14:creationId xmlns:p14="http://schemas.microsoft.com/office/powerpoint/2010/main" val="4073704932"/>
       </p:ext>
     </p:extLst>
   </p:cSld>
@@ -8768,7 +8785,7 @@
           <p:cNvPr id="8" name="Picture Placeholder 7">
             <a:extLst>
               <a:ext uri="{FF2B5EF4-FFF2-40B4-BE49-F238E27FC236}">
-                <a16:creationId xmlns:a16="http://schemas.microsoft.com/office/drawing/2014/main" xmlns="" id="{DF9C7667-EADA-40AC-B931-4642E0A9A4DE}"/>
+                <a16:creationId xmlns:a16="http://schemas.microsoft.com/office/drawing/2014/main" id="{DF9C7667-EADA-40AC-B931-4642E0A9A4DE}"/>
               </a:ext>
             </a:extLst>
           </p:cNvPr>
@@ -8808,7 +8825,7 @@
           </a:lstStyle>
           <a:p>
             <a:r>
-              <a:rPr lang="es-ES" smtClean="0"/>
+              <a:rPr lang="es-ES"/>
               <a:t>Haga clic en el icono para agregar una imagen</a:t>
             </a:r>
             <a:endParaRPr lang="en-US" dirty="0"/>
@@ -8820,7 +8837,7 @@
           <p:cNvPr id="2" name="Title 1">
             <a:extLst>
               <a:ext uri="{FF2B5EF4-FFF2-40B4-BE49-F238E27FC236}">
-                <a16:creationId xmlns:a16="http://schemas.microsoft.com/office/drawing/2014/main" xmlns="" id="{43379CA9-81D6-424A-8046-4B56E1D25059}"/>
+                <a16:creationId xmlns:a16="http://schemas.microsoft.com/office/drawing/2014/main" id="{43379CA9-81D6-424A-8046-4B56E1D25059}"/>
               </a:ext>
             </a:extLst>
           </p:cNvPr>
@@ -8845,7 +8862,7 @@
           </a:lstStyle>
           <a:p>
             <a:r>
-              <a:rPr lang="es-ES" smtClean="0"/>
+              <a:rPr lang="es-ES"/>
               <a:t>Haga clic para modificar el estilo de título del patrón</a:t>
             </a:r>
             <a:endParaRPr lang="en-US" dirty="0"/>
@@ -8857,7 +8874,7 @@
           <p:cNvPr id="10" name="Text Placeholder 9">
             <a:extLst>
               <a:ext uri="{FF2B5EF4-FFF2-40B4-BE49-F238E27FC236}">
-                <a16:creationId xmlns:a16="http://schemas.microsoft.com/office/drawing/2014/main" xmlns="" id="{2A60302F-65DB-4E93-B6C3-49E64C44FB53}"/>
+                <a16:creationId xmlns:a16="http://schemas.microsoft.com/office/drawing/2014/main" id="{2A60302F-65DB-4E93-B6C3-49E64C44FB53}"/>
               </a:ext>
             </a:extLst>
           </p:cNvPr>
@@ -8925,7 +8942,7 @@
           <p:cNvPr id="7" name="Text Placeholder 6">
             <a:extLst>
               <a:ext uri="{FF2B5EF4-FFF2-40B4-BE49-F238E27FC236}">
-                <a16:creationId xmlns:a16="http://schemas.microsoft.com/office/drawing/2014/main" xmlns="" id="{EC1CB8E8-F58A-4B26-B8AA-8977FC608E83}"/>
+                <a16:creationId xmlns:a16="http://schemas.microsoft.com/office/drawing/2014/main" id="{EC1CB8E8-F58A-4B26-B8AA-8977FC608E83}"/>
               </a:ext>
             </a:extLst>
           </p:cNvPr>
@@ -9011,7 +9028,7 @@
     </p:spTree>
     <p:extLst>
       <p:ext uri="{BB962C8B-B14F-4D97-AF65-F5344CB8AC3E}">
-        <p14:creationId xmlns:p14="http://schemas.microsoft.com/office/powerpoint/2010/main" xmlns="" val="1980593825"/>
+        <p14:creationId xmlns:p14="http://schemas.microsoft.com/office/powerpoint/2010/main" val="1980593825"/>
       </p:ext>
     </p:extLst>
   </p:cSld>
@@ -9051,7 +9068,7 @@
           <p:cNvPr id="11" name="Rectangle 10">
             <a:extLst>
               <a:ext uri="{FF2B5EF4-FFF2-40B4-BE49-F238E27FC236}">
-                <a16:creationId xmlns:a16="http://schemas.microsoft.com/office/drawing/2014/main" xmlns="" id="{EB3E033F-4449-40FA-BC85-BD2712D313DD}"/>
+                <a16:creationId xmlns:a16="http://schemas.microsoft.com/office/drawing/2014/main" id="{EB3E033F-4449-40FA-BC85-BD2712D313DD}"/>
               </a:ext>
             </a:extLst>
           </p:cNvPr>
@@ -9105,7 +9122,7 @@
           <p:cNvPr id="10" name="Freeform: Shape 9">
             <a:extLst>
               <a:ext uri="{FF2B5EF4-FFF2-40B4-BE49-F238E27FC236}">
-                <a16:creationId xmlns:a16="http://schemas.microsoft.com/office/drawing/2014/main" xmlns="" id="{63D26743-0505-444C-80B3-E88EE87DF72B}"/>
+                <a16:creationId xmlns:a16="http://schemas.microsoft.com/office/drawing/2014/main" id="{63D26743-0505-444C-80B3-E88EE87DF72B}"/>
               </a:ext>
             </a:extLst>
           </p:cNvPr>
@@ -9228,7 +9245,7 @@
           <p:cNvPr id="18" name="Freeform: Shape 17">
             <a:extLst>
               <a:ext uri="{FF2B5EF4-FFF2-40B4-BE49-F238E27FC236}">
-                <a16:creationId xmlns:a16="http://schemas.microsoft.com/office/drawing/2014/main" xmlns="" id="{E37145E9-AC61-47D5-9288-8789940F81B6}"/>
+                <a16:creationId xmlns:a16="http://schemas.microsoft.com/office/drawing/2014/main" id="{E37145E9-AC61-47D5-9288-8789940F81B6}"/>
               </a:ext>
             </a:extLst>
           </p:cNvPr>
@@ -9380,7 +9397,7 @@
           <p:cNvPr id="12" name="Freeform: Shape 11">
             <a:extLst>
               <a:ext uri="{FF2B5EF4-FFF2-40B4-BE49-F238E27FC236}">
-                <a16:creationId xmlns:a16="http://schemas.microsoft.com/office/drawing/2014/main" xmlns="" id="{A5E2B3ED-9A49-40A7-B8A3-62595FE513F9}"/>
+                <a16:creationId xmlns:a16="http://schemas.microsoft.com/office/drawing/2014/main" id="{A5E2B3ED-9A49-40A7-B8A3-62595FE513F9}"/>
               </a:ext>
             </a:extLst>
           </p:cNvPr>
@@ -9530,7 +9547,7 @@
           <p:cNvPr id="8" name="Freeform: Shape 7">
             <a:extLst>
               <a:ext uri="{FF2B5EF4-FFF2-40B4-BE49-F238E27FC236}">
-                <a16:creationId xmlns:a16="http://schemas.microsoft.com/office/drawing/2014/main" xmlns="" id="{1599AF7E-3E34-4597-AA72-9373A7FDB020}"/>
+                <a16:creationId xmlns:a16="http://schemas.microsoft.com/office/drawing/2014/main" id="{1599AF7E-3E34-4597-AA72-9373A7FDB020}"/>
               </a:ext>
             </a:extLst>
           </p:cNvPr>
@@ -9676,7 +9693,7 @@
           <p:cNvPr id="2" name="Title 1">
             <a:extLst>
               <a:ext uri="{FF2B5EF4-FFF2-40B4-BE49-F238E27FC236}">
-                <a16:creationId xmlns:a16="http://schemas.microsoft.com/office/drawing/2014/main" xmlns="" id="{4A2DF563-7FAC-46B3-B24C-7E45CD89DA2B}"/>
+                <a16:creationId xmlns:a16="http://schemas.microsoft.com/office/drawing/2014/main" id="{4A2DF563-7FAC-46B3-B24C-7E45CD89DA2B}"/>
               </a:ext>
             </a:extLst>
           </p:cNvPr>
@@ -9710,7 +9727,7 @@
           <a:p>
             <a:pPr lvl="0"/>
             <a:r>
-              <a:rPr lang="es-ES" noProof="0" smtClean="0"/>
+              <a:rPr lang="es-ES" noProof="0"/>
               <a:t>Haga clic para modificar el estilo de título del patrón</a:t>
             </a:r>
             <a:endParaRPr lang="en-US" noProof="0"/>
@@ -9722,7 +9739,7 @@
           <p:cNvPr id="4" name="Group 14">
             <a:extLst>
               <a:ext uri="{FF2B5EF4-FFF2-40B4-BE49-F238E27FC236}">
-                <a16:creationId xmlns:a16="http://schemas.microsoft.com/office/drawing/2014/main" xmlns="" id="{7732E1E7-45E3-4264-8F26-66758696DD1E}"/>
+                <a16:creationId xmlns:a16="http://schemas.microsoft.com/office/drawing/2014/main" id="{7732E1E7-45E3-4264-8F26-66758696DD1E}"/>
               </a:ext>
             </a:extLst>
           </p:cNvPr>
@@ -9742,7 +9759,7 @@
             <p:cNvPr id="16" name="Freeform: Shape 15">
               <a:extLst>
                 <a:ext uri="{FF2B5EF4-FFF2-40B4-BE49-F238E27FC236}">
-                  <a16:creationId xmlns:a16="http://schemas.microsoft.com/office/drawing/2014/main" xmlns="" id="{2E3DF883-8093-49FA-81E1-E5D77F086A25}"/>
+                  <a16:creationId xmlns:a16="http://schemas.microsoft.com/office/drawing/2014/main" id="{2E3DF883-8093-49FA-81E1-E5D77F086A25}"/>
                 </a:ext>
               </a:extLst>
             </p:cNvPr>
@@ -9832,7 +9849,7 @@
             <p:cNvPr id="17" name="Freeform: Shape 16">
               <a:extLst>
                 <a:ext uri="{FF2B5EF4-FFF2-40B4-BE49-F238E27FC236}">
-                  <a16:creationId xmlns:a16="http://schemas.microsoft.com/office/drawing/2014/main" xmlns="" id="{18944C90-37E5-4BBE-89FF-060627168050}"/>
+                  <a16:creationId xmlns:a16="http://schemas.microsoft.com/office/drawing/2014/main" id="{18944C90-37E5-4BBE-89FF-060627168050}"/>
                 </a:ext>
               </a:extLst>
             </p:cNvPr>
@@ -9931,7 +9948,7 @@
           <p:cNvPr id="6" name="Group 5">
             <a:extLst>
               <a:ext uri="{FF2B5EF4-FFF2-40B4-BE49-F238E27FC236}">
-                <a16:creationId xmlns:a16="http://schemas.microsoft.com/office/drawing/2014/main" xmlns="" id="{D9EBF8BB-A805-4DDB-B459-082F99815B95}"/>
+                <a16:creationId xmlns:a16="http://schemas.microsoft.com/office/drawing/2014/main" id="{D9EBF8BB-A805-4DDB-B459-082F99815B95}"/>
               </a:ext>
             </a:extLst>
           </p:cNvPr>
@@ -9951,7 +9968,7 @@
             <p:cNvPr id="19" name="Rectangle: Single Corner Snipped 18">
               <a:extLst>
                 <a:ext uri="{FF2B5EF4-FFF2-40B4-BE49-F238E27FC236}">
-                  <a16:creationId xmlns:a16="http://schemas.microsoft.com/office/drawing/2014/main" xmlns="" id="{5D638788-DD47-45E7-939A-FA108A818173}"/>
+                  <a16:creationId xmlns:a16="http://schemas.microsoft.com/office/drawing/2014/main" id="{5D638788-DD47-45E7-939A-FA108A818173}"/>
                 </a:ext>
               </a:extLst>
             </p:cNvPr>
@@ -10017,7 +10034,7 @@
             <p:cNvPr id="3" name="Rectangle: Single Corner Snipped 2">
               <a:extLst>
                 <a:ext uri="{FF2B5EF4-FFF2-40B4-BE49-F238E27FC236}">
-                  <a16:creationId xmlns:a16="http://schemas.microsoft.com/office/drawing/2014/main" xmlns="" id="{74BDECEF-EEFE-4332-B3B2-BDE4F82C10FC}"/>
+                  <a16:creationId xmlns:a16="http://schemas.microsoft.com/office/drawing/2014/main" id="{74BDECEF-EEFE-4332-B3B2-BDE4F82C10FC}"/>
                 </a:ext>
               </a:extLst>
             </p:cNvPr>
@@ -10074,7 +10091,7 @@
           <p:cNvPr id="24" name="Freeform: Shape 23">
             <a:extLst>
               <a:ext uri="{FF2B5EF4-FFF2-40B4-BE49-F238E27FC236}">
-                <a16:creationId xmlns:a16="http://schemas.microsoft.com/office/drawing/2014/main" xmlns="" id="{18103E00-7E4A-44CD-81AC-06433CAE1110}"/>
+                <a16:creationId xmlns:a16="http://schemas.microsoft.com/office/drawing/2014/main" id="{18103E00-7E4A-44CD-81AC-06433CAE1110}"/>
               </a:ext>
             </a:extLst>
           </p:cNvPr>
@@ -10169,7 +10186,7 @@
           <p:cNvPr id="5" name="Slide Number Placeholder 4">
             <a:extLst>
               <a:ext uri="{FF2B5EF4-FFF2-40B4-BE49-F238E27FC236}">
-                <a16:creationId xmlns:a16="http://schemas.microsoft.com/office/drawing/2014/main" xmlns="" id="{87B51822-97FF-47A7-8E4E-A0F79B4EB237}"/>
+                <a16:creationId xmlns:a16="http://schemas.microsoft.com/office/drawing/2014/main" id="{87B51822-97FF-47A7-8E4E-A0F79B4EB237}"/>
               </a:ext>
             </a:extLst>
           </p:cNvPr>
@@ -10213,7 +10230,7 @@
           <p:cNvPr id="7" name="Text Placeholder 6">
             <a:extLst>
               <a:ext uri="{FF2B5EF4-FFF2-40B4-BE49-F238E27FC236}">
-                <a16:creationId xmlns:a16="http://schemas.microsoft.com/office/drawing/2014/main" xmlns="" id="{7E0C167E-2626-40DB-AACF-D02543E29BB3}"/>
+                <a16:creationId xmlns:a16="http://schemas.microsoft.com/office/drawing/2014/main" id="{7E0C167E-2626-40DB-AACF-D02543E29BB3}"/>
               </a:ext>
             </a:extLst>
           </p:cNvPr>
@@ -10247,7 +10264,7 @@
           <a:p>
             <a:pPr lvl="0"/>
             <a:r>
-              <a:rPr lang="es-ES" noProof="0" smtClean="0"/>
+              <a:rPr lang="es-ES" noProof="0"/>
               <a:t>Haga clic para modificar el estilo de texto del patrón</a:t>
             </a:r>
           </a:p>
@@ -10256,7 +10273,7 @@
     </p:spTree>
     <p:extLst>
       <p:ext uri="{BB962C8B-B14F-4D97-AF65-F5344CB8AC3E}">
-        <p14:creationId xmlns:p14="http://schemas.microsoft.com/office/powerpoint/2010/main" xmlns="" val="2904744868"/>
+        <p14:creationId xmlns:p14="http://schemas.microsoft.com/office/powerpoint/2010/main" val="2904744868"/>
       </p:ext>
     </p:extLst>
   </p:cSld>
@@ -10296,7 +10313,7 @@
           <p:cNvPr id="11" name="Rectangle 10">
             <a:extLst>
               <a:ext uri="{FF2B5EF4-FFF2-40B4-BE49-F238E27FC236}">
-                <a16:creationId xmlns:a16="http://schemas.microsoft.com/office/drawing/2014/main" xmlns="" id="{EB3E033F-4449-40FA-BC85-BD2712D313DD}"/>
+                <a16:creationId xmlns:a16="http://schemas.microsoft.com/office/drawing/2014/main" id="{EB3E033F-4449-40FA-BC85-BD2712D313DD}"/>
               </a:ext>
             </a:extLst>
           </p:cNvPr>
@@ -10350,7 +10367,7 @@
           <p:cNvPr id="10" name="Freeform: Shape 9">
             <a:extLst>
               <a:ext uri="{FF2B5EF4-FFF2-40B4-BE49-F238E27FC236}">
-                <a16:creationId xmlns:a16="http://schemas.microsoft.com/office/drawing/2014/main" xmlns="" id="{63D26743-0505-444C-80B3-E88EE87DF72B}"/>
+                <a16:creationId xmlns:a16="http://schemas.microsoft.com/office/drawing/2014/main" id="{63D26743-0505-444C-80B3-E88EE87DF72B}"/>
               </a:ext>
             </a:extLst>
           </p:cNvPr>
@@ -10473,7 +10490,7 @@
           <p:cNvPr id="18" name="Freeform: Shape 17">
             <a:extLst>
               <a:ext uri="{FF2B5EF4-FFF2-40B4-BE49-F238E27FC236}">
-                <a16:creationId xmlns:a16="http://schemas.microsoft.com/office/drawing/2014/main" xmlns="" id="{E37145E9-AC61-47D5-9288-8789940F81B6}"/>
+                <a16:creationId xmlns:a16="http://schemas.microsoft.com/office/drawing/2014/main" id="{E37145E9-AC61-47D5-9288-8789940F81B6}"/>
               </a:ext>
             </a:extLst>
           </p:cNvPr>
@@ -10625,7 +10642,7 @@
           <p:cNvPr id="12" name="Freeform: Shape 11">
             <a:extLst>
               <a:ext uri="{FF2B5EF4-FFF2-40B4-BE49-F238E27FC236}">
-                <a16:creationId xmlns:a16="http://schemas.microsoft.com/office/drawing/2014/main" xmlns="" id="{A5E2B3ED-9A49-40A7-B8A3-62595FE513F9}"/>
+                <a16:creationId xmlns:a16="http://schemas.microsoft.com/office/drawing/2014/main" id="{A5E2B3ED-9A49-40A7-B8A3-62595FE513F9}"/>
               </a:ext>
             </a:extLst>
           </p:cNvPr>
@@ -10775,7 +10792,7 @@
           <p:cNvPr id="8" name="Freeform: Shape 7">
             <a:extLst>
               <a:ext uri="{FF2B5EF4-FFF2-40B4-BE49-F238E27FC236}">
-                <a16:creationId xmlns:a16="http://schemas.microsoft.com/office/drawing/2014/main" xmlns="" id="{1599AF7E-3E34-4597-AA72-9373A7FDB020}"/>
+                <a16:creationId xmlns:a16="http://schemas.microsoft.com/office/drawing/2014/main" id="{1599AF7E-3E34-4597-AA72-9373A7FDB020}"/>
               </a:ext>
             </a:extLst>
           </p:cNvPr>
@@ -10921,7 +10938,7 @@
           <p:cNvPr id="2" name="Title 1">
             <a:extLst>
               <a:ext uri="{FF2B5EF4-FFF2-40B4-BE49-F238E27FC236}">
-                <a16:creationId xmlns:a16="http://schemas.microsoft.com/office/drawing/2014/main" xmlns="" id="{4A2DF563-7FAC-46B3-B24C-7E45CD89DA2B}"/>
+                <a16:creationId xmlns:a16="http://schemas.microsoft.com/office/drawing/2014/main" id="{4A2DF563-7FAC-46B3-B24C-7E45CD89DA2B}"/>
               </a:ext>
             </a:extLst>
           </p:cNvPr>
@@ -10955,7 +10972,7 @@
           <a:p>
             <a:pPr lvl="0"/>
             <a:r>
-              <a:rPr lang="es-ES" noProof="0" smtClean="0"/>
+              <a:rPr lang="es-ES" noProof="0"/>
               <a:t>Haga clic para modificar el estilo de título del patrón</a:t>
             </a:r>
             <a:endParaRPr lang="en-US" noProof="0"/>
@@ -10967,7 +10984,7 @@
           <p:cNvPr id="4" name="Group 14">
             <a:extLst>
               <a:ext uri="{FF2B5EF4-FFF2-40B4-BE49-F238E27FC236}">
-                <a16:creationId xmlns:a16="http://schemas.microsoft.com/office/drawing/2014/main" xmlns="" id="{7732E1E7-45E3-4264-8F26-66758696DD1E}"/>
+                <a16:creationId xmlns:a16="http://schemas.microsoft.com/office/drawing/2014/main" id="{7732E1E7-45E3-4264-8F26-66758696DD1E}"/>
               </a:ext>
             </a:extLst>
           </p:cNvPr>
@@ -10987,7 +11004,7 @@
             <p:cNvPr id="16" name="Freeform: Shape 15">
               <a:extLst>
                 <a:ext uri="{FF2B5EF4-FFF2-40B4-BE49-F238E27FC236}">
-                  <a16:creationId xmlns:a16="http://schemas.microsoft.com/office/drawing/2014/main" xmlns="" id="{2E3DF883-8093-49FA-81E1-E5D77F086A25}"/>
+                  <a16:creationId xmlns:a16="http://schemas.microsoft.com/office/drawing/2014/main" id="{2E3DF883-8093-49FA-81E1-E5D77F086A25}"/>
                 </a:ext>
               </a:extLst>
             </p:cNvPr>
@@ -11077,7 +11094,7 @@
             <p:cNvPr id="17" name="Freeform: Shape 16">
               <a:extLst>
                 <a:ext uri="{FF2B5EF4-FFF2-40B4-BE49-F238E27FC236}">
-                  <a16:creationId xmlns:a16="http://schemas.microsoft.com/office/drawing/2014/main" xmlns="" id="{18944C90-37E5-4BBE-89FF-060627168050}"/>
+                  <a16:creationId xmlns:a16="http://schemas.microsoft.com/office/drawing/2014/main" id="{18944C90-37E5-4BBE-89FF-060627168050}"/>
                 </a:ext>
               </a:extLst>
             </p:cNvPr>
@@ -11176,7 +11193,7 @@
           <p:cNvPr id="6" name="Group 5">
             <a:extLst>
               <a:ext uri="{FF2B5EF4-FFF2-40B4-BE49-F238E27FC236}">
-                <a16:creationId xmlns:a16="http://schemas.microsoft.com/office/drawing/2014/main" xmlns="" id="{D9EBF8BB-A805-4DDB-B459-082F99815B95}"/>
+                <a16:creationId xmlns:a16="http://schemas.microsoft.com/office/drawing/2014/main" id="{D9EBF8BB-A805-4DDB-B459-082F99815B95}"/>
               </a:ext>
             </a:extLst>
           </p:cNvPr>
@@ -11196,7 +11213,7 @@
             <p:cNvPr id="19" name="Rectangle: Single Corner Snipped 18">
               <a:extLst>
                 <a:ext uri="{FF2B5EF4-FFF2-40B4-BE49-F238E27FC236}">
-                  <a16:creationId xmlns:a16="http://schemas.microsoft.com/office/drawing/2014/main" xmlns="" id="{5D638788-DD47-45E7-939A-FA108A818173}"/>
+                  <a16:creationId xmlns:a16="http://schemas.microsoft.com/office/drawing/2014/main" id="{5D638788-DD47-45E7-939A-FA108A818173}"/>
                 </a:ext>
               </a:extLst>
             </p:cNvPr>
@@ -11262,7 +11279,7 @@
             <p:cNvPr id="3" name="Rectangle: Single Corner Snipped 2">
               <a:extLst>
                 <a:ext uri="{FF2B5EF4-FFF2-40B4-BE49-F238E27FC236}">
-                  <a16:creationId xmlns:a16="http://schemas.microsoft.com/office/drawing/2014/main" xmlns="" id="{74BDECEF-EEFE-4332-B3B2-BDE4F82C10FC}"/>
+                  <a16:creationId xmlns:a16="http://schemas.microsoft.com/office/drawing/2014/main" id="{74BDECEF-EEFE-4332-B3B2-BDE4F82C10FC}"/>
                 </a:ext>
               </a:extLst>
             </p:cNvPr>
@@ -11319,7 +11336,7 @@
           <p:cNvPr id="24" name="Freeform: Shape 23">
             <a:extLst>
               <a:ext uri="{FF2B5EF4-FFF2-40B4-BE49-F238E27FC236}">
-                <a16:creationId xmlns:a16="http://schemas.microsoft.com/office/drawing/2014/main" xmlns="" id="{18103E00-7E4A-44CD-81AC-06433CAE1110}"/>
+                <a16:creationId xmlns:a16="http://schemas.microsoft.com/office/drawing/2014/main" id="{18103E00-7E4A-44CD-81AC-06433CAE1110}"/>
               </a:ext>
             </a:extLst>
           </p:cNvPr>
@@ -11414,7 +11431,7 @@
           <p:cNvPr id="5" name="Slide Number Placeholder 4">
             <a:extLst>
               <a:ext uri="{FF2B5EF4-FFF2-40B4-BE49-F238E27FC236}">
-                <a16:creationId xmlns:a16="http://schemas.microsoft.com/office/drawing/2014/main" xmlns="" id="{87B51822-97FF-47A7-8E4E-A0F79B4EB237}"/>
+                <a16:creationId xmlns:a16="http://schemas.microsoft.com/office/drawing/2014/main" id="{87B51822-97FF-47A7-8E4E-A0F79B4EB237}"/>
               </a:ext>
             </a:extLst>
           </p:cNvPr>
@@ -11458,7 +11475,7 @@
           <p:cNvPr id="20" name="Content Placeholder 2">
             <a:extLst>
               <a:ext uri="{FF2B5EF4-FFF2-40B4-BE49-F238E27FC236}">
-                <a16:creationId xmlns:a16="http://schemas.microsoft.com/office/drawing/2014/main" xmlns="" id="{0103A49C-32FF-49E6-86F3-FC2E19517BD5}"/>
+                <a16:creationId xmlns:a16="http://schemas.microsoft.com/office/drawing/2014/main" id="{0103A49C-32FF-49E6-86F3-FC2E19517BD5}"/>
               </a:ext>
             </a:extLst>
           </p:cNvPr>
@@ -11517,35 +11534,35 @@
           <a:p>
             <a:pPr lvl="0"/>
             <a:r>
-              <a:rPr lang="es-ES" noProof="0" smtClean="0"/>
+              <a:rPr lang="es-ES" noProof="0"/>
               <a:t>Haga clic para modificar el estilo de texto del patrón</a:t>
             </a:r>
           </a:p>
           <a:p>
             <a:pPr lvl="1"/>
             <a:r>
-              <a:rPr lang="es-ES" noProof="0" smtClean="0"/>
+              <a:rPr lang="es-ES" noProof="0"/>
               <a:t>Segundo nivel</a:t>
             </a:r>
           </a:p>
           <a:p>
             <a:pPr lvl="2"/>
             <a:r>
-              <a:rPr lang="es-ES" noProof="0" smtClean="0"/>
+              <a:rPr lang="es-ES" noProof="0"/>
               <a:t>Tercer nivel</a:t>
             </a:r>
           </a:p>
           <a:p>
             <a:pPr lvl="3"/>
             <a:r>
-              <a:rPr lang="es-ES" noProof="0" smtClean="0"/>
+              <a:rPr lang="es-ES" noProof="0"/>
               <a:t>Cuarto nivel</a:t>
             </a:r>
           </a:p>
           <a:p>
             <a:pPr lvl="4"/>
             <a:r>
-              <a:rPr lang="es-ES" noProof="0" smtClean="0"/>
+              <a:rPr lang="es-ES" noProof="0"/>
               <a:t>Quinto nivel</a:t>
             </a:r>
             <a:endParaRPr lang="en-US" noProof="0"/>
@@ -11555,7 +11572,7 @@
     </p:spTree>
     <p:extLst>
       <p:ext uri="{BB962C8B-B14F-4D97-AF65-F5344CB8AC3E}">
-        <p14:creationId xmlns:p14="http://schemas.microsoft.com/office/powerpoint/2010/main" xmlns="" val="2636708262"/>
+        <p14:creationId xmlns:p14="http://schemas.microsoft.com/office/powerpoint/2010/main" val="2636708262"/>
       </p:ext>
     </p:extLst>
   </p:cSld>
@@ -11595,7 +11612,7 @@
           <p:cNvPr id="11" name="Rectangle 10">
             <a:extLst>
               <a:ext uri="{FF2B5EF4-FFF2-40B4-BE49-F238E27FC236}">
-                <a16:creationId xmlns:a16="http://schemas.microsoft.com/office/drawing/2014/main" xmlns="" id="{EB3E033F-4449-40FA-BC85-BD2712D313DD}"/>
+                <a16:creationId xmlns:a16="http://schemas.microsoft.com/office/drawing/2014/main" id="{EB3E033F-4449-40FA-BC85-BD2712D313DD}"/>
               </a:ext>
             </a:extLst>
           </p:cNvPr>
@@ -11649,7 +11666,7 @@
           <p:cNvPr id="10" name="Freeform: Shape 9">
             <a:extLst>
               <a:ext uri="{FF2B5EF4-FFF2-40B4-BE49-F238E27FC236}">
-                <a16:creationId xmlns:a16="http://schemas.microsoft.com/office/drawing/2014/main" xmlns="" id="{63D26743-0505-444C-80B3-E88EE87DF72B}"/>
+                <a16:creationId xmlns:a16="http://schemas.microsoft.com/office/drawing/2014/main" id="{63D26743-0505-444C-80B3-E88EE87DF72B}"/>
               </a:ext>
             </a:extLst>
           </p:cNvPr>
@@ -11772,7 +11789,7 @@
           <p:cNvPr id="18" name="Freeform: Shape 17">
             <a:extLst>
               <a:ext uri="{FF2B5EF4-FFF2-40B4-BE49-F238E27FC236}">
-                <a16:creationId xmlns:a16="http://schemas.microsoft.com/office/drawing/2014/main" xmlns="" id="{E37145E9-AC61-47D5-9288-8789940F81B6}"/>
+                <a16:creationId xmlns:a16="http://schemas.microsoft.com/office/drawing/2014/main" id="{E37145E9-AC61-47D5-9288-8789940F81B6}"/>
               </a:ext>
             </a:extLst>
           </p:cNvPr>
@@ -11924,7 +11941,7 @@
           <p:cNvPr id="12" name="Freeform: Shape 11">
             <a:extLst>
               <a:ext uri="{FF2B5EF4-FFF2-40B4-BE49-F238E27FC236}">
-                <a16:creationId xmlns:a16="http://schemas.microsoft.com/office/drawing/2014/main" xmlns="" id="{A5E2B3ED-9A49-40A7-B8A3-62595FE513F9}"/>
+                <a16:creationId xmlns:a16="http://schemas.microsoft.com/office/drawing/2014/main" id="{A5E2B3ED-9A49-40A7-B8A3-62595FE513F9}"/>
               </a:ext>
             </a:extLst>
           </p:cNvPr>
@@ -12074,7 +12091,7 @@
           <p:cNvPr id="8" name="Freeform: Shape 7">
             <a:extLst>
               <a:ext uri="{FF2B5EF4-FFF2-40B4-BE49-F238E27FC236}">
-                <a16:creationId xmlns:a16="http://schemas.microsoft.com/office/drawing/2014/main" xmlns="" id="{1599AF7E-3E34-4597-AA72-9373A7FDB020}"/>
+                <a16:creationId xmlns:a16="http://schemas.microsoft.com/office/drawing/2014/main" id="{1599AF7E-3E34-4597-AA72-9373A7FDB020}"/>
               </a:ext>
             </a:extLst>
           </p:cNvPr>
@@ -12220,7 +12237,7 @@
           <p:cNvPr id="2" name="Title 1">
             <a:extLst>
               <a:ext uri="{FF2B5EF4-FFF2-40B4-BE49-F238E27FC236}">
-                <a16:creationId xmlns:a16="http://schemas.microsoft.com/office/drawing/2014/main" xmlns="" id="{4A2DF563-7FAC-46B3-B24C-7E45CD89DA2B}"/>
+                <a16:creationId xmlns:a16="http://schemas.microsoft.com/office/drawing/2014/main" id="{4A2DF563-7FAC-46B3-B24C-7E45CD89DA2B}"/>
               </a:ext>
             </a:extLst>
           </p:cNvPr>
@@ -12254,7 +12271,7 @@
           <a:p>
             <a:pPr lvl="0"/>
             <a:r>
-              <a:rPr lang="es-ES" noProof="0" smtClean="0"/>
+              <a:rPr lang="es-ES" noProof="0"/>
               <a:t>Haga clic para modificar el estilo de título del patrón</a:t>
             </a:r>
             <a:endParaRPr lang="en-US" noProof="0"/>
@@ -12266,7 +12283,7 @@
           <p:cNvPr id="4" name="Group 14">
             <a:extLst>
               <a:ext uri="{FF2B5EF4-FFF2-40B4-BE49-F238E27FC236}">
-                <a16:creationId xmlns:a16="http://schemas.microsoft.com/office/drawing/2014/main" xmlns="" id="{7732E1E7-45E3-4264-8F26-66758696DD1E}"/>
+                <a16:creationId xmlns:a16="http://schemas.microsoft.com/office/drawing/2014/main" id="{7732E1E7-45E3-4264-8F26-66758696DD1E}"/>
               </a:ext>
             </a:extLst>
           </p:cNvPr>
@@ -12286,7 +12303,7 @@
             <p:cNvPr id="16" name="Freeform: Shape 15">
               <a:extLst>
                 <a:ext uri="{FF2B5EF4-FFF2-40B4-BE49-F238E27FC236}">
-                  <a16:creationId xmlns:a16="http://schemas.microsoft.com/office/drawing/2014/main" xmlns="" id="{2E3DF883-8093-49FA-81E1-E5D77F086A25}"/>
+                  <a16:creationId xmlns:a16="http://schemas.microsoft.com/office/drawing/2014/main" id="{2E3DF883-8093-49FA-81E1-E5D77F086A25}"/>
                 </a:ext>
               </a:extLst>
             </p:cNvPr>
@@ -12376,7 +12393,7 @@
             <p:cNvPr id="17" name="Freeform: Shape 16">
               <a:extLst>
                 <a:ext uri="{FF2B5EF4-FFF2-40B4-BE49-F238E27FC236}">
-                  <a16:creationId xmlns:a16="http://schemas.microsoft.com/office/drawing/2014/main" xmlns="" id="{18944C90-37E5-4BBE-89FF-060627168050}"/>
+                  <a16:creationId xmlns:a16="http://schemas.microsoft.com/office/drawing/2014/main" id="{18944C90-37E5-4BBE-89FF-060627168050}"/>
                 </a:ext>
               </a:extLst>
             </p:cNvPr>
@@ -12475,7 +12492,7 @@
           <p:cNvPr id="6" name="Group 5">
             <a:extLst>
               <a:ext uri="{FF2B5EF4-FFF2-40B4-BE49-F238E27FC236}">
-                <a16:creationId xmlns:a16="http://schemas.microsoft.com/office/drawing/2014/main" xmlns="" id="{D9EBF8BB-A805-4DDB-B459-082F99815B95}"/>
+                <a16:creationId xmlns:a16="http://schemas.microsoft.com/office/drawing/2014/main" id="{D9EBF8BB-A805-4DDB-B459-082F99815B95}"/>
               </a:ext>
             </a:extLst>
           </p:cNvPr>
@@ -12495,7 +12512,7 @@
             <p:cNvPr id="19" name="Rectangle: Single Corner Snipped 18">
               <a:extLst>
                 <a:ext uri="{FF2B5EF4-FFF2-40B4-BE49-F238E27FC236}">
-                  <a16:creationId xmlns:a16="http://schemas.microsoft.com/office/drawing/2014/main" xmlns="" id="{5D638788-DD47-45E7-939A-FA108A818173}"/>
+                  <a16:creationId xmlns:a16="http://schemas.microsoft.com/office/drawing/2014/main" id="{5D638788-DD47-45E7-939A-FA108A818173}"/>
                 </a:ext>
               </a:extLst>
             </p:cNvPr>
@@ -12561,7 +12578,7 @@
             <p:cNvPr id="3" name="Rectangle: Single Corner Snipped 2">
               <a:extLst>
                 <a:ext uri="{FF2B5EF4-FFF2-40B4-BE49-F238E27FC236}">
-                  <a16:creationId xmlns:a16="http://schemas.microsoft.com/office/drawing/2014/main" xmlns="" id="{74BDECEF-EEFE-4332-B3B2-BDE4F82C10FC}"/>
+                  <a16:creationId xmlns:a16="http://schemas.microsoft.com/office/drawing/2014/main" id="{74BDECEF-EEFE-4332-B3B2-BDE4F82C10FC}"/>
                 </a:ext>
               </a:extLst>
             </p:cNvPr>
@@ -12618,7 +12635,7 @@
           <p:cNvPr id="24" name="Freeform: Shape 23">
             <a:extLst>
               <a:ext uri="{FF2B5EF4-FFF2-40B4-BE49-F238E27FC236}">
-                <a16:creationId xmlns:a16="http://schemas.microsoft.com/office/drawing/2014/main" xmlns="" id="{18103E00-7E4A-44CD-81AC-06433CAE1110}"/>
+                <a16:creationId xmlns:a16="http://schemas.microsoft.com/office/drawing/2014/main" id="{18103E00-7E4A-44CD-81AC-06433CAE1110}"/>
               </a:ext>
             </a:extLst>
           </p:cNvPr>
@@ -12713,7 +12730,7 @@
           <p:cNvPr id="5" name="Slide Number Placeholder 4">
             <a:extLst>
               <a:ext uri="{FF2B5EF4-FFF2-40B4-BE49-F238E27FC236}">
-                <a16:creationId xmlns:a16="http://schemas.microsoft.com/office/drawing/2014/main" xmlns="" id="{87B51822-97FF-47A7-8E4E-A0F79B4EB237}"/>
+                <a16:creationId xmlns:a16="http://schemas.microsoft.com/office/drawing/2014/main" id="{87B51822-97FF-47A7-8E4E-A0F79B4EB237}"/>
               </a:ext>
             </a:extLst>
           </p:cNvPr>
@@ -12757,7 +12774,7 @@
           <p:cNvPr id="25" name="Text Placeholder 2">
             <a:extLst>
               <a:ext uri="{FF2B5EF4-FFF2-40B4-BE49-F238E27FC236}">
-                <a16:creationId xmlns:a16="http://schemas.microsoft.com/office/drawing/2014/main" xmlns="" id="{7FA80A70-18DE-4DB9-9982-BA75BE54CF93}"/>
+                <a16:creationId xmlns:a16="http://schemas.microsoft.com/office/drawing/2014/main" id="{7FA80A70-18DE-4DB9-9982-BA75BE54CF93}"/>
               </a:ext>
             </a:extLst>
           </p:cNvPr>
@@ -12824,7 +12841,7 @@
           <a:p>
             <a:pPr lvl="0"/>
             <a:r>
-              <a:rPr lang="es-ES" noProof="0" smtClean="0"/>
+              <a:rPr lang="es-ES" noProof="0"/>
               <a:t>Haga clic para modificar el estilo de texto del patrón</a:t>
             </a:r>
           </a:p>
@@ -12835,7 +12852,7 @@
           <p:cNvPr id="26" name="Text Placeholder 4">
             <a:extLst>
               <a:ext uri="{FF2B5EF4-FFF2-40B4-BE49-F238E27FC236}">
-                <a16:creationId xmlns:a16="http://schemas.microsoft.com/office/drawing/2014/main" xmlns="" id="{2801C0EF-C078-44B0-AD01-4850E9A65EE0}"/>
+                <a16:creationId xmlns:a16="http://schemas.microsoft.com/office/drawing/2014/main" id="{2801C0EF-C078-44B0-AD01-4850E9A65EE0}"/>
               </a:ext>
             </a:extLst>
           </p:cNvPr>
@@ -12902,7 +12919,7 @@
           <a:p>
             <a:pPr lvl="0"/>
             <a:r>
-              <a:rPr lang="es-ES" noProof="0" smtClean="0"/>
+              <a:rPr lang="es-ES" noProof="0"/>
               <a:t>Haga clic para modificar el estilo de texto del patrón</a:t>
             </a:r>
           </a:p>
@@ -12913,7 +12930,7 @@
           <p:cNvPr id="27" name="Content Placeholder 3">
             <a:extLst>
               <a:ext uri="{FF2B5EF4-FFF2-40B4-BE49-F238E27FC236}">
-                <a16:creationId xmlns:a16="http://schemas.microsoft.com/office/drawing/2014/main" xmlns="" id="{7C9DED91-45F6-4308-A085-1EFACA6468CF}"/>
+                <a16:creationId xmlns:a16="http://schemas.microsoft.com/office/drawing/2014/main" id="{7C9DED91-45F6-4308-A085-1EFACA6468CF}"/>
               </a:ext>
             </a:extLst>
           </p:cNvPr>
@@ -12974,35 +12991,35 @@
           <a:p>
             <a:pPr lvl="0"/>
             <a:r>
-              <a:rPr lang="es-ES" noProof="0" smtClean="0"/>
+              <a:rPr lang="es-ES" noProof="0"/>
               <a:t>Haga clic para modificar el estilo de texto del patrón</a:t>
             </a:r>
           </a:p>
           <a:p>
             <a:pPr lvl="1"/>
             <a:r>
-              <a:rPr lang="es-ES" noProof="0" smtClean="0"/>
+              <a:rPr lang="es-ES" noProof="0"/>
               <a:t>Segundo nivel</a:t>
             </a:r>
           </a:p>
           <a:p>
             <a:pPr lvl="2"/>
             <a:r>
-              <a:rPr lang="es-ES" noProof="0" smtClean="0"/>
+              <a:rPr lang="es-ES" noProof="0"/>
               <a:t>Tercer nivel</a:t>
             </a:r>
           </a:p>
           <a:p>
             <a:pPr lvl="3"/>
             <a:r>
-              <a:rPr lang="es-ES" noProof="0" smtClean="0"/>
+              <a:rPr lang="es-ES" noProof="0"/>
               <a:t>Cuarto nivel</a:t>
             </a:r>
           </a:p>
           <a:p>
             <a:pPr lvl="4"/>
             <a:r>
-              <a:rPr lang="es-ES" noProof="0" smtClean="0"/>
+              <a:rPr lang="es-ES" noProof="0"/>
               <a:t>Quinto nivel</a:t>
             </a:r>
             <a:endParaRPr lang="en-US" noProof="0"/>
@@ -13014,7 +13031,7 @@
           <p:cNvPr id="28" name="Content Placeholder 5">
             <a:extLst>
               <a:ext uri="{FF2B5EF4-FFF2-40B4-BE49-F238E27FC236}">
-                <a16:creationId xmlns:a16="http://schemas.microsoft.com/office/drawing/2014/main" xmlns="" id="{0574B5E7-B666-439B-9278-67BE1EA6EBC5}"/>
+                <a16:creationId xmlns:a16="http://schemas.microsoft.com/office/drawing/2014/main" id="{0574B5E7-B666-439B-9278-67BE1EA6EBC5}"/>
               </a:ext>
             </a:extLst>
           </p:cNvPr>
@@ -13075,35 +13092,35 @@
           <a:p>
             <a:pPr lvl="0"/>
             <a:r>
-              <a:rPr lang="es-ES" noProof="0" smtClean="0"/>
+              <a:rPr lang="es-ES" noProof="0"/>
               <a:t>Haga clic para modificar el estilo de texto del patrón</a:t>
             </a:r>
           </a:p>
           <a:p>
             <a:pPr lvl="1"/>
             <a:r>
-              <a:rPr lang="es-ES" noProof="0" smtClean="0"/>
+              <a:rPr lang="es-ES" noProof="0"/>
               <a:t>Segundo nivel</a:t>
             </a:r>
           </a:p>
           <a:p>
             <a:pPr lvl="2"/>
             <a:r>
-              <a:rPr lang="es-ES" noProof="0" smtClean="0"/>
+              <a:rPr lang="es-ES" noProof="0"/>
               <a:t>Tercer nivel</a:t>
             </a:r>
           </a:p>
           <a:p>
             <a:pPr lvl="3"/>
             <a:r>
-              <a:rPr lang="es-ES" noProof="0" smtClean="0"/>
+              <a:rPr lang="es-ES" noProof="0"/>
               <a:t>Cuarto nivel</a:t>
             </a:r>
           </a:p>
           <a:p>
             <a:pPr lvl="4"/>
             <a:r>
-              <a:rPr lang="es-ES" noProof="0" smtClean="0"/>
+              <a:rPr lang="es-ES" noProof="0"/>
               <a:t>Quinto nivel</a:t>
             </a:r>
             <a:endParaRPr lang="en-US" noProof="0"/>
@@ -13113,7 +13130,7 @@
     </p:spTree>
     <p:extLst>
       <p:ext uri="{BB962C8B-B14F-4D97-AF65-F5344CB8AC3E}">
-        <p14:creationId xmlns:p14="http://schemas.microsoft.com/office/powerpoint/2010/main" xmlns="" val="3219167126"/>
+        <p14:creationId xmlns:p14="http://schemas.microsoft.com/office/powerpoint/2010/main" val="3219167126"/>
       </p:ext>
     </p:extLst>
   </p:cSld>
@@ -13153,7 +13170,7 @@
           <p:cNvPr id="11" name="Rectangle 10">
             <a:extLst>
               <a:ext uri="{FF2B5EF4-FFF2-40B4-BE49-F238E27FC236}">
-                <a16:creationId xmlns:a16="http://schemas.microsoft.com/office/drawing/2014/main" xmlns="" id="{EB3E033F-4449-40FA-BC85-BD2712D313DD}"/>
+                <a16:creationId xmlns:a16="http://schemas.microsoft.com/office/drawing/2014/main" id="{EB3E033F-4449-40FA-BC85-BD2712D313DD}"/>
               </a:ext>
             </a:extLst>
           </p:cNvPr>
@@ -13207,7 +13224,7 @@
           <p:cNvPr id="10" name="Freeform: Shape 9">
             <a:extLst>
               <a:ext uri="{FF2B5EF4-FFF2-40B4-BE49-F238E27FC236}">
-                <a16:creationId xmlns:a16="http://schemas.microsoft.com/office/drawing/2014/main" xmlns="" id="{63D26743-0505-444C-80B3-E88EE87DF72B}"/>
+                <a16:creationId xmlns:a16="http://schemas.microsoft.com/office/drawing/2014/main" id="{63D26743-0505-444C-80B3-E88EE87DF72B}"/>
               </a:ext>
             </a:extLst>
           </p:cNvPr>
@@ -13330,7 +13347,7 @@
           <p:cNvPr id="18" name="Freeform: Shape 17">
             <a:extLst>
               <a:ext uri="{FF2B5EF4-FFF2-40B4-BE49-F238E27FC236}">
-                <a16:creationId xmlns:a16="http://schemas.microsoft.com/office/drawing/2014/main" xmlns="" id="{E37145E9-AC61-47D5-9288-8789940F81B6}"/>
+                <a16:creationId xmlns:a16="http://schemas.microsoft.com/office/drawing/2014/main" id="{E37145E9-AC61-47D5-9288-8789940F81B6}"/>
               </a:ext>
             </a:extLst>
           </p:cNvPr>
@@ -13482,7 +13499,7 @@
           <p:cNvPr id="12" name="Freeform: Shape 11">
             <a:extLst>
               <a:ext uri="{FF2B5EF4-FFF2-40B4-BE49-F238E27FC236}">
-                <a16:creationId xmlns:a16="http://schemas.microsoft.com/office/drawing/2014/main" xmlns="" id="{A5E2B3ED-9A49-40A7-B8A3-62595FE513F9}"/>
+                <a16:creationId xmlns:a16="http://schemas.microsoft.com/office/drawing/2014/main" id="{A5E2B3ED-9A49-40A7-B8A3-62595FE513F9}"/>
               </a:ext>
             </a:extLst>
           </p:cNvPr>
@@ -13632,7 +13649,7 @@
           <p:cNvPr id="8" name="Freeform: Shape 7">
             <a:extLst>
               <a:ext uri="{FF2B5EF4-FFF2-40B4-BE49-F238E27FC236}">
-                <a16:creationId xmlns:a16="http://schemas.microsoft.com/office/drawing/2014/main" xmlns="" id="{1599AF7E-3E34-4597-AA72-9373A7FDB020}"/>
+                <a16:creationId xmlns:a16="http://schemas.microsoft.com/office/drawing/2014/main" id="{1599AF7E-3E34-4597-AA72-9373A7FDB020}"/>
               </a:ext>
             </a:extLst>
           </p:cNvPr>
@@ -13778,7 +13795,7 @@
           <p:cNvPr id="2" name="Title 1">
             <a:extLst>
               <a:ext uri="{FF2B5EF4-FFF2-40B4-BE49-F238E27FC236}">
-                <a16:creationId xmlns:a16="http://schemas.microsoft.com/office/drawing/2014/main" xmlns="" id="{4A2DF563-7FAC-46B3-B24C-7E45CD89DA2B}"/>
+                <a16:creationId xmlns:a16="http://schemas.microsoft.com/office/drawing/2014/main" id="{4A2DF563-7FAC-46B3-B24C-7E45CD89DA2B}"/>
               </a:ext>
             </a:extLst>
           </p:cNvPr>
@@ -13812,7 +13829,7 @@
           <a:p>
             <a:pPr lvl="0"/>
             <a:r>
-              <a:rPr lang="es-ES" noProof="0" smtClean="0"/>
+              <a:rPr lang="es-ES" noProof="0"/>
               <a:t>Haga clic para modificar el estilo de título del patrón</a:t>
             </a:r>
             <a:endParaRPr lang="en-US" noProof="0"/>
@@ -13824,7 +13841,7 @@
           <p:cNvPr id="4" name="Group 14">
             <a:extLst>
               <a:ext uri="{FF2B5EF4-FFF2-40B4-BE49-F238E27FC236}">
-                <a16:creationId xmlns:a16="http://schemas.microsoft.com/office/drawing/2014/main" xmlns="" id="{7732E1E7-45E3-4264-8F26-66758696DD1E}"/>
+                <a16:creationId xmlns:a16="http://schemas.microsoft.com/office/drawing/2014/main" id="{7732E1E7-45E3-4264-8F26-66758696DD1E}"/>
               </a:ext>
             </a:extLst>
           </p:cNvPr>
@@ -13844,7 +13861,7 @@
             <p:cNvPr id="16" name="Freeform: Shape 15">
               <a:extLst>
                 <a:ext uri="{FF2B5EF4-FFF2-40B4-BE49-F238E27FC236}">
-                  <a16:creationId xmlns:a16="http://schemas.microsoft.com/office/drawing/2014/main" xmlns="" id="{2E3DF883-8093-49FA-81E1-E5D77F086A25}"/>
+                  <a16:creationId xmlns:a16="http://schemas.microsoft.com/office/drawing/2014/main" id="{2E3DF883-8093-49FA-81E1-E5D77F086A25}"/>
                 </a:ext>
               </a:extLst>
             </p:cNvPr>
@@ -13934,7 +13951,7 @@
             <p:cNvPr id="17" name="Freeform: Shape 16">
               <a:extLst>
                 <a:ext uri="{FF2B5EF4-FFF2-40B4-BE49-F238E27FC236}">
-                  <a16:creationId xmlns:a16="http://schemas.microsoft.com/office/drawing/2014/main" xmlns="" id="{18944C90-37E5-4BBE-89FF-060627168050}"/>
+                  <a16:creationId xmlns:a16="http://schemas.microsoft.com/office/drawing/2014/main" id="{18944C90-37E5-4BBE-89FF-060627168050}"/>
                 </a:ext>
               </a:extLst>
             </p:cNvPr>
@@ -14033,7 +14050,7 @@
           <p:cNvPr id="6" name="Group 5">
             <a:extLst>
               <a:ext uri="{FF2B5EF4-FFF2-40B4-BE49-F238E27FC236}">
-                <a16:creationId xmlns:a16="http://schemas.microsoft.com/office/drawing/2014/main" xmlns="" id="{D9EBF8BB-A805-4DDB-B459-082F99815B95}"/>
+                <a16:creationId xmlns:a16="http://schemas.microsoft.com/office/drawing/2014/main" id="{D9EBF8BB-A805-4DDB-B459-082F99815B95}"/>
               </a:ext>
             </a:extLst>
           </p:cNvPr>
@@ -14053,7 +14070,7 @@
             <p:cNvPr id="19" name="Rectangle: Single Corner Snipped 18">
               <a:extLst>
                 <a:ext uri="{FF2B5EF4-FFF2-40B4-BE49-F238E27FC236}">
-                  <a16:creationId xmlns:a16="http://schemas.microsoft.com/office/drawing/2014/main" xmlns="" id="{5D638788-DD47-45E7-939A-FA108A818173}"/>
+                  <a16:creationId xmlns:a16="http://schemas.microsoft.com/office/drawing/2014/main" id="{5D638788-DD47-45E7-939A-FA108A818173}"/>
                 </a:ext>
               </a:extLst>
             </p:cNvPr>
@@ -14119,7 +14136,7 @@
             <p:cNvPr id="3" name="Rectangle: Single Corner Snipped 2">
               <a:extLst>
                 <a:ext uri="{FF2B5EF4-FFF2-40B4-BE49-F238E27FC236}">
-                  <a16:creationId xmlns:a16="http://schemas.microsoft.com/office/drawing/2014/main" xmlns="" id="{74BDECEF-EEFE-4332-B3B2-BDE4F82C10FC}"/>
+                  <a16:creationId xmlns:a16="http://schemas.microsoft.com/office/drawing/2014/main" id="{74BDECEF-EEFE-4332-B3B2-BDE4F82C10FC}"/>
                 </a:ext>
               </a:extLst>
             </p:cNvPr>
@@ -14176,7 +14193,7 @@
           <p:cNvPr id="24" name="Freeform: Shape 23">
             <a:extLst>
               <a:ext uri="{FF2B5EF4-FFF2-40B4-BE49-F238E27FC236}">
-                <a16:creationId xmlns:a16="http://schemas.microsoft.com/office/drawing/2014/main" xmlns="" id="{18103E00-7E4A-44CD-81AC-06433CAE1110}"/>
+                <a16:creationId xmlns:a16="http://schemas.microsoft.com/office/drawing/2014/main" id="{18103E00-7E4A-44CD-81AC-06433CAE1110}"/>
               </a:ext>
             </a:extLst>
           </p:cNvPr>
@@ -14271,7 +14288,7 @@
           <p:cNvPr id="5" name="Slide Number Placeholder 4">
             <a:extLst>
               <a:ext uri="{FF2B5EF4-FFF2-40B4-BE49-F238E27FC236}">
-                <a16:creationId xmlns:a16="http://schemas.microsoft.com/office/drawing/2014/main" xmlns="" id="{87B51822-97FF-47A7-8E4E-A0F79B4EB237}"/>
+                <a16:creationId xmlns:a16="http://schemas.microsoft.com/office/drawing/2014/main" id="{87B51822-97FF-47A7-8E4E-A0F79B4EB237}"/>
               </a:ext>
             </a:extLst>
           </p:cNvPr>
@@ -14315,7 +14332,7 @@
           <p:cNvPr id="20" name="Content Placeholder 2">
             <a:extLst>
               <a:ext uri="{FF2B5EF4-FFF2-40B4-BE49-F238E27FC236}">
-                <a16:creationId xmlns:a16="http://schemas.microsoft.com/office/drawing/2014/main" xmlns="" id="{FE796BFF-6E5F-4DE7-B193-F501FC094D63}"/>
+                <a16:creationId xmlns:a16="http://schemas.microsoft.com/office/drawing/2014/main" id="{FE796BFF-6E5F-4DE7-B193-F501FC094D63}"/>
               </a:ext>
             </a:extLst>
           </p:cNvPr>
@@ -14386,35 +14403,35 @@
           <a:p>
             <a:pPr lvl="0"/>
             <a:r>
-              <a:rPr lang="es-ES" noProof="0" smtClean="0"/>
+              <a:rPr lang="es-ES" noProof="0"/>
               <a:t>Haga clic para modificar el estilo de texto del patrón</a:t>
             </a:r>
           </a:p>
           <a:p>
             <a:pPr lvl="1"/>
             <a:r>
-              <a:rPr lang="es-ES" noProof="0" smtClean="0"/>
+              <a:rPr lang="es-ES" noProof="0"/>
               <a:t>Segundo nivel</a:t>
             </a:r>
           </a:p>
           <a:p>
             <a:pPr lvl="2"/>
             <a:r>
-              <a:rPr lang="es-ES" noProof="0" smtClean="0"/>
+              <a:rPr lang="es-ES" noProof="0"/>
               <a:t>Tercer nivel</a:t>
             </a:r>
           </a:p>
           <a:p>
             <a:pPr lvl="3"/>
             <a:r>
-              <a:rPr lang="es-ES" noProof="0" smtClean="0"/>
+              <a:rPr lang="es-ES" noProof="0"/>
               <a:t>Cuarto nivel</a:t>
             </a:r>
           </a:p>
           <a:p>
             <a:pPr lvl="4"/>
             <a:r>
-              <a:rPr lang="es-ES" noProof="0" smtClean="0"/>
+              <a:rPr lang="es-ES" noProof="0"/>
               <a:t>Quinto nivel</a:t>
             </a:r>
             <a:endParaRPr lang="en-US" noProof="0"/>
@@ -14426,7 +14443,7 @@
           <p:cNvPr id="21" name="Content Placeholder 3">
             <a:extLst>
               <a:ext uri="{FF2B5EF4-FFF2-40B4-BE49-F238E27FC236}">
-                <a16:creationId xmlns:a16="http://schemas.microsoft.com/office/drawing/2014/main" xmlns="" id="{78622754-CA4D-4C27-A37F-B26E7B4C9CA2}"/>
+                <a16:creationId xmlns:a16="http://schemas.microsoft.com/office/drawing/2014/main" id="{78622754-CA4D-4C27-A37F-B26E7B4C9CA2}"/>
               </a:ext>
             </a:extLst>
           </p:cNvPr>
@@ -14487,35 +14504,35 @@
           <a:p>
             <a:pPr lvl="0"/>
             <a:r>
-              <a:rPr lang="es-ES" noProof="0" smtClean="0"/>
+              <a:rPr lang="es-ES" noProof="0"/>
               <a:t>Haga clic para modificar el estilo de texto del patrón</a:t>
             </a:r>
           </a:p>
           <a:p>
             <a:pPr lvl="1"/>
             <a:r>
-              <a:rPr lang="es-ES" noProof="0" smtClean="0"/>
+              <a:rPr lang="es-ES" noProof="0"/>
               <a:t>Segundo nivel</a:t>
             </a:r>
           </a:p>
           <a:p>
             <a:pPr lvl="2"/>
             <a:r>
-              <a:rPr lang="es-ES" noProof="0" smtClean="0"/>
+              <a:rPr lang="es-ES" noProof="0"/>
               <a:t>Tercer nivel</a:t>
             </a:r>
           </a:p>
           <a:p>
             <a:pPr lvl="3"/>
             <a:r>
-              <a:rPr lang="es-ES" noProof="0" smtClean="0"/>
+              <a:rPr lang="es-ES" noProof="0"/>
               <a:t>Cuarto nivel</a:t>
             </a:r>
           </a:p>
           <a:p>
             <a:pPr lvl="4"/>
             <a:r>
-              <a:rPr lang="es-ES" noProof="0" smtClean="0"/>
+              <a:rPr lang="es-ES" noProof="0"/>
               <a:t>Quinto nivel</a:t>
             </a:r>
             <a:endParaRPr lang="en-US" noProof="0"/>
@@ -14525,7 +14542,7 @@
     </p:spTree>
     <p:extLst>
       <p:ext uri="{BB962C8B-B14F-4D97-AF65-F5344CB8AC3E}">
-        <p14:creationId xmlns:p14="http://schemas.microsoft.com/office/powerpoint/2010/main" xmlns="" val="999597857"/>
+        <p14:creationId xmlns:p14="http://schemas.microsoft.com/office/powerpoint/2010/main" val="999597857"/>
       </p:ext>
     </p:extLst>
   </p:cSld>
@@ -14565,7 +14582,7 @@
           <p:cNvPr id="11" name="Rectangle 10">
             <a:extLst>
               <a:ext uri="{FF2B5EF4-FFF2-40B4-BE49-F238E27FC236}">
-                <a16:creationId xmlns:a16="http://schemas.microsoft.com/office/drawing/2014/main" xmlns="" id="{EB3E033F-4449-40FA-BC85-BD2712D313DD}"/>
+                <a16:creationId xmlns:a16="http://schemas.microsoft.com/office/drawing/2014/main" id="{EB3E033F-4449-40FA-BC85-BD2712D313DD}"/>
               </a:ext>
             </a:extLst>
           </p:cNvPr>
@@ -14619,7 +14636,7 @@
           <p:cNvPr id="10" name="Freeform: Shape 9">
             <a:extLst>
               <a:ext uri="{FF2B5EF4-FFF2-40B4-BE49-F238E27FC236}">
-                <a16:creationId xmlns:a16="http://schemas.microsoft.com/office/drawing/2014/main" xmlns="" id="{63D26743-0505-444C-80B3-E88EE87DF72B}"/>
+                <a16:creationId xmlns:a16="http://schemas.microsoft.com/office/drawing/2014/main" id="{63D26743-0505-444C-80B3-E88EE87DF72B}"/>
               </a:ext>
             </a:extLst>
           </p:cNvPr>
@@ -14742,7 +14759,7 @@
           <p:cNvPr id="18" name="Freeform: Shape 17">
             <a:extLst>
               <a:ext uri="{FF2B5EF4-FFF2-40B4-BE49-F238E27FC236}">
-                <a16:creationId xmlns:a16="http://schemas.microsoft.com/office/drawing/2014/main" xmlns="" id="{E37145E9-AC61-47D5-9288-8789940F81B6}"/>
+                <a16:creationId xmlns:a16="http://schemas.microsoft.com/office/drawing/2014/main" id="{E37145E9-AC61-47D5-9288-8789940F81B6}"/>
               </a:ext>
             </a:extLst>
           </p:cNvPr>
@@ -14894,7 +14911,7 @@
           <p:cNvPr id="12" name="Freeform: Shape 11">
             <a:extLst>
               <a:ext uri="{FF2B5EF4-FFF2-40B4-BE49-F238E27FC236}">
-                <a16:creationId xmlns:a16="http://schemas.microsoft.com/office/drawing/2014/main" xmlns="" id="{A5E2B3ED-9A49-40A7-B8A3-62595FE513F9}"/>
+                <a16:creationId xmlns:a16="http://schemas.microsoft.com/office/drawing/2014/main" id="{A5E2B3ED-9A49-40A7-B8A3-62595FE513F9}"/>
               </a:ext>
             </a:extLst>
           </p:cNvPr>
@@ -15044,7 +15061,7 @@
           <p:cNvPr id="8" name="Freeform: Shape 7">
             <a:extLst>
               <a:ext uri="{FF2B5EF4-FFF2-40B4-BE49-F238E27FC236}">
-                <a16:creationId xmlns:a16="http://schemas.microsoft.com/office/drawing/2014/main" xmlns="" id="{1599AF7E-3E34-4597-AA72-9373A7FDB020}"/>
+                <a16:creationId xmlns:a16="http://schemas.microsoft.com/office/drawing/2014/main" id="{1599AF7E-3E34-4597-AA72-9373A7FDB020}"/>
               </a:ext>
             </a:extLst>
           </p:cNvPr>
@@ -15190,7 +15207,7 @@
           <p:cNvPr id="2" name="Title 1">
             <a:extLst>
               <a:ext uri="{FF2B5EF4-FFF2-40B4-BE49-F238E27FC236}">
-                <a16:creationId xmlns:a16="http://schemas.microsoft.com/office/drawing/2014/main" xmlns="" id="{4A2DF563-7FAC-46B3-B24C-7E45CD89DA2B}"/>
+                <a16:creationId xmlns:a16="http://schemas.microsoft.com/office/drawing/2014/main" id="{4A2DF563-7FAC-46B3-B24C-7E45CD89DA2B}"/>
               </a:ext>
             </a:extLst>
           </p:cNvPr>
@@ -15224,7 +15241,7 @@
           <a:p>
             <a:pPr lvl="0"/>
             <a:r>
-              <a:rPr lang="es-ES" noProof="0" smtClean="0"/>
+              <a:rPr lang="es-ES" noProof="0"/>
               <a:t>Haga clic para modificar el estilo de título del patrón</a:t>
             </a:r>
             <a:endParaRPr lang="en-US" noProof="0"/>
@@ -15236,7 +15253,7 @@
           <p:cNvPr id="4" name="Group 14">
             <a:extLst>
               <a:ext uri="{FF2B5EF4-FFF2-40B4-BE49-F238E27FC236}">
-                <a16:creationId xmlns:a16="http://schemas.microsoft.com/office/drawing/2014/main" xmlns="" id="{7732E1E7-45E3-4264-8F26-66758696DD1E}"/>
+                <a16:creationId xmlns:a16="http://schemas.microsoft.com/office/drawing/2014/main" id="{7732E1E7-45E3-4264-8F26-66758696DD1E}"/>
               </a:ext>
             </a:extLst>
           </p:cNvPr>
@@ -15256,7 +15273,7 @@
             <p:cNvPr id="16" name="Freeform: Shape 15">
               <a:extLst>
                 <a:ext uri="{FF2B5EF4-FFF2-40B4-BE49-F238E27FC236}">
-                  <a16:creationId xmlns:a16="http://schemas.microsoft.com/office/drawing/2014/main" xmlns="" id="{2E3DF883-8093-49FA-81E1-E5D77F086A25}"/>
+                  <a16:creationId xmlns:a16="http://schemas.microsoft.com/office/drawing/2014/main" id="{2E3DF883-8093-49FA-81E1-E5D77F086A25}"/>
                 </a:ext>
               </a:extLst>
             </p:cNvPr>
@@ -15346,7 +15363,7 @@
             <p:cNvPr id="17" name="Freeform: Shape 16">
               <a:extLst>
                 <a:ext uri="{FF2B5EF4-FFF2-40B4-BE49-F238E27FC236}">
-                  <a16:creationId xmlns:a16="http://schemas.microsoft.com/office/drawing/2014/main" xmlns="" id="{18944C90-37E5-4BBE-89FF-060627168050}"/>
+                  <a16:creationId xmlns:a16="http://schemas.microsoft.com/office/drawing/2014/main" id="{18944C90-37E5-4BBE-89FF-060627168050}"/>
                 </a:ext>
               </a:extLst>
             </p:cNvPr>
@@ -15445,7 +15462,7 @@
           <p:cNvPr id="6" name="Group 5">
             <a:extLst>
               <a:ext uri="{FF2B5EF4-FFF2-40B4-BE49-F238E27FC236}">
-                <a16:creationId xmlns:a16="http://schemas.microsoft.com/office/drawing/2014/main" xmlns="" id="{D9EBF8BB-A805-4DDB-B459-082F99815B95}"/>
+                <a16:creationId xmlns:a16="http://schemas.microsoft.com/office/drawing/2014/main" id="{D9EBF8BB-A805-4DDB-B459-082F99815B95}"/>
               </a:ext>
             </a:extLst>
           </p:cNvPr>
@@ -15465,7 +15482,7 @@
             <p:cNvPr id="19" name="Rectangle: Single Corner Snipped 18">
               <a:extLst>
                 <a:ext uri="{FF2B5EF4-FFF2-40B4-BE49-F238E27FC236}">
-                  <a16:creationId xmlns:a16="http://schemas.microsoft.com/office/drawing/2014/main" xmlns="" id="{5D638788-DD47-45E7-939A-FA108A818173}"/>
+                  <a16:creationId xmlns:a16="http://schemas.microsoft.com/office/drawing/2014/main" id="{5D638788-DD47-45E7-939A-FA108A818173}"/>
                 </a:ext>
               </a:extLst>
             </p:cNvPr>
@@ -15526,7 +15543,7 @@
             <p:cNvPr id="3" name="Rectangle: Single Corner Snipped 2">
               <a:extLst>
                 <a:ext uri="{FF2B5EF4-FFF2-40B4-BE49-F238E27FC236}">
-                  <a16:creationId xmlns:a16="http://schemas.microsoft.com/office/drawing/2014/main" xmlns="" id="{74BDECEF-EEFE-4332-B3B2-BDE4F82C10FC}"/>
+                  <a16:creationId xmlns:a16="http://schemas.microsoft.com/office/drawing/2014/main" id="{74BDECEF-EEFE-4332-B3B2-BDE4F82C10FC}"/>
                 </a:ext>
               </a:extLst>
             </p:cNvPr>
@@ -15583,7 +15600,7 @@
           <p:cNvPr id="20" name="Picture Placeholder 8">
             <a:extLst>
               <a:ext uri="{FF2B5EF4-FFF2-40B4-BE49-F238E27FC236}">
-                <a16:creationId xmlns:a16="http://schemas.microsoft.com/office/drawing/2014/main" xmlns="" id="{6D00E6B4-1CBE-404E-B943-5F1832320C1C}"/>
+                <a16:creationId xmlns:a16="http://schemas.microsoft.com/office/drawing/2014/main" id="{6D00E6B4-1CBE-404E-B943-5F1832320C1C}"/>
               </a:ext>
             </a:extLst>
           </p:cNvPr>
@@ -15634,7 +15651,7 @@
           </a:lstStyle>
           <a:p>
             <a:r>
-              <a:rPr lang="es-ES" noProof="0" smtClean="0"/>
+              <a:rPr lang="es-ES" noProof="0"/>
               <a:t>Haga clic en el icono para agregar una imagen</a:t>
             </a:r>
             <a:endParaRPr lang="en-US" noProof="0" dirty="0"/>
@@ -15646,7 +15663,7 @@
           <p:cNvPr id="21" name="Picture Placeholder 8">
             <a:extLst>
               <a:ext uri="{FF2B5EF4-FFF2-40B4-BE49-F238E27FC236}">
-                <a16:creationId xmlns:a16="http://schemas.microsoft.com/office/drawing/2014/main" xmlns="" id="{7CD59BFD-62BE-4E33-92A5-B84A2A9A8D3B}"/>
+                <a16:creationId xmlns:a16="http://schemas.microsoft.com/office/drawing/2014/main" id="{7CD59BFD-62BE-4E33-92A5-B84A2A9A8D3B}"/>
               </a:ext>
             </a:extLst>
           </p:cNvPr>
@@ -15697,7 +15714,7 @@
           </a:lstStyle>
           <a:p>
             <a:r>
-              <a:rPr lang="es-ES" noProof="0" smtClean="0"/>
+              <a:rPr lang="es-ES" noProof="0"/>
               <a:t>Haga clic en el icono para agregar una imagen</a:t>
             </a:r>
             <a:endParaRPr lang="en-US" noProof="0" dirty="0"/>
@@ -15709,7 +15726,7 @@
           <p:cNvPr id="22" name="Picture Placeholder 8">
             <a:extLst>
               <a:ext uri="{FF2B5EF4-FFF2-40B4-BE49-F238E27FC236}">
-                <a16:creationId xmlns:a16="http://schemas.microsoft.com/office/drawing/2014/main" xmlns="" id="{60DC5978-55B8-421D-91B4-29F8210A7B2C}"/>
+                <a16:creationId xmlns:a16="http://schemas.microsoft.com/office/drawing/2014/main" id="{60DC5978-55B8-421D-91B4-29F8210A7B2C}"/>
               </a:ext>
             </a:extLst>
           </p:cNvPr>
@@ -15760,7 +15777,7 @@
           </a:lstStyle>
           <a:p>
             <a:r>
-              <a:rPr lang="es-ES" noProof="0" smtClean="0"/>
+              <a:rPr lang="es-ES" noProof="0"/>
               <a:t>Haga clic en el icono para agregar una imagen</a:t>
             </a:r>
             <a:endParaRPr lang="en-US" noProof="0" dirty="0"/>
@@ -15772,7 +15789,7 @@
           <p:cNvPr id="23" name="Picture Placeholder 8">
             <a:extLst>
               <a:ext uri="{FF2B5EF4-FFF2-40B4-BE49-F238E27FC236}">
-                <a16:creationId xmlns:a16="http://schemas.microsoft.com/office/drawing/2014/main" xmlns="" id="{BE3FB8C3-2C7E-4C59-8BD5-53FA2772DB56}"/>
+                <a16:creationId xmlns:a16="http://schemas.microsoft.com/office/drawing/2014/main" id="{BE3FB8C3-2C7E-4C59-8BD5-53FA2772DB56}"/>
               </a:ext>
             </a:extLst>
           </p:cNvPr>
@@ -15823,7 +15840,7 @@
           </a:lstStyle>
           <a:p>
             <a:r>
-              <a:rPr lang="es-ES" noProof="0" smtClean="0"/>
+              <a:rPr lang="es-ES" noProof="0"/>
               <a:t>Haga clic en el icono para agregar una imagen</a:t>
             </a:r>
             <a:endParaRPr lang="en-US" noProof="0" dirty="0"/>
@@ -15835,7 +15852,7 @@
           <p:cNvPr id="24" name="Picture Placeholder 8">
             <a:extLst>
               <a:ext uri="{FF2B5EF4-FFF2-40B4-BE49-F238E27FC236}">
-                <a16:creationId xmlns:a16="http://schemas.microsoft.com/office/drawing/2014/main" xmlns="" id="{FD8FA9DA-C36B-4889-B88F-28B5829E53E2}"/>
+                <a16:creationId xmlns:a16="http://schemas.microsoft.com/office/drawing/2014/main" id="{FD8FA9DA-C36B-4889-B88F-28B5829E53E2}"/>
               </a:ext>
             </a:extLst>
           </p:cNvPr>
@@ -15886,7 +15903,7 @@
           </a:lstStyle>
           <a:p>
             <a:r>
-              <a:rPr lang="es-ES" noProof="0" smtClean="0"/>
+              <a:rPr lang="es-ES" noProof="0"/>
               <a:t>Haga clic en el icono para agregar una imagen</a:t>
             </a:r>
             <a:endParaRPr lang="en-US" noProof="0" dirty="0"/>
@@ -15898,7 +15915,7 @@
           <p:cNvPr id="26" name="Text Placeholder 22">
             <a:extLst>
               <a:ext uri="{FF2B5EF4-FFF2-40B4-BE49-F238E27FC236}">
-                <a16:creationId xmlns:a16="http://schemas.microsoft.com/office/drawing/2014/main" xmlns="" id="{2A19101D-7C37-42BF-8167-5391EA65EC3A}"/>
+                <a16:creationId xmlns:a16="http://schemas.microsoft.com/office/drawing/2014/main" id="{2A19101D-7C37-42BF-8167-5391EA65EC3A}"/>
               </a:ext>
             </a:extLst>
           </p:cNvPr>
@@ -15997,7 +16014,7 @@
           <a:p>
             <a:pPr lvl="0"/>
             <a:r>
-              <a:rPr lang="es-ES" noProof="0" smtClean="0"/>
+              <a:rPr lang="es-ES" noProof="0"/>
               <a:t>Haga clic para modificar el estilo de texto del patrón</a:t>
             </a:r>
           </a:p>
@@ -16008,7 +16025,7 @@
           <p:cNvPr id="27" name="Text Placeholder 22">
             <a:extLst>
               <a:ext uri="{FF2B5EF4-FFF2-40B4-BE49-F238E27FC236}">
-                <a16:creationId xmlns:a16="http://schemas.microsoft.com/office/drawing/2014/main" xmlns="" id="{05F72315-51A9-431C-B80A-45E4FB1D6BD6}"/>
+                <a16:creationId xmlns:a16="http://schemas.microsoft.com/office/drawing/2014/main" id="{05F72315-51A9-431C-B80A-45E4FB1D6BD6}"/>
               </a:ext>
             </a:extLst>
           </p:cNvPr>
@@ -16107,7 +16124,7 @@
           <a:p>
             <a:pPr lvl="0"/>
             <a:r>
-              <a:rPr lang="es-ES" noProof="0" smtClean="0"/>
+              <a:rPr lang="es-ES" noProof="0"/>
               <a:t>Haga clic para modificar el estilo de texto del patrón</a:t>
             </a:r>
           </a:p>
@@ -16118,7 +16135,7 @@
           <p:cNvPr id="28" name="Text Placeholder 22">
             <a:extLst>
               <a:ext uri="{FF2B5EF4-FFF2-40B4-BE49-F238E27FC236}">
-                <a16:creationId xmlns:a16="http://schemas.microsoft.com/office/drawing/2014/main" xmlns="" id="{883D1F0C-34F1-46E1-B178-E4AB82B14631}"/>
+                <a16:creationId xmlns:a16="http://schemas.microsoft.com/office/drawing/2014/main" id="{883D1F0C-34F1-46E1-B178-E4AB82B14631}"/>
               </a:ext>
             </a:extLst>
           </p:cNvPr>
@@ -16217,7 +16234,7 @@
           <a:p>
             <a:pPr lvl="0"/>
             <a:r>
-              <a:rPr lang="es-ES" noProof="0" smtClean="0"/>
+              <a:rPr lang="es-ES" noProof="0"/>
               <a:t>Haga clic para modificar el estilo de texto del patrón</a:t>
             </a:r>
           </a:p>
@@ -16228,7 +16245,7 @@
           <p:cNvPr id="29" name="Text Placeholder 22">
             <a:extLst>
               <a:ext uri="{FF2B5EF4-FFF2-40B4-BE49-F238E27FC236}">
-                <a16:creationId xmlns:a16="http://schemas.microsoft.com/office/drawing/2014/main" xmlns="" id="{7202A849-DF14-40E7-B38D-1185F72603EC}"/>
+                <a16:creationId xmlns:a16="http://schemas.microsoft.com/office/drawing/2014/main" id="{7202A849-DF14-40E7-B38D-1185F72603EC}"/>
               </a:ext>
             </a:extLst>
           </p:cNvPr>
@@ -16327,7 +16344,7 @@
           <a:p>
             <a:pPr lvl="0"/>
             <a:r>
-              <a:rPr lang="es-ES" noProof="0" smtClean="0"/>
+              <a:rPr lang="es-ES" noProof="0"/>
               <a:t>Haga clic para modificar el estilo de texto del patrón</a:t>
             </a:r>
           </a:p>
@@ -16338,7 +16355,7 @@
           <p:cNvPr id="30" name="Text Placeholder 22">
             <a:extLst>
               <a:ext uri="{FF2B5EF4-FFF2-40B4-BE49-F238E27FC236}">
-                <a16:creationId xmlns:a16="http://schemas.microsoft.com/office/drawing/2014/main" xmlns="" id="{CCFC1ADF-AC11-4CCD-AC2D-478B6FFEA5EA}"/>
+                <a16:creationId xmlns:a16="http://schemas.microsoft.com/office/drawing/2014/main" id="{CCFC1ADF-AC11-4CCD-AC2D-478B6FFEA5EA}"/>
               </a:ext>
             </a:extLst>
           </p:cNvPr>
@@ -16437,7 +16454,7 @@
           <a:p>
             <a:pPr lvl="0"/>
             <a:r>
-              <a:rPr lang="es-ES" noProof="0" smtClean="0"/>
+              <a:rPr lang="es-ES" noProof="0"/>
               <a:t>Haga clic para modificar el estilo de texto del patrón</a:t>
             </a:r>
           </a:p>
@@ -16448,7 +16465,7 @@
           <p:cNvPr id="7" name="Straight Connector 6">
             <a:extLst>
               <a:ext uri="{FF2B5EF4-FFF2-40B4-BE49-F238E27FC236}">
-                <a16:creationId xmlns:a16="http://schemas.microsoft.com/office/drawing/2014/main" xmlns="" id="{2B4CB326-DA0E-488E-B236-7017E8438FBB}"/>
+                <a16:creationId xmlns:a16="http://schemas.microsoft.com/office/drawing/2014/main" id="{2B4CB326-DA0E-488E-B236-7017E8438FBB}"/>
               </a:ext>
             </a:extLst>
           </p:cNvPr>
@@ -16489,7 +16506,7 @@
           <p:cNvPr id="31" name="Straight Connector 30">
             <a:extLst>
               <a:ext uri="{FF2B5EF4-FFF2-40B4-BE49-F238E27FC236}">
-                <a16:creationId xmlns:a16="http://schemas.microsoft.com/office/drawing/2014/main" xmlns="" id="{9366B533-7212-4A36-9CE2-D6302E721F8F}"/>
+                <a16:creationId xmlns:a16="http://schemas.microsoft.com/office/drawing/2014/main" id="{9366B533-7212-4A36-9CE2-D6302E721F8F}"/>
               </a:ext>
             </a:extLst>
           </p:cNvPr>
@@ -16530,7 +16547,7 @@
           <p:cNvPr id="32" name="Straight Connector 31">
             <a:extLst>
               <a:ext uri="{FF2B5EF4-FFF2-40B4-BE49-F238E27FC236}">
-                <a16:creationId xmlns:a16="http://schemas.microsoft.com/office/drawing/2014/main" xmlns="" id="{AD7474CD-E230-4E14-8274-5E20F673F401}"/>
+                <a16:creationId xmlns:a16="http://schemas.microsoft.com/office/drawing/2014/main" id="{AD7474CD-E230-4E14-8274-5E20F673F401}"/>
               </a:ext>
             </a:extLst>
           </p:cNvPr>
@@ -16571,7 +16588,7 @@
           <p:cNvPr id="33" name="Straight Connector 32">
             <a:extLst>
               <a:ext uri="{FF2B5EF4-FFF2-40B4-BE49-F238E27FC236}">
-                <a16:creationId xmlns:a16="http://schemas.microsoft.com/office/drawing/2014/main" xmlns="" id="{6BF71FCE-6F39-4D2F-82BE-7D9F1D2ED59F}"/>
+                <a16:creationId xmlns:a16="http://schemas.microsoft.com/office/drawing/2014/main" id="{6BF71FCE-6F39-4D2F-82BE-7D9F1D2ED59F}"/>
               </a:ext>
             </a:extLst>
           </p:cNvPr>
@@ -16612,7 +16629,7 @@
           <p:cNvPr id="34" name="Straight Connector 33">
             <a:extLst>
               <a:ext uri="{FF2B5EF4-FFF2-40B4-BE49-F238E27FC236}">
-                <a16:creationId xmlns:a16="http://schemas.microsoft.com/office/drawing/2014/main" xmlns="" id="{AE97AC7A-17D9-4F42-9DD0-94FE4FC6BF19}"/>
+                <a16:creationId xmlns:a16="http://schemas.microsoft.com/office/drawing/2014/main" id="{AE97AC7A-17D9-4F42-9DD0-94FE4FC6BF19}"/>
               </a:ext>
             </a:extLst>
           </p:cNvPr>
@@ -16653,7 +16670,7 @@
           <p:cNvPr id="35" name="Freeform: Shape 34">
             <a:extLst>
               <a:ext uri="{FF2B5EF4-FFF2-40B4-BE49-F238E27FC236}">
-                <a16:creationId xmlns:a16="http://schemas.microsoft.com/office/drawing/2014/main" xmlns="" id="{62EEBF51-DCAD-4335-85E9-52801031A1BF}"/>
+                <a16:creationId xmlns:a16="http://schemas.microsoft.com/office/drawing/2014/main" id="{62EEBF51-DCAD-4335-85E9-52801031A1BF}"/>
               </a:ext>
             </a:extLst>
           </p:cNvPr>
@@ -16748,7 +16765,7 @@
           <p:cNvPr id="5" name="Slide Number Placeholder 4">
             <a:extLst>
               <a:ext uri="{FF2B5EF4-FFF2-40B4-BE49-F238E27FC236}">
-                <a16:creationId xmlns:a16="http://schemas.microsoft.com/office/drawing/2014/main" xmlns="" id="{87B51822-97FF-47A7-8E4E-A0F79B4EB237}"/>
+                <a16:creationId xmlns:a16="http://schemas.microsoft.com/office/drawing/2014/main" id="{87B51822-97FF-47A7-8E4E-A0F79B4EB237}"/>
               </a:ext>
             </a:extLst>
           </p:cNvPr>
@@ -16790,7 +16807,7 @@
     </p:spTree>
     <p:extLst>
       <p:ext uri="{BB962C8B-B14F-4D97-AF65-F5344CB8AC3E}">
-        <p14:creationId xmlns:p14="http://schemas.microsoft.com/office/powerpoint/2010/main" xmlns="" val="476266371"/>
+        <p14:creationId xmlns:p14="http://schemas.microsoft.com/office/powerpoint/2010/main" val="476266371"/>
       </p:ext>
     </p:extLst>
   </p:cSld>
@@ -16830,7 +16847,7 @@
           <p:cNvPr id="11" name="Rectangle 10">
             <a:extLst>
               <a:ext uri="{FF2B5EF4-FFF2-40B4-BE49-F238E27FC236}">
-                <a16:creationId xmlns:a16="http://schemas.microsoft.com/office/drawing/2014/main" xmlns="" id="{EB3E033F-4449-40FA-BC85-BD2712D313DD}"/>
+                <a16:creationId xmlns:a16="http://schemas.microsoft.com/office/drawing/2014/main" id="{EB3E033F-4449-40FA-BC85-BD2712D313DD}"/>
               </a:ext>
             </a:extLst>
           </p:cNvPr>
@@ -16884,7 +16901,7 @@
           <p:cNvPr id="10" name="Freeform: Shape 9">
             <a:extLst>
               <a:ext uri="{FF2B5EF4-FFF2-40B4-BE49-F238E27FC236}">
-                <a16:creationId xmlns:a16="http://schemas.microsoft.com/office/drawing/2014/main" xmlns="" id="{63D26743-0505-444C-80B3-E88EE87DF72B}"/>
+                <a16:creationId xmlns:a16="http://schemas.microsoft.com/office/drawing/2014/main" id="{63D26743-0505-444C-80B3-E88EE87DF72B}"/>
               </a:ext>
             </a:extLst>
           </p:cNvPr>
@@ -17007,7 +17024,7 @@
           <p:cNvPr id="18" name="Freeform: Shape 17">
             <a:extLst>
               <a:ext uri="{FF2B5EF4-FFF2-40B4-BE49-F238E27FC236}">
-                <a16:creationId xmlns:a16="http://schemas.microsoft.com/office/drawing/2014/main" xmlns="" id="{E37145E9-AC61-47D5-9288-8789940F81B6}"/>
+                <a16:creationId xmlns:a16="http://schemas.microsoft.com/office/drawing/2014/main" id="{E37145E9-AC61-47D5-9288-8789940F81B6}"/>
               </a:ext>
             </a:extLst>
           </p:cNvPr>
@@ -17159,7 +17176,7 @@
           <p:cNvPr id="12" name="Freeform: Shape 11">
             <a:extLst>
               <a:ext uri="{FF2B5EF4-FFF2-40B4-BE49-F238E27FC236}">
-                <a16:creationId xmlns:a16="http://schemas.microsoft.com/office/drawing/2014/main" xmlns="" id="{A5E2B3ED-9A49-40A7-B8A3-62595FE513F9}"/>
+                <a16:creationId xmlns:a16="http://schemas.microsoft.com/office/drawing/2014/main" id="{A5E2B3ED-9A49-40A7-B8A3-62595FE513F9}"/>
               </a:ext>
             </a:extLst>
           </p:cNvPr>
@@ -17309,7 +17326,7 @@
           <p:cNvPr id="8" name="Freeform: Shape 7">
             <a:extLst>
               <a:ext uri="{FF2B5EF4-FFF2-40B4-BE49-F238E27FC236}">
-                <a16:creationId xmlns:a16="http://schemas.microsoft.com/office/drawing/2014/main" xmlns="" id="{1599AF7E-3E34-4597-AA72-9373A7FDB020}"/>
+                <a16:creationId xmlns:a16="http://schemas.microsoft.com/office/drawing/2014/main" id="{1599AF7E-3E34-4597-AA72-9373A7FDB020}"/>
               </a:ext>
             </a:extLst>
           </p:cNvPr>
@@ -17455,7 +17472,7 @@
           <p:cNvPr id="2" name="Title 1">
             <a:extLst>
               <a:ext uri="{FF2B5EF4-FFF2-40B4-BE49-F238E27FC236}">
-                <a16:creationId xmlns:a16="http://schemas.microsoft.com/office/drawing/2014/main" xmlns="" id="{4A2DF563-7FAC-46B3-B24C-7E45CD89DA2B}"/>
+                <a16:creationId xmlns:a16="http://schemas.microsoft.com/office/drawing/2014/main" id="{4A2DF563-7FAC-46B3-B24C-7E45CD89DA2B}"/>
               </a:ext>
             </a:extLst>
           </p:cNvPr>
@@ -17489,7 +17506,7 @@
           <a:p>
             <a:pPr lvl="0"/>
             <a:r>
-              <a:rPr lang="es-ES" noProof="0" smtClean="0"/>
+              <a:rPr lang="es-ES" noProof="0"/>
               <a:t>Haga clic para modificar el estilo de título del patrón</a:t>
             </a:r>
             <a:endParaRPr lang="en-US" noProof="0"/>
@@ -17501,7 +17518,7 @@
           <p:cNvPr id="4" name="Group 14">
             <a:extLst>
               <a:ext uri="{FF2B5EF4-FFF2-40B4-BE49-F238E27FC236}">
-                <a16:creationId xmlns:a16="http://schemas.microsoft.com/office/drawing/2014/main" xmlns="" id="{7732E1E7-45E3-4264-8F26-66758696DD1E}"/>
+                <a16:creationId xmlns:a16="http://schemas.microsoft.com/office/drawing/2014/main" id="{7732E1E7-45E3-4264-8F26-66758696DD1E}"/>
               </a:ext>
             </a:extLst>
           </p:cNvPr>
@@ -17521,7 +17538,7 @@
             <p:cNvPr id="16" name="Freeform: Shape 15">
               <a:extLst>
                 <a:ext uri="{FF2B5EF4-FFF2-40B4-BE49-F238E27FC236}">
-                  <a16:creationId xmlns:a16="http://schemas.microsoft.com/office/drawing/2014/main" xmlns="" id="{2E3DF883-8093-49FA-81E1-E5D77F086A25}"/>
+                  <a16:creationId xmlns:a16="http://schemas.microsoft.com/office/drawing/2014/main" id="{2E3DF883-8093-49FA-81E1-E5D77F086A25}"/>
                 </a:ext>
               </a:extLst>
             </p:cNvPr>
@@ -17611,7 +17628,7 @@
             <p:cNvPr id="17" name="Freeform: Shape 16">
               <a:extLst>
                 <a:ext uri="{FF2B5EF4-FFF2-40B4-BE49-F238E27FC236}">
-                  <a16:creationId xmlns:a16="http://schemas.microsoft.com/office/drawing/2014/main" xmlns="" id="{18944C90-37E5-4BBE-89FF-060627168050}"/>
+                  <a16:creationId xmlns:a16="http://schemas.microsoft.com/office/drawing/2014/main" id="{18944C90-37E5-4BBE-89FF-060627168050}"/>
                 </a:ext>
               </a:extLst>
             </p:cNvPr>
@@ -17710,7 +17727,7 @@
           <p:cNvPr id="6" name="Group 5">
             <a:extLst>
               <a:ext uri="{FF2B5EF4-FFF2-40B4-BE49-F238E27FC236}">
-                <a16:creationId xmlns:a16="http://schemas.microsoft.com/office/drawing/2014/main" xmlns="" id="{D9EBF8BB-A805-4DDB-B459-082F99815B95}"/>
+                <a16:creationId xmlns:a16="http://schemas.microsoft.com/office/drawing/2014/main" id="{D9EBF8BB-A805-4DDB-B459-082F99815B95}"/>
               </a:ext>
             </a:extLst>
           </p:cNvPr>
@@ -17730,7 +17747,7 @@
             <p:cNvPr id="19" name="Rectangle: Single Corner Snipped 18">
               <a:extLst>
                 <a:ext uri="{FF2B5EF4-FFF2-40B4-BE49-F238E27FC236}">
-                  <a16:creationId xmlns:a16="http://schemas.microsoft.com/office/drawing/2014/main" xmlns="" id="{5D638788-DD47-45E7-939A-FA108A818173}"/>
+                  <a16:creationId xmlns:a16="http://schemas.microsoft.com/office/drawing/2014/main" id="{5D638788-DD47-45E7-939A-FA108A818173}"/>
                 </a:ext>
               </a:extLst>
             </p:cNvPr>
@@ -17791,7 +17808,7 @@
             <p:cNvPr id="3" name="Rectangle: Single Corner Snipped 2">
               <a:extLst>
                 <a:ext uri="{FF2B5EF4-FFF2-40B4-BE49-F238E27FC236}">
-                  <a16:creationId xmlns:a16="http://schemas.microsoft.com/office/drawing/2014/main" xmlns="" id="{74BDECEF-EEFE-4332-B3B2-BDE4F82C10FC}"/>
+                  <a16:creationId xmlns:a16="http://schemas.microsoft.com/office/drawing/2014/main" id="{74BDECEF-EEFE-4332-B3B2-BDE4F82C10FC}"/>
                 </a:ext>
               </a:extLst>
             </p:cNvPr>
@@ -17848,7 +17865,7 @@
           <p:cNvPr id="26" name="Text Placeholder 22">
             <a:extLst>
               <a:ext uri="{FF2B5EF4-FFF2-40B4-BE49-F238E27FC236}">
-                <a16:creationId xmlns:a16="http://schemas.microsoft.com/office/drawing/2014/main" xmlns="" id="{2A19101D-7C37-42BF-8167-5391EA65EC3A}"/>
+                <a16:creationId xmlns:a16="http://schemas.microsoft.com/office/drawing/2014/main" id="{2A19101D-7C37-42BF-8167-5391EA65EC3A}"/>
               </a:ext>
             </a:extLst>
           </p:cNvPr>
@@ -17947,7 +17964,7 @@
           <a:p>
             <a:pPr lvl="0"/>
             <a:r>
-              <a:rPr lang="es-ES" noProof="0" smtClean="0"/>
+              <a:rPr lang="es-ES" noProof="0"/>
               <a:t>Haga clic para modificar el estilo de texto del patrón</a:t>
             </a:r>
           </a:p>
@@ -17958,7 +17975,7 @@
           <p:cNvPr id="35" name="Freeform: Shape 34">
             <a:extLst>
               <a:ext uri="{FF2B5EF4-FFF2-40B4-BE49-F238E27FC236}">
-                <a16:creationId xmlns:a16="http://schemas.microsoft.com/office/drawing/2014/main" xmlns="" id="{62EEBF51-DCAD-4335-85E9-52801031A1BF}"/>
+                <a16:creationId xmlns:a16="http://schemas.microsoft.com/office/drawing/2014/main" id="{62EEBF51-DCAD-4335-85E9-52801031A1BF}"/>
               </a:ext>
             </a:extLst>
           </p:cNvPr>
@@ -18053,7 +18070,7 @@
           <p:cNvPr id="5" name="Slide Number Placeholder 4">
             <a:extLst>
               <a:ext uri="{FF2B5EF4-FFF2-40B4-BE49-F238E27FC236}">
-                <a16:creationId xmlns:a16="http://schemas.microsoft.com/office/drawing/2014/main" xmlns="" id="{87B51822-97FF-47A7-8E4E-A0F79B4EB237}"/>
+                <a16:creationId xmlns:a16="http://schemas.microsoft.com/office/drawing/2014/main" id="{87B51822-97FF-47A7-8E4E-A0F79B4EB237}"/>
               </a:ext>
             </a:extLst>
           </p:cNvPr>
@@ -18097,7 +18114,7 @@
           <p:cNvPr id="13" name="Picture Placeholder 12">
             <a:extLst>
               <a:ext uri="{FF2B5EF4-FFF2-40B4-BE49-F238E27FC236}">
-                <a16:creationId xmlns:a16="http://schemas.microsoft.com/office/drawing/2014/main" xmlns="" id="{231B97CF-FD24-4932-8459-893B1AC73D33}"/>
+                <a16:creationId xmlns:a16="http://schemas.microsoft.com/office/drawing/2014/main" id="{231B97CF-FD24-4932-8459-893B1AC73D33}"/>
               </a:ext>
             </a:extLst>
           </p:cNvPr>
@@ -18142,7 +18159,7 @@
           <p:cNvPr id="36" name="Text Placeholder 22">
             <a:extLst>
               <a:ext uri="{FF2B5EF4-FFF2-40B4-BE49-F238E27FC236}">
-                <a16:creationId xmlns:a16="http://schemas.microsoft.com/office/drawing/2014/main" xmlns="" id="{642D3CE0-C3B4-4F3F-A650-AB452B3AD4BA}"/>
+                <a16:creationId xmlns:a16="http://schemas.microsoft.com/office/drawing/2014/main" id="{642D3CE0-C3B4-4F3F-A650-AB452B3AD4BA}"/>
               </a:ext>
             </a:extLst>
           </p:cNvPr>
@@ -18241,7 +18258,7 @@
           <a:p>
             <a:pPr lvl="0"/>
             <a:r>
-              <a:rPr lang="es-ES" noProof="0" smtClean="0"/>
+              <a:rPr lang="es-ES" noProof="0"/>
               <a:t>Haga clic para modificar el estilo de texto del patrón</a:t>
             </a:r>
           </a:p>
@@ -18252,7 +18269,7 @@
           <p:cNvPr id="37" name="Text Placeholder 22">
             <a:extLst>
               <a:ext uri="{FF2B5EF4-FFF2-40B4-BE49-F238E27FC236}">
-                <a16:creationId xmlns:a16="http://schemas.microsoft.com/office/drawing/2014/main" xmlns="" id="{DBED2BB0-CDAD-40EE-8B35-C66DF45EE29D}"/>
+                <a16:creationId xmlns:a16="http://schemas.microsoft.com/office/drawing/2014/main" id="{DBED2BB0-CDAD-40EE-8B35-C66DF45EE29D}"/>
               </a:ext>
             </a:extLst>
           </p:cNvPr>
@@ -18351,7 +18368,7 @@
           <a:p>
             <a:pPr lvl="0"/>
             <a:r>
-              <a:rPr lang="es-ES" noProof="0" smtClean="0"/>
+              <a:rPr lang="es-ES" noProof="0"/>
               <a:t>Haga clic para modificar el estilo de texto del patrón</a:t>
             </a:r>
           </a:p>
@@ -18360,7 +18377,7 @@
     </p:spTree>
     <p:extLst>
       <p:ext uri="{BB962C8B-B14F-4D97-AF65-F5344CB8AC3E}">
-        <p14:creationId xmlns:p14="http://schemas.microsoft.com/office/powerpoint/2010/main" xmlns="" val="1544745716"/>
+        <p14:creationId xmlns:p14="http://schemas.microsoft.com/office/powerpoint/2010/main" val="1544745716"/>
       </p:ext>
     </p:extLst>
   </p:cSld>
@@ -18400,7 +18417,7 @@
           <p:cNvPr id="11" name="Rectangle 10">
             <a:extLst>
               <a:ext uri="{FF2B5EF4-FFF2-40B4-BE49-F238E27FC236}">
-                <a16:creationId xmlns:a16="http://schemas.microsoft.com/office/drawing/2014/main" xmlns="" id="{EB3E033F-4449-40FA-BC85-BD2712D313DD}"/>
+                <a16:creationId xmlns:a16="http://schemas.microsoft.com/office/drawing/2014/main" id="{EB3E033F-4449-40FA-BC85-BD2712D313DD}"/>
               </a:ext>
             </a:extLst>
           </p:cNvPr>
@@ -18454,7 +18471,7 @@
           <p:cNvPr id="10" name="Freeform: Shape 9">
             <a:extLst>
               <a:ext uri="{FF2B5EF4-FFF2-40B4-BE49-F238E27FC236}">
-                <a16:creationId xmlns:a16="http://schemas.microsoft.com/office/drawing/2014/main" xmlns="" id="{63D26743-0505-444C-80B3-E88EE87DF72B}"/>
+                <a16:creationId xmlns:a16="http://schemas.microsoft.com/office/drawing/2014/main" id="{63D26743-0505-444C-80B3-E88EE87DF72B}"/>
               </a:ext>
             </a:extLst>
           </p:cNvPr>
@@ -18577,7 +18594,7 @@
           <p:cNvPr id="18" name="Freeform: Shape 17">
             <a:extLst>
               <a:ext uri="{FF2B5EF4-FFF2-40B4-BE49-F238E27FC236}">
-                <a16:creationId xmlns:a16="http://schemas.microsoft.com/office/drawing/2014/main" xmlns="" id="{E37145E9-AC61-47D5-9288-8789940F81B6}"/>
+                <a16:creationId xmlns:a16="http://schemas.microsoft.com/office/drawing/2014/main" id="{E37145E9-AC61-47D5-9288-8789940F81B6}"/>
               </a:ext>
             </a:extLst>
           </p:cNvPr>
@@ -18729,7 +18746,7 @@
           <p:cNvPr id="12" name="Freeform: Shape 11">
             <a:extLst>
               <a:ext uri="{FF2B5EF4-FFF2-40B4-BE49-F238E27FC236}">
-                <a16:creationId xmlns:a16="http://schemas.microsoft.com/office/drawing/2014/main" xmlns="" id="{A5E2B3ED-9A49-40A7-B8A3-62595FE513F9}"/>
+                <a16:creationId xmlns:a16="http://schemas.microsoft.com/office/drawing/2014/main" id="{A5E2B3ED-9A49-40A7-B8A3-62595FE513F9}"/>
               </a:ext>
             </a:extLst>
           </p:cNvPr>
@@ -18879,7 +18896,7 @@
           <p:cNvPr id="8" name="Freeform: Shape 7">
             <a:extLst>
               <a:ext uri="{FF2B5EF4-FFF2-40B4-BE49-F238E27FC236}">
-                <a16:creationId xmlns:a16="http://schemas.microsoft.com/office/drawing/2014/main" xmlns="" id="{1599AF7E-3E34-4597-AA72-9373A7FDB020}"/>
+                <a16:creationId xmlns:a16="http://schemas.microsoft.com/office/drawing/2014/main" id="{1599AF7E-3E34-4597-AA72-9373A7FDB020}"/>
               </a:ext>
             </a:extLst>
           </p:cNvPr>
@@ -19025,7 +19042,7 @@
           <p:cNvPr id="2" name="Title 1">
             <a:extLst>
               <a:ext uri="{FF2B5EF4-FFF2-40B4-BE49-F238E27FC236}">
-                <a16:creationId xmlns:a16="http://schemas.microsoft.com/office/drawing/2014/main" xmlns="" id="{4A2DF563-7FAC-46B3-B24C-7E45CD89DA2B}"/>
+                <a16:creationId xmlns:a16="http://schemas.microsoft.com/office/drawing/2014/main" id="{4A2DF563-7FAC-46B3-B24C-7E45CD89DA2B}"/>
               </a:ext>
             </a:extLst>
           </p:cNvPr>
@@ -19059,7 +19076,7 @@
           <a:p>
             <a:pPr lvl="0"/>
             <a:r>
-              <a:rPr lang="es-ES" noProof="0" smtClean="0"/>
+              <a:rPr lang="es-ES" noProof="0"/>
               <a:t>Haga clic para modificar el estilo de título del patrón</a:t>
             </a:r>
             <a:endParaRPr lang="en-US" noProof="0"/>
@@ -19071,7 +19088,7 @@
           <p:cNvPr id="4" name="Group 14">
             <a:extLst>
               <a:ext uri="{FF2B5EF4-FFF2-40B4-BE49-F238E27FC236}">
-                <a16:creationId xmlns:a16="http://schemas.microsoft.com/office/drawing/2014/main" xmlns="" id="{7732E1E7-45E3-4264-8F26-66758696DD1E}"/>
+                <a16:creationId xmlns:a16="http://schemas.microsoft.com/office/drawing/2014/main" id="{7732E1E7-45E3-4264-8F26-66758696DD1E}"/>
               </a:ext>
             </a:extLst>
           </p:cNvPr>
@@ -19091,7 +19108,7 @@
             <p:cNvPr id="16" name="Freeform: Shape 15">
               <a:extLst>
                 <a:ext uri="{FF2B5EF4-FFF2-40B4-BE49-F238E27FC236}">
-                  <a16:creationId xmlns:a16="http://schemas.microsoft.com/office/drawing/2014/main" xmlns="" id="{2E3DF883-8093-49FA-81E1-E5D77F086A25}"/>
+                  <a16:creationId xmlns:a16="http://schemas.microsoft.com/office/drawing/2014/main" id="{2E3DF883-8093-49FA-81E1-E5D77F086A25}"/>
                 </a:ext>
               </a:extLst>
             </p:cNvPr>
@@ -19181,7 +19198,7 @@
             <p:cNvPr id="17" name="Freeform: Shape 16">
               <a:extLst>
                 <a:ext uri="{FF2B5EF4-FFF2-40B4-BE49-F238E27FC236}">
-                  <a16:creationId xmlns:a16="http://schemas.microsoft.com/office/drawing/2014/main" xmlns="" id="{18944C90-37E5-4BBE-89FF-060627168050}"/>
+                  <a16:creationId xmlns:a16="http://schemas.microsoft.com/office/drawing/2014/main" id="{18944C90-37E5-4BBE-89FF-060627168050}"/>
                 </a:ext>
               </a:extLst>
             </p:cNvPr>
@@ -19280,7 +19297,7 @@
           <p:cNvPr id="6" name="Group 5">
             <a:extLst>
               <a:ext uri="{FF2B5EF4-FFF2-40B4-BE49-F238E27FC236}">
-                <a16:creationId xmlns:a16="http://schemas.microsoft.com/office/drawing/2014/main" xmlns="" id="{D9EBF8BB-A805-4DDB-B459-082F99815B95}"/>
+                <a16:creationId xmlns:a16="http://schemas.microsoft.com/office/drawing/2014/main" id="{D9EBF8BB-A805-4DDB-B459-082F99815B95}"/>
               </a:ext>
             </a:extLst>
           </p:cNvPr>
@@ -19300,7 +19317,7 @@
             <p:cNvPr id="19" name="Rectangle: Single Corner Snipped 18">
               <a:extLst>
                 <a:ext uri="{FF2B5EF4-FFF2-40B4-BE49-F238E27FC236}">
-                  <a16:creationId xmlns:a16="http://schemas.microsoft.com/office/drawing/2014/main" xmlns="" id="{5D638788-DD47-45E7-939A-FA108A818173}"/>
+                  <a16:creationId xmlns:a16="http://schemas.microsoft.com/office/drawing/2014/main" id="{5D638788-DD47-45E7-939A-FA108A818173}"/>
                 </a:ext>
               </a:extLst>
             </p:cNvPr>
@@ -19361,7 +19378,7 @@
             <p:cNvPr id="3" name="Rectangle: Single Corner Snipped 2">
               <a:extLst>
                 <a:ext uri="{FF2B5EF4-FFF2-40B4-BE49-F238E27FC236}">
-                  <a16:creationId xmlns:a16="http://schemas.microsoft.com/office/drawing/2014/main" xmlns="" id="{74BDECEF-EEFE-4332-B3B2-BDE4F82C10FC}"/>
+                  <a16:creationId xmlns:a16="http://schemas.microsoft.com/office/drawing/2014/main" id="{74BDECEF-EEFE-4332-B3B2-BDE4F82C10FC}"/>
                 </a:ext>
               </a:extLst>
             </p:cNvPr>
@@ -19418,7 +19435,7 @@
           <p:cNvPr id="26" name="Text Placeholder 22">
             <a:extLst>
               <a:ext uri="{FF2B5EF4-FFF2-40B4-BE49-F238E27FC236}">
-                <a16:creationId xmlns:a16="http://schemas.microsoft.com/office/drawing/2014/main" xmlns="" id="{2A19101D-7C37-42BF-8167-5391EA65EC3A}"/>
+                <a16:creationId xmlns:a16="http://schemas.microsoft.com/office/drawing/2014/main" id="{2A19101D-7C37-42BF-8167-5391EA65EC3A}"/>
               </a:ext>
             </a:extLst>
           </p:cNvPr>
@@ -19517,7 +19534,7 @@
           <a:p>
             <a:pPr lvl="0"/>
             <a:r>
-              <a:rPr lang="es-ES" noProof="0" smtClean="0"/>
+              <a:rPr lang="es-ES" noProof="0"/>
               <a:t>Haga clic para modificar el estilo de texto del patrón</a:t>
             </a:r>
           </a:p>
@@ -19528,7 +19545,7 @@
           <p:cNvPr id="35" name="Freeform: Shape 34">
             <a:extLst>
               <a:ext uri="{FF2B5EF4-FFF2-40B4-BE49-F238E27FC236}">
-                <a16:creationId xmlns:a16="http://schemas.microsoft.com/office/drawing/2014/main" xmlns="" id="{62EEBF51-DCAD-4335-85E9-52801031A1BF}"/>
+                <a16:creationId xmlns:a16="http://schemas.microsoft.com/office/drawing/2014/main" id="{62EEBF51-DCAD-4335-85E9-52801031A1BF}"/>
               </a:ext>
             </a:extLst>
           </p:cNvPr>
@@ -19623,7 +19640,7 @@
           <p:cNvPr id="5" name="Slide Number Placeholder 4">
             <a:extLst>
               <a:ext uri="{FF2B5EF4-FFF2-40B4-BE49-F238E27FC236}">
-                <a16:creationId xmlns:a16="http://schemas.microsoft.com/office/drawing/2014/main" xmlns="" id="{87B51822-97FF-47A7-8E4E-A0F79B4EB237}"/>
+                <a16:creationId xmlns:a16="http://schemas.microsoft.com/office/drawing/2014/main" id="{87B51822-97FF-47A7-8E4E-A0F79B4EB237}"/>
               </a:ext>
             </a:extLst>
           </p:cNvPr>
@@ -19667,7 +19684,7 @@
           <p:cNvPr id="13" name="Picture Placeholder 12">
             <a:extLst>
               <a:ext uri="{FF2B5EF4-FFF2-40B4-BE49-F238E27FC236}">
-                <a16:creationId xmlns:a16="http://schemas.microsoft.com/office/drawing/2014/main" xmlns="" id="{231B97CF-FD24-4932-8459-893B1AC73D33}"/>
+                <a16:creationId xmlns:a16="http://schemas.microsoft.com/office/drawing/2014/main" id="{231B97CF-FD24-4932-8459-893B1AC73D33}"/>
               </a:ext>
             </a:extLst>
           </p:cNvPr>
@@ -19710,7 +19727,7 @@
     </p:spTree>
     <p:extLst>
       <p:ext uri="{BB962C8B-B14F-4D97-AF65-F5344CB8AC3E}">
-        <p14:creationId xmlns:p14="http://schemas.microsoft.com/office/powerpoint/2010/main" xmlns="" val="2486826778"/>
+        <p14:creationId xmlns:p14="http://schemas.microsoft.com/office/powerpoint/2010/main" val="2486826778"/>
       </p:ext>
     </p:extLst>
   </p:cSld>
@@ -19750,7 +19767,7 @@
           <p:cNvPr id="11" name="Rectangle 10">
             <a:extLst>
               <a:ext uri="{FF2B5EF4-FFF2-40B4-BE49-F238E27FC236}">
-                <a16:creationId xmlns:a16="http://schemas.microsoft.com/office/drawing/2014/main" xmlns="" id="{EB3E033F-4449-40FA-BC85-BD2712D313DD}"/>
+                <a16:creationId xmlns:a16="http://schemas.microsoft.com/office/drawing/2014/main" id="{EB3E033F-4449-40FA-BC85-BD2712D313DD}"/>
               </a:ext>
             </a:extLst>
           </p:cNvPr>
@@ -19804,7 +19821,7 @@
           <p:cNvPr id="10" name="Freeform: Shape 9">
             <a:extLst>
               <a:ext uri="{FF2B5EF4-FFF2-40B4-BE49-F238E27FC236}">
-                <a16:creationId xmlns:a16="http://schemas.microsoft.com/office/drawing/2014/main" xmlns="" id="{63D26743-0505-444C-80B3-E88EE87DF72B}"/>
+                <a16:creationId xmlns:a16="http://schemas.microsoft.com/office/drawing/2014/main" id="{63D26743-0505-444C-80B3-E88EE87DF72B}"/>
               </a:ext>
             </a:extLst>
           </p:cNvPr>
@@ -19927,7 +19944,7 @@
           <p:cNvPr id="18" name="Freeform: Shape 17">
             <a:extLst>
               <a:ext uri="{FF2B5EF4-FFF2-40B4-BE49-F238E27FC236}">
-                <a16:creationId xmlns:a16="http://schemas.microsoft.com/office/drawing/2014/main" xmlns="" id="{E37145E9-AC61-47D5-9288-8789940F81B6}"/>
+                <a16:creationId xmlns:a16="http://schemas.microsoft.com/office/drawing/2014/main" id="{E37145E9-AC61-47D5-9288-8789940F81B6}"/>
               </a:ext>
             </a:extLst>
           </p:cNvPr>
@@ -20079,7 +20096,7 @@
           <p:cNvPr id="12" name="Freeform: Shape 11">
             <a:extLst>
               <a:ext uri="{FF2B5EF4-FFF2-40B4-BE49-F238E27FC236}">
-                <a16:creationId xmlns:a16="http://schemas.microsoft.com/office/drawing/2014/main" xmlns="" id="{A5E2B3ED-9A49-40A7-B8A3-62595FE513F9}"/>
+                <a16:creationId xmlns:a16="http://schemas.microsoft.com/office/drawing/2014/main" id="{A5E2B3ED-9A49-40A7-B8A3-62595FE513F9}"/>
               </a:ext>
             </a:extLst>
           </p:cNvPr>
@@ -20229,7 +20246,7 @@
           <p:cNvPr id="8" name="Freeform: Shape 7">
             <a:extLst>
               <a:ext uri="{FF2B5EF4-FFF2-40B4-BE49-F238E27FC236}">
-                <a16:creationId xmlns:a16="http://schemas.microsoft.com/office/drawing/2014/main" xmlns="" id="{1599AF7E-3E34-4597-AA72-9373A7FDB020}"/>
+                <a16:creationId xmlns:a16="http://schemas.microsoft.com/office/drawing/2014/main" id="{1599AF7E-3E34-4597-AA72-9373A7FDB020}"/>
               </a:ext>
             </a:extLst>
           </p:cNvPr>
@@ -20375,7 +20392,7 @@
           <p:cNvPr id="2" name="Title 1">
             <a:extLst>
               <a:ext uri="{FF2B5EF4-FFF2-40B4-BE49-F238E27FC236}">
-                <a16:creationId xmlns:a16="http://schemas.microsoft.com/office/drawing/2014/main" xmlns="" id="{4A2DF563-7FAC-46B3-B24C-7E45CD89DA2B}"/>
+                <a16:creationId xmlns:a16="http://schemas.microsoft.com/office/drawing/2014/main" id="{4A2DF563-7FAC-46B3-B24C-7E45CD89DA2B}"/>
               </a:ext>
             </a:extLst>
           </p:cNvPr>
@@ -20409,7 +20426,7 @@
           <a:p>
             <a:pPr lvl="0"/>
             <a:r>
-              <a:rPr lang="es-ES" noProof="0" smtClean="0"/>
+              <a:rPr lang="es-ES" noProof="0"/>
               <a:t>Haga clic para modificar el estilo de título del patrón</a:t>
             </a:r>
             <a:endParaRPr lang="en-US" noProof="0"/>
@@ -20421,7 +20438,7 @@
           <p:cNvPr id="4" name="Group 14">
             <a:extLst>
               <a:ext uri="{FF2B5EF4-FFF2-40B4-BE49-F238E27FC236}">
-                <a16:creationId xmlns:a16="http://schemas.microsoft.com/office/drawing/2014/main" xmlns="" id="{7732E1E7-45E3-4264-8F26-66758696DD1E}"/>
+                <a16:creationId xmlns:a16="http://schemas.microsoft.com/office/drawing/2014/main" id="{7732E1E7-45E3-4264-8F26-66758696DD1E}"/>
               </a:ext>
             </a:extLst>
           </p:cNvPr>
@@ -20441,7 +20458,7 @@
             <p:cNvPr id="16" name="Freeform: Shape 15">
               <a:extLst>
                 <a:ext uri="{FF2B5EF4-FFF2-40B4-BE49-F238E27FC236}">
-                  <a16:creationId xmlns:a16="http://schemas.microsoft.com/office/drawing/2014/main" xmlns="" id="{2E3DF883-8093-49FA-81E1-E5D77F086A25}"/>
+                  <a16:creationId xmlns:a16="http://schemas.microsoft.com/office/drawing/2014/main" id="{2E3DF883-8093-49FA-81E1-E5D77F086A25}"/>
                 </a:ext>
               </a:extLst>
             </p:cNvPr>
@@ -20531,7 +20548,7 @@
             <p:cNvPr id="17" name="Freeform: Shape 16">
               <a:extLst>
                 <a:ext uri="{FF2B5EF4-FFF2-40B4-BE49-F238E27FC236}">
-                  <a16:creationId xmlns:a16="http://schemas.microsoft.com/office/drawing/2014/main" xmlns="" id="{18944C90-37E5-4BBE-89FF-060627168050}"/>
+                  <a16:creationId xmlns:a16="http://schemas.microsoft.com/office/drawing/2014/main" id="{18944C90-37E5-4BBE-89FF-060627168050}"/>
                 </a:ext>
               </a:extLst>
             </p:cNvPr>
@@ -20630,7 +20647,7 @@
           <p:cNvPr id="6" name="Group 5">
             <a:extLst>
               <a:ext uri="{FF2B5EF4-FFF2-40B4-BE49-F238E27FC236}">
-                <a16:creationId xmlns:a16="http://schemas.microsoft.com/office/drawing/2014/main" xmlns="" id="{D9EBF8BB-A805-4DDB-B459-082F99815B95}"/>
+                <a16:creationId xmlns:a16="http://schemas.microsoft.com/office/drawing/2014/main" id="{D9EBF8BB-A805-4DDB-B459-082F99815B95}"/>
               </a:ext>
             </a:extLst>
           </p:cNvPr>
@@ -20650,7 +20667,7 @@
             <p:cNvPr id="19" name="Rectangle: Single Corner Snipped 18">
               <a:extLst>
                 <a:ext uri="{FF2B5EF4-FFF2-40B4-BE49-F238E27FC236}">
-                  <a16:creationId xmlns:a16="http://schemas.microsoft.com/office/drawing/2014/main" xmlns="" id="{5D638788-DD47-45E7-939A-FA108A818173}"/>
+                  <a16:creationId xmlns:a16="http://schemas.microsoft.com/office/drawing/2014/main" id="{5D638788-DD47-45E7-939A-FA108A818173}"/>
                 </a:ext>
               </a:extLst>
             </p:cNvPr>
@@ -20711,7 +20728,7 @@
             <p:cNvPr id="3" name="Rectangle: Single Corner Snipped 2">
               <a:extLst>
                 <a:ext uri="{FF2B5EF4-FFF2-40B4-BE49-F238E27FC236}">
-                  <a16:creationId xmlns:a16="http://schemas.microsoft.com/office/drawing/2014/main" xmlns="" id="{74BDECEF-EEFE-4332-B3B2-BDE4F82C10FC}"/>
+                  <a16:creationId xmlns:a16="http://schemas.microsoft.com/office/drawing/2014/main" id="{74BDECEF-EEFE-4332-B3B2-BDE4F82C10FC}"/>
                 </a:ext>
               </a:extLst>
             </p:cNvPr>
@@ -20768,7 +20785,7 @@
           <p:cNvPr id="35" name="Freeform: Shape 34">
             <a:extLst>
               <a:ext uri="{FF2B5EF4-FFF2-40B4-BE49-F238E27FC236}">
-                <a16:creationId xmlns:a16="http://schemas.microsoft.com/office/drawing/2014/main" xmlns="" id="{62EEBF51-DCAD-4335-85E9-52801031A1BF}"/>
+                <a16:creationId xmlns:a16="http://schemas.microsoft.com/office/drawing/2014/main" id="{62EEBF51-DCAD-4335-85E9-52801031A1BF}"/>
               </a:ext>
             </a:extLst>
           </p:cNvPr>
@@ -20863,7 +20880,7 @@
           <p:cNvPr id="5" name="Slide Number Placeholder 4">
             <a:extLst>
               <a:ext uri="{FF2B5EF4-FFF2-40B4-BE49-F238E27FC236}">
-                <a16:creationId xmlns:a16="http://schemas.microsoft.com/office/drawing/2014/main" xmlns="" id="{87B51822-97FF-47A7-8E4E-A0F79B4EB237}"/>
+                <a16:creationId xmlns:a16="http://schemas.microsoft.com/office/drawing/2014/main" id="{87B51822-97FF-47A7-8E4E-A0F79B4EB237}"/>
               </a:ext>
             </a:extLst>
           </p:cNvPr>
@@ -20907,7 +20924,7 @@
           <p:cNvPr id="20" name="Picture Placeholder 2">
             <a:extLst>
               <a:ext uri="{FF2B5EF4-FFF2-40B4-BE49-F238E27FC236}">
-                <a16:creationId xmlns:a16="http://schemas.microsoft.com/office/drawing/2014/main" xmlns="" id="{30B3A574-7940-4E35-857E-5CA35A5910E5}"/>
+                <a16:creationId xmlns:a16="http://schemas.microsoft.com/office/drawing/2014/main" id="{30B3A574-7940-4E35-857E-5CA35A5910E5}"/>
               </a:ext>
             </a:extLst>
           </p:cNvPr>
@@ -20972,7 +20989,7 @@
           </a:lstStyle>
           <a:p>
             <a:r>
-              <a:rPr lang="es-ES" noProof="0" smtClean="0"/>
+              <a:rPr lang="es-ES" noProof="0"/>
               <a:t>Haga clic en el icono para agregar una imagen</a:t>
             </a:r>
             <a:endParaRPr lang="en-US" noProof="0" dirty="0"/>
@@ -20984,7 +21001,7 @@
           <p:cNvPr id="21" name="Text Placeholder 3">
             <a:extLst>
               <a:ext uri="{FF2B5EF4-FFF2-40B4-BE49-F238E27FC236}">
-                <a16:creationId xmlns:a16="http://schemas.microsoft.com/office/drawing/2014/main" xmlns="" id="{912B51EA-3E6F-4BF6-BE48-62128AF32B85}"/>
+                <a16:creationId xmlns:a16="http://schemas.microsoft.com/office/drawing/2014/main" id="{912B51EA-3E6F-4BF6-BE48-62128AF32B85}"/>
               </a:ext>
             </a:extLst>
           </p:cNvPr>
@@ -21049,7 +21066,7 @@
           <a:p>
             <a:pPr lvl="0"/>
             <a:r>
-              <a:rPr lang="es-ES" noProof="0" smtClean="0"/>
+              <a:rPr lang="es-ES" noProof="0"/>
               <a:t>Haga clic para modificar el estilo de texto del patrón</a:t>
             </a:r>
           </a:p>
@@ -21058,7 +21075,7 @@
     </p:spTree>
     <p:extLst>
       <p:ext uri="{BB962C8B-B14F-4D97-AF65-F5344CB8AC3E}">
-        <p14:creationId xmlns:p14="http://schemas.microsoft.com/office/powerpoint/2010/main" xmlns="" val="1540650178"/>
+        <p14:creationId xmlns:p14="http://schemas.microsoft.com/office/powerpoint/2010/main" val="1540650178"/>
       </p:ext>
     </p:extLst>
   </p:cSld>
@@ -21098,7 +21115,7 @@
           <p:cNvPr id="11" name="Rectangle 10">
             <a:extLst>
               <a:ext uri="{FF2B5EF4-FFF2-40B4-BE49-F238E27FC236}">
-                <a16:creationId xmlns:a16="http://schemas.microsoft.com/office/drawing/2014/main" xmlns="" id="{EB3E033F-4449-40FA-BC85-BD2712D313DD}"/>
+                <a16:creationId xmlns:a16="http://schemas.microsoft.com/office/drawing/2014/main" id="{EB3E033F-4449-40FA-BC85-BD2712D313DD}"/>
               </a:ext>
             </a:extLst>
           </p:cNvPr>
@@ -21152,7 +21169,7 @@
           <p:cNvPr id="10" name="Freeform: Shape 9">
             <a:extLst>
               <a:ext uri="{FF2B5EF4-FFF2-40B4-BE49-F238E27FC236}">
-                <a16:creationId xmlns:a16="http://schemas.microsoft.com/office/drawing/2014/main" xmlns="" id="{63D26743-0505-444C-80B3-E88EE87DF72B}"/>
+                <a16:creationId xmlns:a16="http://schemas.microsoft.com/office/drawing/2014/main" id="{63D26743-0505-444C-80B3-E88EE87DF72B}"/>
               </a:ext>
             </a:extLst>
           </p:cNvPr>
@@ -21275,7 +21292,7 @@
           <p:cNvPr id="18" name="Freeform: Shape 17">
             <a:extLst>
               <a:ext uri="{FF2B5EF4-FFF2-40B4-BE49-F238E27FC236}">
-                <a16:creationId xmlns:a16="http://schemas.microsoft.com/office/drawing/2014/main" xmlns="" id="{E37145E9-AC61-47D5-9288-8789940F81B6}"/>
+                <a16:creationId xmlns:a16="http://schemas.microsoft.com/office/drawing/2014/main" id="{E37145E9-AC61-47D5-9288-8789940F81B6}"/>
               </a:ext>
             </a:extLst>
           </p:cNvPr>
@@ -21427,7 +21444,7 @@
           <p:cNvPr id="12" name="Freeform: Shape 11">
             <a:extLst>
               <a:ext uri="{FF2B5EF4-FFF2-40B4-BE49-F238E27FC236}">
-                <a16:creationId xmlns:a16="http://schemas.microsoft.com/office/drawing/2014/main" xmlns="" id="{A5E2B3ED-9A49-40A7-B8A3-62595FE513F9}"/>
+                <a16:creationId xmlns:a16="http://schemas.microsoft.com/office/drawing/2014/main" id="{A5E2B3ED-9A49-40A7-B8A3-62595FE513F9}"/>
               </a:ext>
             </a:extLst>
           </p:cNvPr>
@@ -21577,7 +21594,7 @@
           <p:cNvPr id="8" name="Freeform: Shape 7">
             <a:extLst>
               <a:ext uri="{FF2B5EF4-FFF2-40B4-BE49-F238E27FC236}">
-                <a16:creationId xmlns:a16="http://schemas.microsoft.com/office/drawing/2014/main" xmlns="" id="{1599AF7E-3E34-4597-AA72-9373A7FDB020}"/>
+                <a16:creationId xmlns:a16="http://schemas.microsoft.com/office/drawing/2014/main" id="{1599AF7E-3E34-4597-AA72-9373A7FDB020}"/>
               </a:ext>
             </a:extLst>
           </p:cNvPr>
@@ -21723,7 +21740,7 @@
           <p:cNvPr id="2" name="Title 1">
             <a:extLst>
               <a:ext uri="{FF2B5EF4-FFF2-40B4-BE49-F238E27FC236}">
-                <a16:creationId xmlns:a16="http://schemas.microsoft.com/office/drawing/2014/main" xmlns="" id="{4A2DF563-7FAC-46B3-B24C-7E45CD89DA2B}"/>
+                <a16:creationId xmlns:a16="http://schemas.microsoft.com/office/drawing/2014/main" id="{4A2DF563-7FAC-46B3-B24C-7E45CD89DA2B}"/>
               </a:ext>
             </a:extLst>
           </p:cNvPr>
@@ -21757,7 +21774,7 @@
           <a:p>
             <a:pPr lvl="0"/>
             <a:r>
-              <a:rPr lang="es-ES" noProof="0" smtClean="0"/>
+              <a:rPr lang="es-ES" noProof="0"/>
               <a:t>Haga clic para modificar el estilo de título del patrón</a:t>
             </a:r>
             <a:endParaRPr lang="en-US" noProof="0"/>
@@ -21769,7 +21786,7 @@
           <p:cNvPr id="4" name="Group 14">
             <a:extLst>
               <a:ext uri="{FF2B5EF4-FFF2-40B4-BE49-F238E27FC236}">
-                <a16:creationId xmlns:a16="http://schemas.microsoft.com/office/drawing/2014/main" xmlns="" id="{7732E1E7-45E3-4264-8F26-66758696DD1E}"/>
+                <a16:creationId xmlns:a16="http://schemas.microsoft.com/office/drawing/2014/main" id="{7732E1E7-45E3-4264-8F26-66758696DD1E}"/>
               </a:ext>
             </a:extLst>
           </p:cNvPr>
@@ -21789,7 +21806,7 @@
             <p:cNvPr id="16" name="Freeform: Shape 15">
               <a:extLst>
                 <a:ext uri="{FF2B5EF4-FFF2-40B4-BE49-F238E27FC236}">
-                  <a16:creationId xmlns:a16="http://schemas.microsoft.com/office/drawing/2014/main" xmlns="" id="{2E3DF883-8093-49FA-81E1-E5D77F086A25}"/>
+                  <a16:creationId xmlns:a16="http://schemas.microsoft.com/office/drawing/2014/main" id="{2E3DF883-8093-49FA-81E1-E5D77F086A25}"/>
                 </a:ext>
               </a:extLst>
             </p:cNvPr>
@@ -21879,7 +21896,7 @@
             <p:cNvPr id="17" name="Freeform: Shape 16">
               <a:extLst>
                 <a:ext uri="{FF2B5EF4-FFF2-40B4-BE49-F238E27FC236}">
-                  <a16:creationId xmlns:a16="http://schemas.microsoft.com/office/drawing/2014/main" xmlns="" id="{18944C90-37E5-4BBE-89FF-060627168050}"/>
+                  <a16:creationId xmlns:a16="http://schemas.microsoft.com/office/drawing/2014/main" id="{18944C90-37E5-4BBE-89FF-060627168050}"/>
                 </a:ext>
               </a:extLst>
             </p:cNvPr>
@@ -21978,7 +21995,7 @@
           <p:cNvPr id="6" name="Group 5">
             <a:extLst>
               <a:ext uri="{FF2B5EF4-FFF2-40B4-BE49-F238E27FC236}">
-                <a16:creationId xmlns:a16="http://schemas.microsoft.com/office/drawing/2014/main" xmlns="" id="{D9EBF8BB-A805-4DDB-B459-082F99815B95}"/>
+                <a16:creationId xmlns:a16="http://schemas.microsoft.com/office/drawing/2014/main" id="{D9EBF8BB-A805-4DDB-B459-082F99815B95}"/>
               </a:ext>
             </a:extLst>
           </p:cNvPr>
@@ -21998,7 +22015,7 @@
             <p:cNvPr id="19" name="Rectangle: Single Corner Snipped 18">
               <a:extLst>
                 <a:ext uri="{FF2B5EF4-FFF2-40B4-BE49-F238E27FC236}">
-                  <a16:creationId xmlns:a16="http://schemas.microsoft.com/office/drawing/2014/main" xmlns="" id="{5D638788-DD47-45E7-939A-FA108A818173}"/>
+                  <a16:creationId xmlns:a16="http://schemas.microsoft.com/office/drawing/2014/main" id="{5D638788-DD47-45E7-939A-FA108A818173}"/>
                 </a:ext>
               </a:extLst>
             </p:cNvPr>
@@ -22059,7 +22076,7 @@
             <p:cNvPr id="3" name="Rectangle: Single Corner Snipped 2">
               <a:extLst>
                 <a:ext uri="{FF2B5EF4-FFF2-40B4-BE49-F238E27FC236}">
-                  <a16:creationId xmlns:a16="http://schemas.microsoft.com/office/drawing/2014/main" xmlns="" id="{74BDECEF-EEFE-4332-B3B2-BDE4F82C10FC}"/>
+                  <a16:creationId xmlns:a16="http://schemas.microsoft.com/office/drawing/2014/main" id="{74BDECEF-EEFE-4332-B3B2-BDE4F82C10FC}"/>
                 </a:ext>
               </a:extLst>
             </p:cNvPr>
@@ -22116,7 +22133,7 @@
           <p:cNvPr id="35" name="Freeform: Shape 34">
             <a:extLst>
               <a:ext uri="{FF2B5EF4-FFF2-40B4-BE49-F238E27FC236}">
-                <a16:creationId xmlns:a16="http://schemas.microsoft.com/office/drawing/2014/main" xmlns="" id="{62EEBF51-DCAD-4335-85E9-52801031A1BF}"/>
+                <a16:creationId xmlns:a16="http://schemas.microsoft.com/office/drawing/2014/main" id="{62EEBF51-DCAD-4335-85E9-52801031A1BF}"/>
               </a:ext>
             </a:extLst>
           </p:cNvPr>
@@ -22211,7 +22228,7 @@
           <p:cNvPr id="5" name="Slide Number Placeholder 4">
             <a:extLst>
               <a:ext uri="{FF2B5EF4-FFF2-40B4-BE49-F238E27FC236}">
-                <a16:creationId xmlns:a16="http://schemas.microsoft.com/office/drawing/2014/main" xmlns="" id="{87B51822-97FF-47A7-8E4E-A0F79B4EB237}"/>
+                <a16:creationId xmlns:a16="http://schemas.microsoft.com/office/drawing/2014/main" id="{87B51822-97FF-47A7-8E4E-A0F79B4EB237}"/>
               </a:ext>
             </a:extLst>
           </p:cNvPr>
@@ -22255,7 +22272,7 @@
           <p:cNvPr id="21" name="Text Placeholder 3">
             <a:extLst>
               <a:ext uri="{FF2B5EF4-FFF2-40B4-BE49-F238E27FC236}">
-                <a16:creationId xmlns:a16="http://schemas.microsoft.com/office/drawing/2014/main" xmlns="" id="{912B51EA-3E6F-4BF6-BE48-62128AF32B85}"/>
+                <a16:creationId xmlns:a16="http://schemas.microsoft.com/office/drawing/2014/main" id="{912B51EA-3E6F-4BF6-BE48-62128AF32B85}"/>
               </a:ext>
             </a:extLst>
           </p:cNvPr>
@@ -22320,7 +22337,7 @@
           <a:p>
             <a:pPr lvl="0"/>
             <a:r>
-              <a:rPr lang="es-ES" noProof="0" smtClean="0"/>
+              <a:rPr lang="es-ES" noProof="0"/>
               <a:t>Haga clic para modificar el estilo de texto del patrón</a:t>
             </a:r>
           </a:p>
@@ -22331,7 +22348,7 @@
           <p:cNvPr id="22" name="Content Placeholder 2">
             <a:extLst>
               <a:ext uri="{FF2B5EF4-FFF2-40B4-BE49-F238E27FC236}">
-                <a16:creationId xmlns:a16="http://schemas.microsoft.com/office/drawing/2014/main" xmlns="" id="{A015C605-1D30-48BC-A0D6-3B11AF56CC53}"/>
+                <a16:creationId xmlns:a16="http://schemas.microsoft.com/office/drawing/2014/main" id="{A015C605-1D30-48BC-A0D6-3B11AF56CC53}"/>
               </a:ext>
             </a:extLst>
           </p:cNvPr>
@@ -22404,35 +22421,35 @@
           <a:p>
             <a:pPr lvl="0"/>
             <a:r>
-              <a:rPr lang="es-ES" noProof="0" smtClean="0"/>
+              <a:rPr lang="es-ES" noProof="0"/>
               <a:t>Haga clic para modificar el estilo de texto del patrón</a:t>
             </a:r>
           </a:p>
           <a:p>
             <a:pPr lvl="1"/>
             <a:r>
-              <a:rPr lang="es-ES" noProof="0" smtClean="0"/>
+              <a:rPr lang="es-ES" noProof="0"/>
               <a:t>Segundo nivel</a:t>
             </a:r>
           </a:p>
           <a:p>
             <a:pPr lvl="2"/>
             <a:r>
-              <a:rPr lang="es-ES" noProof="0" smtClean="0"/>
+              <a:rPr lang="es-ES" noProof="0"/>
               <a:t>Tercer nivel</a:t>
             </a:r>
           </a:p>
           <a:p>
             <a:pPr lvl="3"/>
             <a:r>
-              <a:rPr lang="es-ES" noProof="0" smtClean="0"/>
+              <a:rPr lang="es-ES" noProof="0"/>
               <a:t>Cuarto nivel</a:t>
             </a:r>
           </a:p>
           <a:p>
             <a:pPr lvl="4"/>
             <a:r>
-              <a:rPr lang="es-ES" noProof="0" smtClean="0"/>
+              <a:rPr lang="es-ES" noProof="0"/>
               <a:t>Quinto nivel</a:t>
             </a:r>
             <a:endParaRPr lang="en-US" noProof="0"/>
@@ -22442,7 +22459,7 @@
     </p:spTree>
     <p:extLst>
       <p:ext uri="{BB962C8B-B14F-4D97-AF65-F5344CB8AC3E}">
-        <p14:creationId xmlns:p14="http://schemas.microsoft.com/office/powerpoint/2010/main" xmlns="" val="1212989540"/>
+        <p14:creationId xmlns:p14="http://schemas.microsoft.com/office/powerpoint/2010/main" val="1212989540"/>
       </p:ext>
     </p:extLst>
   </p:cSld>
@@ -22474,7 +22491,7 @@
           <p:cNvPr id="18" name="Rectangle 17">
             <a:extLst>
               <a:ext uri="{FF2B5EF4-FFF2-40B4-BE49-F238E27FC236}">
-                <a16:creationId xmlns:a16="http://schemas.microsoft.com/office/drawing/2014/main" xmlns="" id="{D4494CD2-CCDD-0248-96F8-741002C44255}"/>
+                <a16:creationId xmlns:a16="http://schemas.microsoft.com/office/drawing/2014/main" id="{D4494CD2-CCDD-0248-96F8-741002C44255}"/>
               </a:ext>
             </a:extLst>
           </p:cNvPr>
@@ -22528,7 +22545,7 @@
           <p:cNvPr id="19" name="Freeform: Shape 9">
             <a:extLst>
               <a:ext uri="{FF2B5EF4-FFF2-40B4-BE49-F238E27FC236}">
-                <a16:creationId xmlns:a16="http://schemas.microsoft.com/office/drawing/2014/main" xmlns="" id="{07077B00-C1EE-7241-B441-7814F92A7EDF}"/>
+                <a16:creationId xmlns:a16="http://schemas.microsoft.com/office/drawing/2014/main" id="{07077B00-C1EE-7241-B441-7814F92A7EDF}"/>
               </a:ext>
             </a:extLst>
           </p:cNvPr>
@@ -22651,7 +22668,7 @@
           <p:cNvPr id="20" name="Freeform: Shape 17">
             <a:extLst>
               <a:ext uri="{FF2B5EF4-FFF2-40B4-BE49-F238E27FC236}">
-                <a16:creationId xmlns:a16="http://schemas.microsoft.com/office/drawing/2014/main" xmlns="" id="{3A1AEBC4-637E-F64C-9192-69AC4BB26D0C}"/>
+                <a16:creationId xmlns:a16="http://schemas.microsoft.com/office/drawing/2014/main" id="{3A1AEBC4-637E-F64C-9192-69AC4BB26D0C}"/>
               </a:ext>
             </a:extLst>
           </p:cNvPr>
@@ -22803,7 +22820,7 @@
           <p:cNvPr id="21" name="Freeform: Shape 11">
             <a:extLst>
               <a:ext uri="{FF2B5EF4-FFF2-40B4-BE49-F238E27FC236}">
-                <a16:creationId xmlns:a16="http://schemas.microsoft.com/office/drawing/2014/main" xmlns="" id="{669A7039-C54C-8E46-9A8B-DDB2547D989C}"/>
+                <a16:creationId xmlns:a16="http://schemas.microsoft.com/office/drawing/2014/main" id="{669A7039-C54C-8E46-9A8B-DDB2547D989C}"/>
               </a:ext>
             </a:extLst>
           </p:cNvPr>
@@ -22953,7 +22970,7 @@
           <p:cNvPr id="22" name="Freeform: Shape 7">
             <a:extLst>
               <a:ext uri="{FF2B5EF4-FFF2-40B4-BE49-F238E27FC236}">
-                <a16:creationId xmlns:a16="http://schemas.microsoft.com/office/drawing/2014/main" xmlns="" id="{4F173B32-87BB-9A40-8C91-4C1EED2B7ABF}"/>
+                <a16:creationId xmlns:a16="http://schemas.microsoft.com/office/drawing/2014/main" id="{4F173B32-87BB-9A40-8C91-4C1EED2B7ABF}"/>
               </a:ext>
             </a:extLst>
           </p:cNvPr>
@@ -23099,7 +23116,7 @@
           <p:cNvPr id="2" name="Group 23">
             <a:extLst>
               <a:ext uri="{FF2B5EF4-FFF2-40B4-BE49-F238E27FC236}">
-                <a16:creationId xmlns:a16="http://schemas.microsoft.com/office/drawing/2014/main" xmlns="" id="{4AC87F4E-12B5-1B42-AFD2-4DB39B7645C9}"/>
+                <a16:creationId xmlns:a16="http://schemas.microsoft.com/office/drawing/2014/main" id="{4AC87F4E-12B5-1B42-AFD2-4DB39B7645C9}"/>
               </a:ext>
             </a:extLst>
           </p:cNvPr>
@@ -23119,7 +23136,7 @@
             <p:cNvPr id="25" name="Freeform: Shape 15">
               <a:extLst>
                 <a:ext uri="{FF2B5EF4-FFF2-40B4-BE49-F238E27FC236}">
-                  <a16:creationId xmlns:a16="http://schemas.microsoft.com/office/drawing/2014/main" xmlns="" id="{03DD8765-59DF-A045-ADB5-E39FAEE153A0}"/>
+                  <a16:creationId xmlns:a16="http://schemas.microsoft.com/office/drawing/2014/main" id="{03DD8765-59DF-A045-ADB5-E39FAEE153A0}"/>
                 </a:ext>
               </a:extLst>
             </p:cNvPr>
@@ -23209,7 +23226,7 @@
             <p:cNvPr id="26" name="Freeform: Shape 16">
               <a:extLst>
                 <a:ext uri="{FF2B5EF4-FFF2-40B4-BE49-F238E27FC236}">
-                  <a16:creationId xmlns:a16="http://schemas.microsoft.com/office/drawing/2014/main" xmlns="" id="{B34B796C-A407-7B4D-B4F0-E58A44FE8DB4}"/>
+                  <a16:creationId xmlns:a16="http://schemas.microsoft.com/office/drawing/2014/main" id="{B34B796C-A407-7B4D-B4F0-E58A44FE8DB4}"/>
                 </a:ext>
               </a:extLst>
             </p:cNvPr>
@@ -23308,7 +23325,7 @@
           <p:cNvPr id="30" name="Freeform: Shape 23">
             <a:extLst>
               <a:ext uri="{FF2B5EF4-FFF2-40B4-BE49-F238E27FC236}">
-                <a16:creationId xmlns:a16="http://schemas.microsoft.com/office/drawing/2014/main" xmlns="" id="{CBE3FDC9-67CB-FA42-B127-A36BFF4678BB}"/>
+                <a16:creationId xmlns:a16="http://schemas.microsoft.com/office/drawing/2014/main" id="{CBE3FDC9-67CB-FA42-B127-A36BFF4678BB}"/>
               </a:ext>
             </a:extLst>
           </p:cNvPr>
@@ -23403,7 +23420,7 @@
           <p:cNvPr id="31" name="Slide Number Placeholder 4">
             <a:extLst>
               <a:ext uri="{FF2B5EF4-FFF2-40B4-BE49-F238E27FC236}">
-                <a16:creationId xmlns:a16="http://schemas.microsoft.com/office/drawing/2014/main" xmlns="" id="{1E902BFF-CA8F-D745-A819-A7BB38B30ED9}"/>
+                <a16:creationId xmlns:a16="http://schemas.microsoft.com/office/drawing/2014/main" id="{1E902BFF-CA8F-D745-A819-A7BB38B30ED9}"/>
               </a:ext>
             </a:extLst>
           </p:cNvPr>
@@ -23445,7 +23462,7 @@
     </p:spTree>
     <p:extLst>
       <p:ext uri="{BB962C8B-B14F-4D97-AF65-F5344CB8AC3E}">
-        <p14:creationId xmlns:p14="http://schemas.microsoft.com/office/powerpoint/2010/main" xmlns="" val="2672304746"/>
+        <p14:creationId xmlns:p14="http://schemas.microsoft.com/office/powerpoint/2010/main" val="2672304746"/>
       </p:ext>
     </p:extLst>
   </p:cSld>
@@ -23487,7 +23504,7 @@
           <p:cNvPr id="2" name="Title 1">
             <a:extLst>
               <a:ext uri="{FF2B5EF4-FFF2-40B4-BE49-F238E27FC236}">
-                <a16:creationId xmlns:a16="http://schemas.microsoft.com/office/drawing/2014/main" xmlns="" id="{43379CA9-81D6-424A-8046-4B56E1D25059}"/>
+                <a16:creationId xmlns:a16="http://schemas.microsoft.com/office/drawing/2014/main" id="{43379CA9-81D6-424A-8046-4B56E1D25059}"/>
               </a:ext>
             </a:extLst>
           </p:cNvPr>
@@ -23529,7 +23546,7 @@
           <p:cNvPr id="9" name="Picture Placeholder 8">
             <a:extLst>
               <a:ext uri="{FF2B5EF4-FFF2-40B4-BE49-F238E27FC236}">
-                <a16:creationId xmlns:a16="http://schemas.microsoft.com/office/drawing/2014/main" xmlns="" id="{B2F51F73-5064-47F8-83FD-440E0ED1950B}"/>
+                <a16:creationId xmlns:a16="http://schemas.microsoft.com/office/drawing/2014/main" id="{B2F51F73-5064-47F8-83FD-440E0ED1950B}"/>
               </a:ext>
             </a:extLst>
           </p:cNvPr>
@@ -23558,7 +23575,7 @@
           </a:lstStyle>
           <a:p>
             <a:r>
-              <a:rPr lang="es-ES" smtClean="0"/>
+              <a:rPr lang="es-ES"/>
               <a:t>Haga clic en el icono para agregar una imagen</a:t>
             </a:r>
             <a:endParaRPr lang="en-US" dirty="0"/>
@@ -23570,7 +23587,7 @@
           <p:cNvPr id="18" name="Picture Placeholder 8">
             <a:extLst>
               <a:ext uri="{FF2B5EF4-FFF2-40B4-BE49-F238E27FC236}">
-                <a16:creationId xmlns:a16="http://schemas.microsoft.com/office/drawing/2014/main" xmlns="" id="{06FF689A-8221-42E8-96D4-ED4D3AD501F8}"/>
+                <a16:creationId xmlns:a16="http://schemas.microsoft.com/office/drawing/2014/main" id="{06FF689A-8221-42E8-96D4-ED4D3AD501F8}"/>
               </a:ext>
             </a:extLst>
           </p:cNvPr>
@@ -23599,7 +23616,7 @@
           </a:lstStyle>
           <a:p>
             <a:r>
-              <a:rPr lang="es-ES" smtClean="0"/>
+              <a:rPr lang="es-ES"/>
               <a:t>Haga clic en el icono para agregar una imagen</a:t>
             </a:r>
             <a:endParaRPr lang="en-US" dirty="0"/>
@@ -23611,7 +23628,7 @@
           <p:cNvPr id="19" name="Picture Placeholder 8">
             <a:extLst>
               <a:ext uri="{FF2B5EF4-FFF2-40B4-BE49-F238E27FC236}">
-                <a16:creationId xmlns:a16="http://schemas.microsoft.com/office/drawing/2014/main" xmlns="" id="{96424DB2-4D46-493F-A5B8-8901EDA394F2}"/>
+                <a16:creationId xmlns:a16="http://schemas.microsoft.com/office/drawing/2014/main" id="{96424DB2-4D46-493F-A5B8-8901EDA394F2}"/>
               </a:ext>
             </a:extLst>
           </p:cNvPr>
@@ -23640,7 +23657,7 @@
           </a:lstStyle>
           <a:p>
             <a:r>
-              <a:rPr lang="es-ES" smtClean="0"/>
+              <a:rPr lang="es-ES"/>
               <a:t>Haga clic en el icono para agregar una imagen</a:t>
             </a:r>
             <a:endParaRPr lang="en-US" dirty="0"/>
@@ -23652,7 +23669,7 @@
           <p:cNvPr id="20" name="Picture Placeholder 8">
             <a:extLst>
               <a:ext uri="{FF2B5EF4-FFF2-40B4-BE49-F238E27FC236}">
-                <a16:creationId xmlns:a16="http://schemas.microsoft.com/office/drawing/2014/main" xmlns="" id="{0AF2B6E1-5738-41B1-8C15-EA6715490140}"/>
+                <a16:creationId xmlns:a16="http://schemas.microsoft.com/office/drawing/2014/main" id="{0AF2B6E1-5738-41B1-8C15-EA6715490140}"/>
               </a:ext>
             </a:extLst>
           </p:cNvPr>
@@ -23681,7 +23698,7 @@
           </a:lstStyle>
           <a:p>
             <a:r>
-              <a:rPr lang="es-ES" smtClean="0"/>
+              <a:rPr lang="es-ES"/>
               <a:t>Haga clic en el icono para agregar una imagen</a:t>
             </a:r>
             <a:endParaRPr lang="en-US" dirty="0"/>
@@ -23693,7 +23710,7 @@
           <p:cNvPr id="21" name="Picture Placeholder 8">
             <a:extLst>
               <a:ext uri="{FF2B5EF4-FFF2-40B4-BE49-F238E27FC236}">
-                <a16:creationId xmlns:a16="http://schemas.microsoft.com/office/drawing/2014/main" xmlns="" id="{6C8D73EB-347C-4E13-94C8-FA8FADE46559}"/>
+                <a16:creationId xmlns:a16="http://schemas.microsoft.com/office/drawing/2014/main" id="{6C8D73EB-347C-4E13-94C8-FA8FADE46559}"/>
               </a:ext>
             </a:extLst>
           </p:cNvPr>
@@ -23722,7 +23739,7 @@
           </a:lstStyle>
           <a:p>
             <a:r>
-              <a:rPr lang="es-ES" smtClean="0"/>
+              <a:rPr lang="es-ES"/>
               <a:t>Haga clic en el icono para agregar una imagen</a:t>
             </a:r>
             <a:endParaRPr lang="en-US" dirty="0"/>
@@ -23734,7 +23751,7 @@
           <p:cNvPr id="22" name="Picture Placeholder 8">
             <a:extLst>
               <a:ext uri="{FF2B5EF4-FFF2-40B4-BE49-F238E27FC236}">
-                <a16:creationId xmlns:a16="http://schemas.microsoft.com/office/drawing/2014/main" xmlns="" id="{9DFA5C56-9B47-4F87-8E12-30A936274F1B}"/>
+                <a16:creationId xmlns:a16="http://schemas.microsoft.com/office/drawing/2014/main" id="{9DFA5C56-9B47-4F87-8E12-30A936274F1B}"/>
               </a:ext>
             </a:extLst>
           </p:cNvPr>
@@ -23763,7 +23780,7 @@
           </a:lstStyle>
           <a:p>
             <a:r>
-              <a:rPr lang="es-ES" smtClean="0"/>
+              <a:rPr lang="es-ES"/>
               <a:t>Haga clic en el icono para agregar una imagen</a:t>
             </a:r>
             <a:endParaRPr lang="en-US" dirty="0"/>
@@ -23775,7 +23792,7 @@
           <p:cNvPr id="23" name="Picture Placeholder 8">
             <a:extLst>
               <a:ext uri="{FF2B5EF4-FFF2-40B4-BE49-F238E27FC236}">
-                <a16:creationId xmlns:a16="http://schemas.microsoft.com/office/drawing/2014/main" xmlns="" id="{1E3B5888-98ED-48E4-8AA8-5BAB43F8516C}"/>
+                <a16:creationId xmlns:a16="http://schemas.microsoft.com/office/drawing/2014/main" id="{1E3B5888-98ED-48E4-8AA8-5BAB43F8516C}"/>
               </a:ext>
             </a:extLst>
           </p:cNvPr>
@@ -23804,7 +23821,7 @@
           </a:lstStyle>
           <a:p>
             <a:r>
-              <a:rPr lang="es-ES" smtClean="0"/>
+              <a:rPr lang="es-ES"/>
               <a:t>Haga clic en el icono para agregar una imagen</a:t>
             </a:r>
             <a:endParaRPr lang="en-US" dirty="0"/>
@@ -23816,7 +23833,7 @@
           <p:cNvPr id="24" name="Picture Placeholder 8">
             <a:extLst>
               <a:ext uri="{FF2B5EF4-FFF2-40B4-BE49-F238E27FC236}">
-                <a16:creationId xmlns:a16="http://schemas.microsoft.com/office/drawing/2014/main" xmlns="" id="{569C9EE3-34D1-4DE0-B06C-2F6212F7C329}"/>
+                <a16:creationId xmlns:a16="http://schemas.microsoft.com/office/drawing/2014/main" id="{569C9EE3-34D1-4DE0-B06C-2F6212F7C329}"/>
               </a:ext>
             </a:extLst>
           </p:cNvPr>
@@ -23845,7 +23862,7 @@
           </a:lstStyle>
           <a:p>
             <a:r>
-              <a:rPr lang="es-ES" smtClean="0"/>
+              <a:rPr lang="es-ES"/>
               <a:t>Haga clic en el icono para agregar una imagen</a:t>
             </a:r>
             <a:endParaRPr lang="en-US" dirty="0"/>
@@ -23855,7 +23872,7 @@
     </p:spTree>
     <p:extLst>
       <p:ext uri="{BB962C8B-B14F-4D97-AF65-F5344CB8AC3E}">
-        <p14:creationId xmlns:p14="http://schemas.microsoft.com/office/powerpoint/2010/main" xmlns="" val="2901903254"/>
+        <p14:creationId xmlns:p14="http://schemas.microsoft.com/office/powerpoint/2010/main" val="2901903254"/>
       </p:ext>
     </p:extLst>
   </p:cSld>
@@ -23887,7 +23904,7 @@
           <p:cNvPr id="21" name="Rectangle 20">
             <a:extLst>
               <a:ext uri="{FF2B5EF4-FFF2-40B4-BE49-F238E27FC236}">
-                <a16:creationId xmlns:a16="http://schemas.microsoft.com/office/drawing/2014/main" xmlns="" id="{6E739168-A5E8-443A-B392-7AD4CF8977AD}"/>
+                <a16:creationId xmlns:a16="http://schemas.microsoft.com/office/drawing/2014/main" id="{6E739168-A5E8-443A-B392-7AD4CF8977AD}"/>
               </a:ext>
             </a:extLst>
           </p:cNvPr>
@@ -23939,7 +23956,7 @@
           <p:cNvPr id="15" name="Freeform: Shape 14">
             <a:extLst>
               <a:ext uri="{FF2B5EF4-FFF2-40B4-BE49-F238E27FC236}">
-                <a16:creationId xmlns:a16="http://schemas.microsoft.com/office/drawing/2014/main" xmlns="" id="{41E10E1E-5268-4F03-BA64-07E19DE26739}"/>
+                <a16:creationId xmlns:a16="http://schemas.microsoft.com/office/drawing/2014/main" id="{41E10E1E-5268-4F03-BA64-07E19DE26739}"/>
               </a:ext>
             </a:extLst>
           </p:cNvPr>
@@ -24076,7 +24093,7 @@
           <p:cNvPr id="16" name="Freeform: Shape 15">
             <a:extLst>
               <a:ext uri="{FF2B5EF4-FFF2-40B4-BE49-F238E27FC236}">
-                <a16:creationId xmlns:a16="http://schemas.microsoft.com/office/drawing/2014/main" xmlns="" id="{B989C45D-BDFF-418F-BE79-03FF70015770}"/>
+                <a16:creationId xmlns:a16="http://schemas.microsoft.com/office/drawing/2014/main" id="{B989C45D-BDFF-418F-BE79-03FF70015770}"/>
               </a:ext>
             </a:extLst>
           </p:cNvPr>
@@ -24240,7 +24257,7 @@
           <p:cNvPr id="20" name="Freeform: Shape 19">
             <a:extLst>
               <a:ext uri="{FF2B5EF4-FFF2-40B4-BE49-F238E27FC236}">
-                <a16:creationId xmlns:a16="http://schemas.microsoft.com/office/drawing/2014/main" xmlns="" id="{0027A677-9ACB-4264-B148-4806678FB83F}"/>
+                <a16:creationId xmlns:a16="http://schemas.microsoft.com/office/drawing/2014/main" id="{0027A677-9ACB-4264-B148-4806678FB83F}"/>
               </a:ext>
             </a:extLst>
           </p:cNvPr>
@@ -24402,7 +24419,7 @@
           <p:cNvPr id="3" name="Group 5">
             <a:extLst>
               <a:ext uri="{FF2B5EF4-FFF2-40B4-BE49-F238E27FC236}">
-                <a16:creationId xmlns:a16="http://schemas.microsoft.com/office/drawing/2014/main" xmlns="" id="{EA7FF9D7-8545-4547-AC77-A0421EEB9B99}"/>
+                <a16:creationId xmlns:a16="http://schemas.microsoft.com/office/drawing/2014/main" id="{EA7FF9D7-8545-4547-AC77-A0421EEB9B99}"/>
               </a:ext>
             </a:extLst>
           </p:cNvPr>
@@ -24422,7 +24439,7 @@
             <p:cNvPr id="17" name="Right Triangle 16">
               <a:extLst>
                 <a:ext uri="{FF2B5EF4-FFF2-40B4-BE49-F238E27FC236}">
-                  <a16:creationId xmlns:a16="http://schemas.microsoft.com/office/drawing/2014/main" xmlns="" id="{8DCD5806-2A2F-4ABF-8057-245681C498E6}"/>
+                  <a16:creationId xmlns:a16="http://schemas.microsoft.com/office/drawing/2014/main" id="{8DCD5806-2A2F-4ABF-8057-245681C498E6}"/>
                 </a:ext>
               </a:extLst>
             </p:cNvPr>
@@ -24476,7 +24493,7 @@
             <p:cNvPr id="18" name="Right Triangle 17">
               <a:extLst>
                 <a:ext uri="{FF2B5EF4-FFF2-40B4-BE49-F238E27FC236}">
-                  <a16:creationId xmlns:a16="http://schemas.microsoft.com/office/drawing/2014/main" xmlns="" id="{3A93038F-E9E4-4FFD-B3DF-28DB7C2C1490}"/>
+                  <a16:creationId xmlns:a16="http://schemas.microsoft.com/office/drawing/2014/main" id="{3A93038F-E9E4-4FFD-B3DF-28DB7C2C1490}"/>
                 </a:ext>
               </a:extLst>
             </p:cNvPr>
@@ -24533,7 +24550,7 @@
             <p:cNvPr id="19" name="Right Triangle 18">
               <a:extLst>
                 <a:ext uri="{FF2B5EF4-FFF2-40B4-BE49-F238E27FC236}">
-                  <a16:creationId xmlns:a16="http://schemas.microsoft.com/office/drawing/2014/main" xmlns="" id="{5DEA1E02-BBD0-4AE3-AF22-433B90272178}"/>
+                  <a16:creationId xmlns:a16="http://schemas.microsoft.com/office/drawing/2014/main" id="{5DEA1E02-BBD0-4AE3-AF22-433B90272178}"/>
                 </a:ext>
               </a:extLst>
             </p:cNvPr>
@@ -24588,7 +24605,7 @@
           <p:cNvPr id="2" name="Title 1">
             <a:extLst>
               <a:ext uri="{FF2B5EF4-FFF2-40B4-BE49-F238E27FC236}">
-                <a16:creationId xmlns:a16="http://schemas.microsoft.com/office/drawing/2014/main" xmlns="" id="{9E597736-C478-4C26-9BAF-205FE31E977C}"/>
+                <a16:creationId xmlns:a16="http://schemas.microsoft.com/office/drawing/2014/main" id="{9E597736-C478-4C26-9BAF-205FE31E977C}"/>
               </a:ext>
             </a:extLst>
           </p:cNvPr>
@@ -24633,7 +24650,7 @@
     </p:spTree>
     <p:extLst>
       <p:ext uri="{BB962C8B-B14F-4D97-AF65-F5344CB8AC3E}">
-        <p14:creationId xmlns:p14="http://schemas.microsoft.com/office/powerpoint/2010/main" xmlns="" val="2236386145"/>
+        <p14:creationId xmlns:p14="http://schemas.microsoft.com/office/powerpoint/2010/main" val="2236386145"/>
       </p:ext>
     </p:extLst>
   </p:cSld>
@@ -24665,7 +24682,7 @@
           <p:cNvPr id="21" name="Rectangle 20">
             <a:extLst>
               <a:ext uri="{FF2B5EF4-FFF2-40B4-BE49-F238E27FC236}">
-                <a16:creationId xmlns:a16="http://schemas.microsoft.com/office/drawing/2014/main" xmlns="" id="{6E739168-A5E8-443A-B392-7AD4CF8977AD}"/>
+                <a16:creationId xmlns:a16="http://schemas.microsoft.com/office/drawing/2014/main" id="{6E739168-A5E8-443A-B392-7AD4CF8977AD}"/>
               </a:ext>
             </a:extLst>
           </p:cNvPr>
@@ -24717,7 +24734,7 @@
           <p:cNvPr id="15" name="Freeform: Shape 14">
             <a:extLst>
               <a:ext uri="{FF2B5EF4-FFF2-40B4-BE49-F238E27FC236}">
-                <a16:creationId xmlns:a16="http://schemas.microsoft.com/office/drawing/2014/main" xmlns="" id="{41E10E1E-5268-4F03-BA64-07E19DE26739}"/>
+                <a16:creationId xmlns:a16="http://schemas.microsoft.com/office/drawing/2014/main" id="{41E10E1E-5268-4F03-BA64-07E19DE26739}"/>
               </a:ext>
             </a:extLst>
           </p:cNvPr>
@@ -24854,7 +24871,7 @@
           <p:cNvPr id="16" name="Freeform: Shape 15">
             <a:extLst>
               <a:ext uri="{FF2B5EF4-FFF2-40B4-BE49-F238E27FC236}">
-                <a16:creationId xmlns:a16="http://schemas.microsoft.com/office/drawing/2014/main" xmlns="" id="{B989C45D-BDFF-418F-BE79-03FF70015770}"/>
+                <a16:creationId xmlns:a16="http://schemas.microsoft.com/office/drawing/2014/main" id="{B989C45D-BDFF-418F-BE79-03FF70015770}"/>
               </a:ext>
             </a:extLst>
           </p:cNvPr>
@@ -25018,7 +25035,7 @@
           <p:cNvPr id="20" name="Freeform: Shape 19">
             <a:extLst>
               <a:ext uri="{FF2B5EF4-FFF2-40B4-BE49-F238E27FC236}">
-                <a16:creationId xmlns:a16="http://schemas.microsoft.com/office/drawing/2014/main" xmlns="" id="{0027A677-9ACB-4264-B148-4806678FB83F}"/>
+                <a16:creationId xmlns:a16="http://schemas.microsoft.com/office/drawing/2014/main" id="{0027A677-9ACB-4264-B148-4806678FB83F}"/>
               </a:ext>
             </a:extLst>
           </p:cNvPr>
@@ -25180,7 +25197,7 @@
           <p:cNvPr id="2" name="Title 1">
             <a:extLst>
               <a:ext uri="{FF2B5EF4-FFF2-40B4-BE49-F238E27FC236}">
-                <a16:creationId xmlns:a16="http://schemas.microsoft.com/office/drawing/2014/main" xmlns="" id="{9E597736-C478-4C26-9BAF-205FE31E977C}"/>
+                <a16:creationId xmlns:a16="http://schemas.microsoft.com/office/drawing/2014/main" id="{9E597736-C478-4C26-9BAF-205FE31E977C}"/>
               </a:ext>
             </a:extLst>
           </p:cNvPr>
@@ -25227,7 +25244,7 @@
           <p:cNvPr id="35" name="Freeform: Shape 34">
             <a:extLst>
               <a:ext uri="{FF2B5EF4-FFF2-40B4-BE49-F238E27FC236}">
-                <a16:creationId xmlns:a16="http://schemas.microsoft.com/office/drawing/2014/main" xmlns="" id="{C024DCDB-C6BF-455E-AAB8-EAF9DAB302A1}"/>
+                <a16:creationId xmlns:a16="http://schemas.microsoft.com/office/drawing/2014/main" id="{C024DCDB-C6BF-455E-AAB8-EAF9DAB302A1}"/>
               </a:ext>
             </a:extLst>
           </p:cNvPr>
@@ -25335,7 +25352,7 @@
           <p:cNvPr id="32" name="Freeform: Shape 31">
             <a:extLst>
               <a:ext uri="{FF2B5EF4-FFF2-40B4-BE49-F238E27FC236}">
-                <a16:creationId xmlns:a16="http://schemas.microsoft.com/office/drawing/2014/main" xmlns="" id="{26AFB47A-5D51-4F9C-B01B-977CE5E3C093}"/>
+                <a16:creationId xmlns:a16="http://schemas.microsoft.com/office/drawing/2014/main" id="{26AFB47A-5D51-4F9C-B01B-977CE5E3C093}"/>
               </a:ext>
             </a:extLst>
           </p:cNvPr>
@@ -25451,7 +25468,7 @@
           <p:cNvPr id="30" name="Freeform: Shape 29">
             <a:extLst>
               <a:ext uri="{FF2B5EF4-FFF2-40B4-BE49-F238E27FC236}">
-                <a16:creationId xmlns:a16="http://schemas.microsoft.com/office/drawing/2014/main" xmlns="" id="{6997A4FF-7390-4173-8ACD-6CF7145AACEC}"/>
+                <a16:creationId xmlns:a16="http://schemas.microsoft.com/office/drawing/2014/main" id="{6997A4FF-7390-4173-8ACD-6CF7145AACEC}"/>
               </a:ext>
             </a:extLst>
           </p:cNvPr>
@@ -25558,7 +25575,7 @@
     </p:spTree>
     <p:extLst>
       <p:ext uri="{BB962C8B-B14F-4D97-AF65-F5344CB8AC3E}">
-        <p14:creationId xmlns:p14="http://schemas.microsoft.com/office/powerpoint/2010/main" xmlns="" val="1218518015"/>
+        <p14:creationId xmlns:p14="http://schemas.microsoft.com/office/powerpoint/2010/main" val="1218518015"/>
       </p:ext>
     </p:extLst>
   </p:cSld>
@@ -25598,7 +25615,7 @@
           <p:cNvPr id="11" name="Rectangle 10">
             <a:extLst>
               <a:ext uri="{FF2B5EF4-FFF2-40B4-BE49-F238E27FC236}">
-                <a16:creationId xmlns:a16="http://schemas.microsoft.com/office/drawing/2014/main" xmlns="" id="{50869985-B973-4011-9FA2-83D7EBB2EA53}"/>
+                <a16:creationId xmlns:a16="http://schemas.microsoft.com/office/drawing/2014/main" id="{50869985-B973-4011-9FA2-83D7EBB2EA53}"/>
               </a:ext>
             </a:extLst>
           </p:cNvPr>
@@ -25650,7 +25667,7 @@
           <p:cNvPr id="2" name="Title 1">
             <a:extLst>
               <a:ext uri="{FF2B5EF4-FFF2-40B4-BE49-F238E27FC236}">
-                <a16:creationId xmlns:a16="http://schemas.microsoft.com/office/drawing/2014/main" xmlns="" id="{43379CA9-81D6-424A-8046-4B56E1D25059}"/>
+                <a16:creationId xmlns:a16="http://schemas.microsoft.com/office/drawing/2014/main" id="{43379CA9-81D6-424A-8046-4B56E1D25059}"/>
               </a:ext>
             </a:extLst>
           </p:cNvPr>
@@ -25680,7 +25697,7 @@
           </a:lstStyle>
           <a:p>
             <a:r>
-              <a:rPr lang="es-ES" smtClean="0"/>
+              <a:rPr lang="es-ES"/>
               <a:t>Haga clic para modificar el estilo de título del patrón</a:t>
             </a:r>
             <a:endParaRPr lang="en-US" dirty="0"/>
@@ -25692,7 +25709,7 @@
           <p:cNvPr id="10" name="Text Placeholder 9">
             <a:extLst>
               <a:ext uri="{FF2B5EF4-FFF2-40B4-BE49-F238E27FC236}">
-                <a16:creationId xmlns:a16="http://schemas.microsoft.com/office/drawing/2014/main" xmlns="" id="{2A60302F-65DB-4E93-B6C3-49E64C44FB53}"/>
+                <a16:creationId xmlns:a16="http://schemas.microsoft.com/office/drawing/2014/main" id="{2A60302F-65DB-4E93-B6C3-49E64C44FB53}"/>
               </a:ext>
             </a:extLst>
           </p:cNvPr>
@@ -25760,7 +25777,7 @@
           <p:cNvPr id="7" name="Picture Placeholder 6">
             <a:extLst>
               <a:ext uri="{FF2B5EF4-FFF2-40B4-BE49-F238E27FC236}">
-                <a16:creationId xmlns:a16="http://schemas.microsoft.com/office/drawing/2014/main" xmlns="" id="{9A66F217-0E52-4AD8-82BA-AB332C59638C}"/>
+                <a16:creationId xmlns:a16="http://schemas.microsoft.com/office/drawing/2014/main" id="{9A66F217-0E52-4AD8-82BA-AB332C59638C}"/>
               </a:ext>
             </a:extLst>
           </p:cNvPr>
@@ -25794,7 +25811,7 @@
           </a:lstStyle>
           <a:p>
             <a:r>
-              <a:rPr lang="es-ES" smtClean="0"/>
+              <a:rPr lang="es-ES"/>
               <a:t>Haga clic en el icono para agregar una imagen</a:t>
             </a:r>
             <a:endParaRPr lang="en-US" dirty="0"/>
@@ -25806,7 +25823,7 @@
           <p:cNvPr id="8" name="Rectangle 7">
             <a:extLst>
               <a:ext uri="{FF2B5EF4-FFF2-40B4-BE49-F238E27FC236}">
-                <a16:creationId xmlns:a16="http://schemas.microsoft.com/office/drawing/2014/main" xmlns="" id="{E75D44F0-DADD-4DCC-82EC-FDB3E9878AA9}"/>
+                <a16:creationId xmlns:a16="http://schemas.microsoft.com/office/drawing/2014/main" id="{E75D44F0-DADD-4DCC-82EC-FDB3E9878AA9}"/>
               </a:ext>
             </a:extLst>
           </p:cNvPr>
@@ -25858,7 +25875,7 @@
           <p:cNvPr id="9" name="Rectangle 8">
             <a:extLst>
               <a:ext uri="{FF2B5EF4-FFF2-40B4-BE49-F238E27FC236}">
-                <a16:creationId xmlns:a16="http://schemas.microsoft.com/office/drawing/2014/main" xmlns="" id="{28CFE2C9-8B6E-4DDA-A5EA-04581F7629F0}"/>
+                <a16:creationId xmlns:a16="http://schemas.microsoft.com/office/drawing/2014/main" id="{28CFE2C9-8B6E-4DDA-A5EA-04581F7629F0}"/>
               </a:ext>
             </a:extLst>
           </p:cNvPr>
@@ -25908,16 +25925,16 @@
     </p:spTree>
     <p:extLst>
       <p:ext uri="{BB962C8B-B14F-4D97-AF65-F5344CB8AC3E}">
-        <p14:creationId xmlns:p14="http://schemas.microsoft.com/office/powerpoint/2010/main" xmlns="" val="2371823428"/>
+        <p14:creationId xmlns:p14="http://schemas.microsoft.com/office/powerpoint/2010/main" val="2371823428"/>
       </p:ext>
     </p:extLst>
   </p:cSld>
   <p:clrMapOvr>
     <a:masterClrMapping/>
   </p:clrMapOvr>
-  <p:extLst mod="1">
+  <p:extLst>
     <p:ext uri="{DCECCB84-F9BA-43D5-87BE-67443E8EF086}">
-      <p15:sldGuideLst xmlns:p15="http://schemas.microsoft.com/office/powerpoint/2012/main" xmlns="">
+      <p15:sldGuideLst xmlns:p15="http://schemas.microsoft.com/office/powerpoint/2012/main">
         <p15:guide id="1" pos="3840" userDrawn="1">
           <p15:clr>
             <a:srgbClr val="FBAE40"/>
@@ -25997,7 +26014,7 @@
           <p:cNvPr id="12" name="Title 1">
             <a:extLst>
               <a:ext uri="{FF2B5EF4-FFF2-40B4-BE49-F238E27FC236}">
-                <a16:creationId xmlns:a16="http://schemas.microsoft.com/office/drawing/2014/main" xmlns="" id="{96FEDCD9-19A7-423B-ABE0-DDD032DE8879}"/>
+                <a16:creationId xmlns:a16="http://schemas.microsoft.com/office/drawing/2014/main" id="{96FEDCD9-19A7-423B-ABE0-DDD032DE8879}"/>
               </a:ext>
             </a:extLst>
           </p:cNvPr>
@@ -26026,7 +26043,7 @@
           </a:lstStyle>
           <a:p>
             <a:r>
-              <a:rPr lang="es-ES" smtClean="0"/>
+              <a:rPr lang="es-ES"/>
               <a:t>Haga clic para modificar el estilo de título del patrón</a:t>
             </a:r>
             <a:endParaRPr lang="en-US" dirty="0"/>
@@ -26038,7 +26055,7 @@
           <p:cNvPr id="14" name="Text Placeholder 9">
             <a:extLst>
               <a:ext uri="{FF2B5EF4-FFF2-40B4-BE49-F238E27FC236}">
-                <a16:creationId xmlns:a16="http://schemas.microsoft.com/office/drawing/2014/main" xmlns="" id="{EBD7372B-17B4-4062-8BFA-745581B27349}"/>
+                <a16:creationId xmlns:a16="http://schemas.microsoft.com/office/drawing/2014/main" id="{EBD7372B-17B4-4062-8BFA-745581B27349}"/>
               </a:ext>
             </a:extLst>
           </p:cNvPr>
@@ -26103,7 +26120,7 @@
           <p:cNvPr id="3" name="Picture Placeholder 2">
             <a:extLst>
               <a:ext uri="{FF2B5EF4-FFF2-40B4-BE49-F238E27FC236}">
-                <a16:creationId xmlns:a16="http://schemas.microsoft.com/office/drawing/2014/main" xmlns="" id="{C09A28F9-9D68-48A2-A1AD-C1C318C0EC8D}"/>
+                <a16:creationId xmlns:a16="http://schemas.microsoft.com/office/drawing/2014/main" id="{C09A28F9-9D68-48A2-A1AD-C1C318C0EC8D}"/>
               </a:ext>
             </a:extLst>
           </p:cNvPr>
@@ -26135,7 +26152,7 @@
           </a:lstStyle>
           <a:p>
             <a:r>
-              <a:rPr lang="es-ES" smtClean="0"/>
+              <a:rPr lang="es-ES"/>
               <a:t>Haga clic en el icono para agregar una imagen</a:t>
             </a:r>
             <a:endParaRPr lang="en-US" dirty="0"/>
@@ -26145,16 +26162,16 @@
     </p:spTree>
     <p:extLst>
       <p:ext uri="{BB962C8B-B14F-4D97-AF65-F5344CB8AC3E}">
-        <p14:creationId xmlns:p14="http://schemas.microsoft.com/office/powerpoint/2010/main" xmlns="" val="2185836540"/>
+        <p14:creationId xmlns:p14="http://schemas.microsoft.com/office/powerpoint/2010/main" val="2185836540"/>
       </p:ext>
     </p:extLst>
   </p:cSld>
   <p:clrMapOvr>
     <a:masterClrMapping/>
   </p:clrMapOvr>
-  <p:extLst mod="1">
+  <p:extLst>
     <p:ext uri="{DCECCB84-F9BA-43D5-87BE-67443E8EF086}">
-      <p15:sldGuideLst xmlns:p15="http://schemas.microsoft.com/office/powerpoint/2012/main" xmlns="">
+      <p15:sldGuideLst xmlns:p15="http://schemas.microsoft.com/office/powerpoint/2012/main">
         <p15:guide id="1" orient="horz" pos="1032" userDrawn="1">
           <p15:clr>
             <a:srgbClr val="FBAE40"/>
@@ -26213,7 +26230,7 @@
           </a:lstStyle>
           <a:p>
             <a:r>
-              <a:rPr lang="es-ES" noProof="0" smtClean="0"/>
+              <a:rPr lang="es-ES" noProof="0"/>
               <a:t>Haga clic para modificar el estilo de título del patrón</a:t>
             </a:r>
             <a:endParaRPr lang="en-US" noProof="0"/>
@@ -26333,7 +26350,7 @@
           </a:lstStyle>
           <a:p>
             <a:r>
-              <a:rPr lang="es-ES" noProof="0" smtClean="0"/>
+              <a:rPr lang="es-ES" noProof="0"/>
               <a:t>Haga clic para modificar el estilo de subtítulo del patrón</a:t>
             </a:r>
             <a:endParaRPr lang="en-US" noProof="0"/>
@@ -26371,7 +26388,7 @@
             <a:fld id="{75D0B1B9-C7DF-F64A-B488-12B3D5090923}" type="datetime1">
               <a:rPr lang="en-US" noProof="0" smtClean="0"/>
               <a:pPr/>
-              <a:t>11/5/2022</a:t>
+              <a:t>11/8/2022</a:t>
             </a:fld>
             <a:endParaRPr lang="en-US" noProof="0" dirty="0"/>
           </a:p>
@@ -26447,7 +26464,7 @@
     </p:spTree>
     <p:extLst>
       <p:ext uri="{BB962C8B-B14F-4D97-AF65-F5344CB8AC3E}">
-        <p14:creationId xmlns:p14="http://schemas.microsoft.com/office/powerpoint/2010/main" xmlns="" val="3572730628"/>
+        <p14:creationId xmlns:p14="http://schemas.microsoft.com/office/powerpoint/2010/main" val="3572730628"/>
       </p:ext>
     </p:extLst>
   </p:cSld>
@@ -26490,7 +26507,7 @@
           <a:lstStyle/>
           <a:p>
             <a:r>
-              <a:rPr lang="es-ES" noProof="0" smtClean="0"/>
+              <a:rPr lang="es-ES" noProof="0"/>
               <a:t>Haga clic para modificar el estilo de título del patrón</a:t>
             </a:r>
             <a:endParaRPr lang="en-US" noProof="0"/>
@@ -26522,35 +26539,35 @@
           <a:p>
             <a:pPr lvl="0"/>
             <a:r>
-              <a:rPr lang="es-ES" noProof="0" smtClean="0"/>
+              <a:rPr lang="es-ES" noProof="0"/>
               <a:t>Haga clic para modificar el estilo de texto del patrón</a:t>
             </a:r>
           </a:p>
           <a:p>
             <a:pPr lvl="1"/>
             <a:r>
-              <a:rPr lang="es-ES" noProof="0" smtClean="0"/>
+              <a:rPr lang="es-ES" noProof="0"/>
               <a:t>Segundo nivel</a:t>
             </a:r>
           </a:p>
           <a:p>
             <a:pPr lvl="2"/>
             <a:r>
-              <a:rPr lang="es-ES" noProof="0" smtClean="0"/>
+              <a:rPr lang="es-ES" noProof="0"/>
               <a:t>Tercer nivel</a:t>
             </a:r>
           </a:p>
           <a:p>
             <a:pPr lvl="3"/>
             <a:r>
-              <a:rPr lang="es-ES" noProof="0" smtClean="0"/>
+              <a:rPr lang="es-ES" noProof="0"/>
               <a:t>Cuarto nivel</a:t>
             </a:r>
           </a:p>
           <a:p>
             <a:pPr lvl="4"/>
             <a:r>
-              <a:rPr lang="es-ES" noProof="0" smtClean="0"/>
+              <a:rPr lang="es-ES" noProof="0"/>
               <a:t>Quinto nivel</a:t>
             </a:r>
             <a:endParaRPr lang="en-US" noProof="0"/>
@@ -26575,7 +26592,7 @@
             <a:fld id="{06D41EE2-1449-2741-9D08-61623EFC2A0E}" type="datetime1">
               <a:rPr lang="en-US" noProof="0" smtClean="0"/>
               <a:pPr/>
-              <a:t>11/5/2022</a:t>
+              <a:t>11/8/2022</a:t>
             </a:fld>
             <a:endParaRPr lang="en-US" noProof="0" dirty="0"/>
           </a:p>
@@ -26627,7 +26644,7 @@
     </p:spTree>
     <p:extLst>
       <p:ext uri="{BB962C8B-B14F-4D97-AF65-F5344CB8AC3E}">
-        <p14:creationId xmlns:p14="http://schemas.microsoft.com/office/powerpoint/2010/main" xmlns="" val="2373622304"/>
+        <p14:creationId xmlns:p14="http://schemas.microsoft.com/office/powerpoint/2010/main" val="2373622304"/>
       </p:ext>
     </p:extLst>
   </p:cSld>
@@ -26669,7 +26686,7 @@
           <p:cNvPr id="2" name="Title 1">
             <a:extLst>
               <a:ext uri="{FF2B5EF4-FFF2-40B4-BE49-F238E27FC236}">
-                <a16:creationId xmlns:a16="http://schemas.microsoft.com/office/drawing/2014/main" xmlns="" id="{43379CA9-81D6-424A-8046-4B56E1D25059}"/>
+                <a16:creationId xmlns:a16="http://schemas.microsoft.com/office/drawing/2014/main" id="{43379CA9-81D6-424A-8046-4B56E1D25059}"/>
               </a:ext>
             </a:extLst>
           </p:cNvPr>
@@ -26711,7 +26728,7 @@
           <p:cNvPr id="9" name="Picture Placeholder 8">
             <a:extLst>
               <a:ext uri="{FF2B5EF4-FFF2-40B4-BE49-F238E27FC236}">
-                <a16:creationId xmlns:a16="http://schemas.microsoft.com/office/drawing/2014/main" xmlns="" id="{B2F51F73-5064-47F8-83FD-440E0ED1950B}"/>
+                <a16:creationId xmlns:a16="http://schemas.microsoft.com/office/drawing/2014/main" id="{B2F51F73-5064-47F8-83FD-440E0ED1950B}"/>
               </a:ext>
             </a:extLst>
           </p:cNvPr>
@@ -26740,7 +26757,7 @@
           </a:lstStyle>
           <a:p>
             <a:r>
-              <a:rPr lang="es-ES" smtClean="0"/>
+              <a:rPr lang="es-ES"/>
               <a:t>Haga clic en el icono para agregar una imagen</a:t>
             </a:r>
             <a:endParaRPr lang="en-US" dirty="0"/>
@@ -26752,7 +26769,7 @@
           <p:cNvPr id="18" name="Picture Placeholder 8">
             <a:extLst>
               <a:ext uri="{FF2B5EF4-FFF2-40B4-BE49-F238E27FC236}">
-                <a16:creationId xmlns:a16="http://schemas.microsoft.com/office/drawing/2014/main" xmlns="" id="{06FF689A-8221-42E8-96D4-ED4D3AD501F8}"/>
+                <a16:creationId xmlns:a16="http://schemas.microsoft.com/office/drawing/2014/main" id="{06FF689A-8221-42E8-96D4-ED4D3AD501F8}"/>
               </a:ext>
             </a:extLst>
           </p:cNvPr>
@@ -26781,7 +26798,7 @@
           </a:lstStyle>
           <a:p>
             <a:r>
-              <a:rPr lang="es-ES" smtClean="0"/>
+              <a:rPr lang="es-ES"/>
               <a:t>Haga clic en el icono para agregar una imagen</a:t>
             </a:r>
             <a:endParaRPr lang="en-US" dirty="0"/>
@@ -26793,7 +26810,7 @@
           <p:cNvPr id="19" name="Picture Placeholder 8">
             <a:extLst>
               <a:ext uri="{FF2B5EF4-FFF2-40B4-BE49-F238E27FC236}">
-                <a16:creationId xmlns:a16="http://schemas.microsoft.com/office/drawing/2014/main" xmlns="" id="{96424DB2-4D46-493F-A5B8-8901EDA394F2}"/>
+                <a16:creationId xmlns:a16="http://schemas.microsoft.com/office/drawing/2014/main" id="{96424DB2-4D46-493F-A5B8-8901EDA394F2}"/>
               </a:ext>
             </a:extLst>
           </p:cNvPr>
@@ -26822,7 +26839,7 @@
           </a:lstStyle>
           <a:p>
             <a:r>
-              <a:rPr lang="es-ES" smtClean="0"/>
+              <a:rPr lang="es-ES"/>
               <a:t>Haga clic en el icono para agregar una imagen</a:t>
             </a:r>
             <a:endParaRPr lang="en-US" dirty="0"/>
@@ -26834,7 +26851,7 @@
           <p:cNvPr id="20" name="Picture Placeholder 8">
             <a:extLst>
               <a:ext uri="{FF2B5EF4-FFF2-40B4-BE49-F238E27FC236}">
-                <a16:creationId xmlns:a16="http://schemas.microsoft.com/office/drawing/2014/main" xmlns="" id="{0AF2B6E1-5738-41B1-8C15-EA6715490140}"/>
+                <a16:creationId xmlns:a16="http://schemas.microsoft.com/office/drawing/2014/main" id="{0AF2B6E1-5738-41B1-8C15-EA6715490140}"/>
               </a:ext>
             </a:extLst>
           </p:cNvPr>
@@ -26863,7 +26880,7 @@
           </a:lstStyle>
           <a:p>
             <a:r>
-              <a:rPr lang="es-ES" smtClean="0"/>
+              <a:rPr lang="es-ES"/>
               <a:t>Haga clic en el icono para agregar una imagen</a:t>
             </a:r>
             <a:endParaRPr lang="en-US" dirty="0"/>
@@ -26875,7 +26892,7 @@
           <p:cNvPr id="21" name="Picture Placeholder 8">
             <a:extLst>
               <a:ext uri="{FF2B5EF4-FFF2-40B4-BE49-F238E27FC236}">
-                <a16:creationId xmlns:a16="http://schemas.microsoft.com/office/drawing/2014/main" xmlns="" id="{6C8D73EB-347C-4E13-94C8-FA8FADE46559}"/>
+                <a16:creationId xmlns:a16="http://schemas.microsoft.com/office/drawing/2014/main" id="{6C8D73EB-347C-4E13-94C8-FA8FADE46559}"/>
               </a:ext>
             </a:extLst>
           </p:cNvPr>
@@ -26904,7 +26921,7 @@
           </a:lstStyle>
           <a:p>
             <a:r>
-              <a:rPr lang="es-ES" smtClean="0"/>
+              <a:rPr lang="es-ES"/>
               <a:t>Haga clic en el icono para agregar una imagen</a:t>
             </a:r>
             <a:endParaRPr lang="en-US" dirty="0"/>
@@ -26916,7 +26933,7 @@
           <p:cNvPr id="22" name="Picture Placeholder 8">
             <a:extLst>
               <a:ext uri="{FF2B5EF4-FFF2-40B4-BE49-F238E27FC236}">
-                <a16:creationId xmlns:a16="http://schemas.microsoft.com/office/drawing/2014/main" xmlns="" id="{9DFA5C56-9B47-4F87-8E12-30A936274F1B}"/>
+                <a16:creationId xmlns:a16="http://schemas.microsoft.com/office/drawing/2014/main" id="{9DFA5C56-9B47-4F87-8E12-30A936274F1B}"/>
               </a:ext>
             </a:extLst>
           </p:cNvPr>
@@ -26945,7 +26962,7 @@
           </a:lstStyle>
           <a:p>
             <a:r>
-              <a:rPr lang="es-ES" smtClean="0"/>
+              <a:rPr lang="es-ES"/>
               <a:t>Haga clic en el icono para agregar una imagen</a:t>
             </a:r>
             <a:endParaRPr lang="en-US" dirty="0"/>
@@ -26957,7 +26974,7 @@
           <p:cNvPr id="23" name="Picture Placeholder 8">
             <a:extLst>
               <a:ext uri="{FF2B5EF4-FFF2-40B4-BE49-F238E27FC236}">
-                <a16:creationId xmlns:a16="http://schemas.microsoft.com/office/drawing/2014/main" xmlns="" id="{1E3B5888-98ED-48E4-8AA8-5BAB43F8516C}"/>
+                <a16:creationId xmlns:a16="http://schemas.microsoft.com/office/drawing/2014/main" id="{1E3B5888-98ED-48E4-8AA8-5BAB43F8516C}"/>
               </a:ext>
             </a:extLst>
           </p:cNvPr>
@@ -26986,7 +27003,7 @@
           </a:lstStyle>
           <a:p>
             <a:r>
-              <a:rPr lang="es-ES" smtClean="0"/>
+              <a:rPr lang="es-ES"/>
               <a:t>Haga clic en el icono para agregar una imagen</a:t>
             </a:r>
             <a:endParaRPr lang="en-US" dirty="0"/>
@@ -26998,7 +27015,7 @@
           <p:cNvPr id="24" name="Picture Placeholder 8">
             <a:extLst>
               <a:ext uri="{FF2B5EF4-FFF2-40B4-BE49-F238E27FC236}">
-                <a16:creationId xmlns:a16="http://schemas.microsoft.com/office/drawing/2014/main" xmlns="" id="{569C9EE3-34D1-4DE0-B06C-2F6212F7C329}"/>
+                <a16:creationId xmlns:a16="http://schemas.microsoft.com/office/drawing/2014/main" id="{569C9EE3-34D1-4DE0-B06C-2F6212F7C329}"/>
               </a:ext>
             </a:extLst>
           </p:cNvPr>
@@ -27027,7 +27044,7 @@
           </a:lstStyle>
           <a:p>
             <a:r>
-              <a:rPr lang="es-ES" smtClean="0"/>
+              <a:rPr lang="es-ES"/>
               <a:t>Haga clic en el icono para agregar una imagen</a:t>
             </a:r>
             <a:endParaRPr lang="en-US" dirty="0"/>
@@ -27037,7 +27054,7 @@
     </p:spTree>
     <p:extLst>
       <p:ext uri="{BB962C8B-B14F-4D97-AF65-F5344CB8AC3E}">
-        <p14:creationId xmlns:p14="http://schemas.microsoft.com/office/powerpoint/2010/main" xmlns="" val="2205942132"/>
+        <p14:creationId xmlns:p14="http://schemas.microsoft.com/office/powerpoint/2010/main" val="2205942132"/>
       </p:ext>
     </p:extLst>
   </p:cSld>
@@ -27077,7 +27094,7 @@
           <p:cNvPr id="8" name="Rectangle 7">
             <a:extLst>
               <a:ext uri="{FF2B5EF4-FFF2-40B4-BE49-F238E27FC236}">
-                <a16:creationId xmlns:a16="http://schemas.microsoft.com/office/drawing/2014/main" xmlns="" id="{C186ECD6-DF3C-4CA6-9A77-ED32AC37F81F}"/>
+                <a16:creationId xmlns:a16="http://schemas.microsoft.com/office/drawing/2014/main" id="{C186ECD6-DF3C-4CA6-9A77-ED32AC37F81F}"/>
               </a:ext>
             </a:extLst>
           </p:cNvPr>
@@ -27129,7 +27146,7 @@
           <p:cNvPr id="9" name="Rectangle 8">
             <a:extLst>
               <a:ext uri="{FF2B5EF4-FFF2-40B4-BE49-F238E27FC236}">
-                <a16:creationId xmlns:a16="http://schemas.microsoft.com/office/drawing/2014/main" xmlns="" id="{8D3F081E-4462-4B33-A41E-0432A3B439D9}"/>
+                <a16:creationId xmlns:a16="http://schemas.microsoft.com/office/drawing/2014/main" id="{8D3F081E-4462-4B33-A41E-0432A3B439D9}"/>
               </a:ext>
             </a:extLst>
           </p:cNvPr>
@@ -27181,7 +27198,7 @@
           <p:cNvPr id="11" name="Rectangle 10">
             <a:extLst>
               <a:ext uri="{FF2B5EF4-FFF2-40B4-BE49-F238E27FC236}">
-                <a16:creationId xmlns:a16="http://schemas.microsoft.com/office/drawing/2014/main" xmlns="" id="{C05FA2D1-6BF4-4194-B815-8C66D013FD27}"/>
+                <a16:creationId xmlns:a16="http://schemas.microsoft.com/office/drawing/2014/main" id="{C05FA2D1-6BF4-4194-B815-8C66D013FD27}"/>
               </a:ext>
             </a:extLst>
           </p:cNvPr>
@@ -27233,7 +27250,7 @@
           <p:cNvPr id="12" name="Rectangle 11">
             <a:extLst>
               <a:ext uri="{FF2B5EF4-FFF2-40B4-BE49-F238E27FC236}">
-                <a16:creationId xmlns:a16="http://schemas.microsoft.com/office/drawing/2014/main" xmlns="" id="{DC88F0DF-BC0B-473C-82DC-7FC46D38FAC1}"/>
+                <a16:creationId xmlns:a16="http://schemas.microsoft.com/office/drawing/2014/main" id="{DC88F0DF-BC0B-473C-82DC-7FC46D38FAC1}"/>
               </a:ext>
             </a:extLst>
           </p:cNvPr>
@@ -27285,7 +27302,7 @@
           <p:cNvPr id="10" name="Text Placeholder 9">
             <a:extLst>
               <a:ext uri="{FF2B5EF4-FFF2-40B4-BE49-F238E27FC236}">
-                <a16:creationId xmlns:a16="http://schemas.microsoft.com/office/drawing/2014/main" xmlns="" id="{2A60302F-65DB-4E93-B6C3-49E64C44FB53}"/>
+                <a16:creationId xmlns:a16="http://schemas.microsoft.com/office/drawing/2014/main" id="{2A60302F-65DB-4E93-B6C3-49E64C44FB53}"/>
               </a:ext>
             </a:extLst>
           </p:cNvPr>
@@ -27353,7 +27370,7 @@
           <p:cNvPr id="7" name="Picture Placeholder 6">
             <a:extLst>
               <a:ext uri="{FF2B5EF4-FFF2-40B4-BE49-F238E27FC236}">
-                <a16:creationId xmlns:a16="http://schemas.microsoft.com/office/drawing/2014/main" xmlns="" id="{9A66F217-0E52-4AD8-82BA-AB332C59638C}"/>
+                <a16:creationId xmlns:a16="http://schemas.microsoft.com/office/drawing/2014/main" id="{9A66F217-0E52-4AD8-82BA-AB332C59638C}"/>
               </a:ext>
             </a:extLst>
           </p:cNvPr>
@@ -27387,7 +27404,7 @@
           </a:lstStyle>
           <a:p>
             <a:r>
-              <a:rPr lang="es-ES" smtClean="0"/>
+              <a:rPr lang="es-ES"/>
               <a:t>Haga clic en el icono para agregar una imagen</a:t>
             </a:r>
             <a:endParaRPr lang="en-US" dirty="0"/>
@@ -27399,7 +27416,7 @@
           <p:cNvPr id="13" name="Rectangle 12">
             <a:extLst>
               <a:ext uri="{FF2B5EF4-FFF2-40B4-BE49-F238E27FC236}">
-                <a16:creationId xmlns:a16="http://schemas.microsoft.com/office/drawing/2014/main" xmlns="" id="{FDF3E524-6AEB-4529-804C-0B9CD9992050}"/>
+                <a16:creationId xmlns:a16="http://schemas.microsoft.com/office/drawing/2014/main" id="{FDF3E524-6AEB-4529-804C-0B9CD9992050}"/>
               </a:ext>
             </a:extLst>
           </p:cNvPr>
@@ -27451,7 +27468,7 @@
           <p:cNvPr id="14" name="Straight Connector 13">
             <a:extLst>
               <a:ext uri="{FF2B5EF4-FFF2-40B4-BE49-F238E27FC236}">
-                <a16:creationId xmlns:a16="http://schemas.microsoft.com/office/drawing/2014/main" xmlns="" id="{4CFF2CAC-AD21-48FA-AD68-A643AAA6A8C4}"/>
+                <a16:creationId xmlns:a16="http://schemas.microsoft.com/office/drawing/2014/main" id="{4CFF2CAC-AD21-48FA-AD68-A643AAA6A8C4}"/>
               </a:ext>
             </a:extLst>
           </p:cNvPr>
@@ -27494,7 +27511,7 @@
           <p:cNvPr id="2" name="Title 1">
             <a:extLst>
               <a:ext uri="{FF2B5EF4-FFF2-40B4-BE49-F238E27FC236}">
-                <a16:creationId xmlns:a16="http://schemas.microsoft.com/office/drawing/2014/main" xmlns="" id="{43379CA9-81D6-424A-8046-4B56E1D25059}"/>
+                <a16:creationId xmlns:a16="http://schemas.microsoft.com/office/drawing/2014/main" id="{43379CA9-81D6-424A-8046-4B56E1D25059}"/>
               </a:ext>
             </a:extLst>
           </p:cNvPr>
@@ -27527,7 +27544,7 @@
           </a:lstStyle>
           <a:p>
             <a:r>
-              <a:rPr lang="es-ES" smtClean="0"/>
+              <a:rPr lang="es-ES"/>
               <a:t>Haga clic para modificar el estilo de título del patrón</a:t>
             </a:r>
             <a:endParaRPr lang="en-US" dirty="0"/>
@@ -27537,16 +27554,16 @@
     </p:spTree>
     <p:extLst>
       <p:ext uri="{BB962C8B-B14F-4D97-AF65-F5344CB8AC3E}">
-        <p14:creationId xmlns:p14="http://schemas.microsoft.com/office/powerpoint/2010/main" xmlns="" val="2512255900"/>
+        <p14:creationId xmlns:p14="http://schemas.microsoft.com/office/powerpoint/2010/main" val="2512255900"/>
       </p:ext>
     </p:extLst>
   </p:cSld>
   <p:clrMapOvr>
     <a:masterClrMapping/>
   </p:clrMapOvr>
-  <p:extLst mod="1">
+  <p:extLst>
     <p:ext uri="{DCECCB84-F9BA-43D5-87BE-67443E8EF086}">
-      <p15:sldGuideLst xmlns:p15="http://schemas.microsoft.com/office/powerpoint/2012/main" xmlns="">
+      <p15:sldGuideLst xmlns:p15="http://schemas.microsoft.com/office/powerpoint/2012/main">
         <p15:guide id="1" pos="3840" userDrawn="1">
           <p15:clr>
             <a:srgbClr val="FBAE40"/>
@@ -27585,7 +27602,7 @@
           <p:cNvPr id="2" name="Title Placeholder 1">
             <a:extLst>
               <a:ext uri="{FF2B5EF4-FFF2-40B4-BE49-F238E27FC236}">
-                <a16:creationId xmlns:a16="http://schemas.microsoft.com/office/drawing/2014/main" xmlns="" id="{2C80DF88-AC53-41A3-8067-D7E6D5DB195F}"/>
+                <a16:creationId xmlns:a16="http://schemas.microsoft.com/office/drawing/2014/main" id="{2C80DF88-AC53-41A3-8067-D7E6D5DB195F}"/>
               </a:ext>
             </a:extLst>
           </p:cNvPr>
@@ -27612,7 +27629,7 @@
           <a:lstStyle/>
           <a:p>
             <a:r>
-              <a:rPr lang="es-ES" smtClean="0"/>
+              <a:rPr lang="es-ES"/>
               <a:t>Haga clic para modificar el estilo de título del patrón</a:t>
             </a:r>
             <a:endParaRPr lang="en-US"/>
@@ -27624,7 +27641,7 @@
           <p:cNvPr id="4" name="Date Placeholder 3">
             <a:extLst>
               <a:ext uri="{FF2B5EF4-FFF2-40B4-BE49-F238E27FC236}">
-                <a16:creationId xmlns:a16="http://schemas.microsoft.com/office/drawing/2014/main" xmlns="" id="{EA4755C1-18CC-4FD3-A030-3DAF469919A6}"/>
+                <a16:creationId xmlns:a16="http://schemas.microsoft.com/office/drawing/2014/main" id="{EA4755C1-18CC-4FD3-A030-3DAF469919A6}"/>
               </a:ext>
             </a:extLst>
           </p:cNvPr>
@@ -27661,7 +27678,7 @@
             <a:fld id="{36ACA6CA-E140-824D-8E8B-5CC5036BDBAE}" type="datetime1">
               <a:rPr lang="en-US" noProof="0" smtClean="0"/>
               <a:pPr/>
-              <a:t>11/5/2022</a:t>
+              <a:t>11/8/2022</a:t>
             </a:fld>
             <a:endParaRPr lang="en-US" noProof="0" dirty="0"/>
           </a:p>
@@ -27672,7 +27689,7 @@
           <p:cNvPr id="5" name="Footer Placeholder 4">
             <a:extLst>
               <a:ext uri="{FF2B5EF4-FFF2-40B4-BE49-F238E27FC236}">
-                <a16:creationId xmlns:a16="http://schemas.microsoft.com/office/drawing/2014/main" xmlns="" id="{A8E029F1-B791-445F-A184-90CC7A1BEC19}"/>
+                <a16:creationId xmlns:a16="http://schemas.microsoft.com/office/drawing/2014/main" id="{A8E029F1-B791-445F-A184-90CC7A1BEC19}"/>
               </a:ext>
             </a:extLst>
           </p:cNvPr>
@@ -27715,7 +27732,7 @@
           <p:cNvPr id="6" name="Slide Number Placeholder 5">
             <a:extLst>
               <a:ext uri="{FF2B5EF4-FFF2-40B4-BE49-F238E27FC236}">
-                <a16:creationId xmlns:a16="http://schemas.microsoft.com/office/drawing/2014/main" xmlns="" id="{5AD98767-7C9E-42DE-9782-D932A0FF1BF4}"/>
+                <a16:creationId xmlns:a16="http://schemas.microsoft.com/office/drawing/2014/main" id="{5AD98767-7C9E-42DE-9782-D932A0FF1BF4}"/>
               </a:ext>
             </a:extLst>
           </p:cNvPr>
@@ -27761,7 +27778,7 @@
     </p:spTree>
     <p:extLst>
       <p:ext uri="{BB962C8B-B14F-4D97-AF65-F5344CB8AC3E}">
-        <p14:creationId xmlns:p14="http://schemas.microsoft.com/office/powerpoint/2010/main" xmlns="" val="2263488725"/>
+        <p14:creationId xmlns:p14="http://schemas.microsoft.com/office/powerpoint/2010/main" val="2263488725"/>
       </p:ext>
     </p:extLst>
   </p:cSld>
@@ -28055,9 +28072,9 @@
       </a:lvl9pPr>
     </p:otherStyle>
   </p:txStyles>
-  <p:extLst mod="1">
+  <p:extLst>
     <p:ext uri="{27BBF7A9-308A-43DC-89C8-2F10F3537804}">
-      <p15:sldGuideLst xmlns:p15="http://schemas.microsoft.com/office/powerpoint/2012/main" xmlns="">
+      <p15:sldGuideLst xmlns:p15="http://schemas.microsoft.com/office/powerpoint/2012/main">
         <p15:guide id="1" pos="5112" userDrawn="1">
           <p15:clr>
             <a:srgbClr val="F26B43"/>
@@ -28121,7 +28138,7 @@
           <p:cNvPr id="2" name="Title Placeholder 1">
             <a:extLst>
               <a:ext uri="{FF2B5EF4-FFF2-40B4-BE49-F238E27FC236}">
-                <a16:creationId xmlns:a16="http://schemas.microsoft.com/office/drawing/2014/main" xmlns="" id="{2C80DF88-AC53-41A3-8067-D7E6D5DB195F}"/>
+                <a16:creationId xmlns:a16="http://schemas.microsoft.com/office/drawing/2014/main" id="{2C80DF88-AC53-41A3-8067-D7E6D5DB195F}"/>
               </a:ext>
             </a:extLst>
           </p:cNvPr>
@@ -28148,7 +28165,7 @@
           <a:lstStyle/>
           <a:p>
             <a:r>
-              <a:rPr lang="es-ES" smtClean="0"/>
+              <a:rPr lang="es-ES"/>
               <a:t>Haga clic para modificar el estilo de título del patrón</a:t>
             </a:r>
             <a:endParaRPr lang="en-US"/>
@@ -28160,7 +28177,7 @@
           <p:cNvPr id="4" name="Date Placeholder 3">
             <a:extLst>
               <a:ext uri="{FF2B5EF4-FFF2-40B4-BE49-F238E27FC236}">
-                <a16:creationId xmlns:a16="http://schemas.microsoft.com/office/drawing/2014/main" xmlns="" id="{EA4755C1-18CC-4FD3-A030-3DAF469919A6}"/>
+                <a16:creationId xmlns:a16="http://schemas.microsoft.com/office/drawing/2014/main" id="{EA4755C1-18CC-4FD3-A030-3DAF469919A6}"/>
               </a:ext>
             </a:extLst>
           </p:cNvPr>
@@ -28197,7 +28214,7 @@
             <a:fld id="{8F310904-DE8F-4B8E-99C6-5AFA03672FFA}" type="datetimeFigureOut">
               <a:rPr lang="en-US" smtClean="0"/>
               <a:pPr/>
-              <a:t>11/5/2022</a:t>
+              <a:t>11/8/2022</a:t>
             </a:fld>
             <a:endParaRPr lang="en-US" dirty="0"/>
           </a:p>
@@ -28208,7 +28225,7 @@
           <p:cNvPr id="5" name="Footer Placeholder 4">
             <a:extLst>
               <a:ext uri="{FF2B5EF4-FFF2-40B4-BE49-F238E27FC236}">
-                <a16:creationId xmlns:a16="http://schemas.microsoft.com/office/drawing/2014/main" xmlns="" id="{A8E029F1-B791-445F-A184-90CC7A1BEC19}"/>
+                <a16:creationId xmlns:a16="http://schemas.microsoft.com/office/drawing/2014/main" id="{A8E029F1-B791-445F-A184-90CC7A1BEC19}"/>
               </a:ext>
             </a:extLst>
           </p:cNvPr>
@@ -28251,7 +28268,7 @@
           <p:cNvPr id="6" name="Slide Number Placeholder 5">
             <a:extLst>
               <a:ext uri="{FF2B5EF4-FFF2-40B4-BE49-F238E27FC236}">
-                <a16:creationId xmlns:a16="http://schemas.microsoft.com/office/drawing/2014/main" xmlns="" id="{5AD98767-7C9E-42DE-9782-D932A0FF1BF4}"/>
+                <a16:creationId xmlns:a16="http://schemas.microsoft.com/office/drawing/2014/main" id="{5AD98767-7C9E-42DE-9782-D932A0FF1BF4}"/>
               </a:ext>
             </a:extLst>
           </p:cNvPr>
@@ -28297,7 +28314,7 @@
     </p:spTree>
     <p:extLst>
       <p:ext uri="{BB962C8B-B14F-4D97-AF65-F5344CB8AC3E}">
-        <p14:creationId xmlns:p14="http://schemas.microsoft.com/office/powerpoint/2010/main" xmlns="" val="2911603562"/>
+        <p14:creationId xmlns:p14="http://schemas.microsoft.com/office/powerpoint/2010/main" val="2911603562"/>
       </p:ext>
     </p:extLst>
   </p:cSld>
@@ -28586,9 +28603,9 @@
       </a:lvl9pPr>
     </p:otherStyle>
   </p:txStyles>
-  <p:extLst mod="1">
+  <p:extLst>
     <p:ext uri="{27BBF7A9-308A-43DC-89C8-2F10F3537804}">
-      <p15:sldGuideLst xmlns:p15="http://schemas.microsoft.com/office/powerpoint/2012/main" xmlns="">
+      <p15:sldGuideLst xmlns:p15="http://schemas.microsoft.com/office/powerpoint/2012/main">
         <p15:guide id="1" pos="5112" userDrawn="1">
           <p15:clr>
             <a:srgbClr val="F26B43"/>
@@ -28652,7 +28669,7 @@
           <p:cNvPr id="2" name="Title Placeholder 1">
             <a:extLst>
               <a:ext uri="{FF2B5EF4-FFF2-40B4-BE49-F238E27FC236}">
-                <a16:creationId xmlns:a16="http://schemas.microsoft.com/office/drawing/2014/main" xmlns="" id="{2C80DF88-AC53-41A3-8067-D7E6D5DB195F}"/>
+                <a16:creationId xmlns:a16="http://schemas.microsoft.com/office/drawing/2014/main" id="{2C80DF88-AC53-41A3-8067-D7E6D5DB195F}"/>
               </a:ext>
             </a:extLst>
           </p:cNvPr>
@@ -28679,7 +28696,7 @@
           <a:lstStyle/>
           <a:p>
             <a:r>
-              <a:rPr lang="es-ES" smtClean="0"/>
+              <a:rPr lang="es-ES"/>
               <a:t>Haga clic para modificar el estilo de título del patrón</a:t>
             </a:r>
             <a:endParaRPr lang="en-US"/>
@@ -28691,7 +28708,7 @@
           <p:cNvPr id="4" name="Date Placeholder 3">
             <a:extLst>
               <a:ext uri="{FF2B5EF4-FFF2-40B4-BE49-F238E27FC236}">
-                <a16:creationId xmlns:a16="http://schemas.microsoft.com/office/drawing/2014/main" xmlns="" id="{EA4755C1-18CC-4FD3-A030-3DAF469919A6}"/>
+                <a16:creationId xmlns:a16="http://schemas.microsoft.com/office/drawing/2014/main" id="{EA4755C1-18CC-4FD3-A030-3DAF469919A6}"/>
               </a:ext>
             </a:extLst>
           </p:cNvPr>
@@ -28728,7 +28745,7 @@
             <a:fld id="{8F310904-DE8F-4B8E-99C6-5AFA03672FFA}" type="datetimeFigureOut">
               <a:rPr lang="en-US" smtClean="0"/>
               <a:pPr/>
-              <a:t>11/5/2022</a:t>
+              <a:t>11/8/2022</a:t>
             </a:fld>
             <a:endParaRPr lang="en-US" dirty="0"/>
           </a:p>
@@ -28739,7 +28756,7 @@
           <p:cNvPr id="5" name="Footer Placeholder 4">
             <a:extLst>
               <a:ext uri="{FF2B5EF4-FFF2-40B4-BE49-F238E27FC236}">
-                <a16:creationId xmlns:a16="http://schemas.microsoft.com/office/drawing/2014/main" xmlns="" id="{A8E029F1-B791-445F-A184-90CC7A1BEC19}"/>
+                <a16:creationId xmlns:a16="http://schemas.microsoft.com/office/drawing/2014/main" id="{A8E029F1-B791-445F-A184-90CC7A1BEC19}"/>
               </a:ext>
             </a:extLst>
           </p:cNvPr>
@@ -28782,7 +28799,7 @@
           <p:cNvPr id="6" name="Slide Number Placeholder 5">
             <a:extLst>
               <a:ext uri="{FF2B5EF4-FFF2-40B4-BE49-F238E27FC236}">
-                <a16:creationId xmlns:a16="http://schemas.microsoft.com/office/drawing/2014/main" xmlns="" id="{5AD98767-7C9E-42DE-9782-D932A0FF1BF4}"/>
+                <a16:creationId xmlns:a16="http://schemas.microsoft.com/office/drawing/2014/main" id="{5AD98767-7C9E-42DE-9782-D932A0FF1BF4}"/>
               </a:ext>
             </a:extLst>
           </p:cNvPr>
@@ -28828,7 +28845,7 @@
     </p:spTree>
     <p:extLst>
       <p:ext uri="{BB962C8B-B14F-4D97-AF65-F5344CB8AC3E}">
-        <p14:creationId xmlns:p14="http://schemas.microsoft.com/office/powerpoint/2010/main" xmlns="" val="1044508539"/>
+        <p14:creationId xmlns:p14="http://schemas.microsoft.com/office/powerpoint/2010/main" val="1044508539"/>
       </p:ext>
     </p:extLst>
   </p:cSld>
@@ -29117,9 +29134,9 @@
       </a:lvl9pPr>
     </p:otherStyle>
   </p:txStyles>
-  <p:extLst mod="1">
+  <p:extLst>
     <p:ext uri="{27BBF7A9-308A-43DC-89C8-2F10F3537804}">
-      <p15:sldGuideLst xmlns:p15="http://schemas.microsoft.com/office/powerpoint/2012/main" xmlns="">
+      <p15:sldGuideLst xmlns:p15="http://schemas.microsoft.com/office/powerpoint/2012/main">
         <p15:guide id="1" pos="5112" userDrawn="1">
           <p15:clr>
             <a:srgbClr val="F26B43"/>
@@ -29183,7 +29200,7 @@
           <p:cNvPr id="2" name="Title Placeholder 1">
             <a:extLst>
               <a:ext uri="{FF2B5EF4-FFF2-40B4-BE49-F238E27FC236}">
-                <a16:creationId xmlns:a16="http://schemas.microsoft.com/office/drawing/2014/main" xmlns="" id="{2C80DF88-AC53-41A3-8067-D7E6D5DB195F}"/>
+                <a16:creationId xmlns:a16="http://schemas.microsoft.com/office/drawing/2014/main" id="{2C80DF88-AC53-41A3-8067-D7E6D5DB195F}"/>
               </a:ext>
             </a:extLst>
           </p:cNvPr>
@@ -29210,7 +29227,7 @@
           <a:lstStyle/>
           <a:p>
             <a:r>
-              <a:rPr lang="es-ES" smtClean="0"/>
+              <a:rPr lang="es-ES"/>
               <a:t>Haga clic para modificar el estilo de título del patrón</a:t>
             </a:r>
             <a:endParaRPr lang="en-US"/>
@@ -29222,7 +29239,7 @@
           <p:cNvPr id="4" name="Date Placeholder 3">
             <a:extLst>
               <a:ext uri="{FF2B5EF4-FFF2-40B4-BE49-F238E27FC236}">
-                <a16:creationId xmlns:a16="http://schemas.microsoft.com/office/drawing/2014/main" xmlns="" id="{EA4755C1-18CC-4FD3-A030-3DAF469919A6}"/>
+                <a16:creationId xmlns:a16="http://schemas.microsoft.com/office/drawing/2014/main" id="{EA4755C1-18CC-4FD3-A030-3DAF469919A6}"/>
               </a:ext>
             </a:extLst>
           </p:cNvPr>
@@ -29259,7 +29276,7 @@
             <a:fld id="{8F310904-DE8F-4B8E-99C6-5AFA03672FFA}" type="datetimeFigureOut">
               <a:rPr lang="en-US" smtClean="0"/>
               <a:pPr/>
-              <a:t>11/5/2022</a:t>
+              <a:t>11/8/2022</a:t>
             </a:fld>
             <a:endParaRPr lang="en-US" dirty="0"/>
           </a:p>
@@ -29270,7 +29287,7 @@
           <p:cNvPr id="5" name="Footer Placeholder 4">
             <a:extLst>
               <a:ext uri="{FF2B5EF4-FFF2-40B4-BE49-F238E27FC236}">
-                <a16:creationId xmlns:a16="http://schemas.microsoft.com/office/drawing/2014/main" xmlns="" id="{A8E029F1-B791-445F-A184-90CC7A1BEC19}"/>
+                <a16:creationId xmlns:a16="http://schemas.microsoft.com/office/drawing/2014/main" id="{A8E029F1-B791-445F-A184-90CC7A1BEC19}"/>
               </a:ext>
             </a:extLst>
           </p:cNvPr>
@@ -29313,7 +29330,7 @@
           <p:cNvPr id="6" name="Slide Number Placeholder 5">
             <a:extLst>
               <a:ext uri="{FF2B5EF4-FFF2-40B4-BE49-F238E27FC236}">
-                <a16:creationId xmlns:a16="http://schemas.microsoft.com/office/drawing/2014/main" xmlns="" id="{5AD98767-7C9E-42DE-9782-D932A0FF1BF4}"/>
+                <a16:creationId xmlns:a16="http://schemas.microsoft.com/office/drawing/2014/main" id="{5AD98767-7C9E-42DE-9782-D932A0FF1BF4}"/>
               </a:ext>
             </a:extLst>
           </p:cNvPr>
@@ -29359,7 +29376,7 @@
     </p:spTree>
     <p:extLst>
       <p:ext uri="{BB962C8B-B14F-4D97-AF65-F5344CB8AC3E}">
-        <p14:creationId xmlns:p14="http://schemas.microsoft.com/office/powerpoint/2010/main" xmlns="" val="2032013640"/>
+        <p14:creationId xmlns:p14="http://schemas.microsoft.com/office/powerpoint/2010/main" val="2032013640"/>
       </p:ext>
     </p:extLst>
   </p:cSld>
@@ -29648,9 +29665,9 @@
       </a:lvl9pPr>
     </p:otherStyle>
   </p:txStyles>
-  <p:extLst mod="1">
+  <p:extLst>
     <p:ext uri="{27BBF7A9-308A-43DC-89C8-2F10F3537804}">
-      <p15:sldGuideLst xmlns:p15="http://schemas.microsoft.com/office/powerpoint/2012/main" xmlns="">
+      <p15:sldGuideLst xmlns:p15="http://schemas.microsoft.com/office/powerpoint/2012/main">
         <p15:guide id="1" pos="5112" userDrawn="1">
           <p15:clr>
             <a:srgbClr val="F26B43"/>
@@ -29714,7 +29731,7 @@
           <p:cNvPr id="2" name="Title Placeholder 1">
             <a:extLst>
               <a:ext uri="{FF2B5EF4-FFF2-40B4-BE49-F238E27FC236}">
-                <a16:creationId xmlns:a16="http://schemas.microsoft.com/office/drawing/2014/main" xmlns="" id="{761B0E15-6FC5-434E-8780-B186D9DB0CD0}"/>
+                <a16:creationId xmlns:a16="http://schemas.microsoft.com/office/drawing/2014/main" id="{761B0E15-6FC5-434E-8780-B186D9DB0CD0}"/>
               </a:ext>
             </a:extLst>
           </p:cNvPr>
@@ -29741,7 +29758,7 @@
           <a:lstStyle/>
           <a:p>
             <a:r>
-              <a:rPr lang="es-ES" noProof="0" smtClean="0"/>
+              <a:rPr lang="es-ES" noProof="0"/>
               <a:t>Haga clic para modificar el estilo de título del patrón</a:t>
             </a:r>
             <a:endParaRPr lang="en-US" noProof="0"/>
@@ -29753,7 +29770,7 @@
           <p:cNvPr id="3" name="Text Placeholder 2">
             <a:extLst>
               <a:ext uri="{FF2B5EF4-FFF2-40B4-BE49-F238E27FC236}">
-                <a16:creationId xmlns:a16="http://schemas.microsoft.com/office/drawing/2014/main" xmlns="" id="{A9C7B128-34F3-405C-B601-8BAFDB43499C}"/>
+                <a16:creationId xmlns:a16="http://schemas.microsoft.com/office/drawing/2014/main" id="{A9C7B128-34F3-405C-B601-8BAFDB43499C}"/>
               </a:ext>
             </a:extLst>
           </p:cNvPr>
@@ -29781,35 +29798,35 @@
           <a:p>
             <a:pPr lvl="0"/>
             <a:r>
-              <a:rPr lang="es-ES" noProof="0" smtClean="0"/>
+              <a:rPr lang="es-ES" noProof="0"/>
               <a:t>Haga clic para modificar el estilo de texto del patrón</a:t>
             </a:r>
           </a:p>
           <a:p>
             <a:pPr lvl="1"/>
             <a:r>
-              <a:rPr lang="es-ES" noProof="0" smtClean="0"/>
+              <a:rPr lang="es-ES" noProof="0"/>
               <a:t>Segundo nivel</a:t>
             </a:r>
           </a:p>
           <a:p>
             <a:pPr lvl="2"/>
             <a:r>
-              <a:rPr lang="es-ES" noProof="0" smtClean="0"/>
+              <a:rPr lang="es-ES" noProof="0"/>
               <a:t>Tercer nivel</a:t>
             </a:r>
           </a:p>
           <a:p>
             <a:pPr lvl="3"/>
             <a:r>
-              <a:rPr lang="es-ES" noProof="0" smtClean="0"/>
+              <a:rPr lang="es-ES" noProof="0"/>
               <a:t>Cuarto nivel</a:t>
             </a:r>
           </a:p>
           <a:p>
             <a:pPr lvl="4"/>
             <a:r>
-              <a:rPr lang="es-ES" noProof="0" smtClean="0"/>
+              <a:rPr lang="es-ES" noProof="0"/>
               <a:t>Quinto nivel</a:t>
             </a:r>
             <a:endParaRPr lang="en-US" noProof="0"/>
@@ -29821,7 +29838,7 @@
           <p:cNvPr id="6" name="Slide Number Placeholder 5">
             <a:extLst>
               <a:ext uri="{FF2B5EF4-FFF2-40B4-BE49-F238E27FC236}">
-                <a16:creationId xmlns:a16="http://schemas.microsoft.com/office/drawing/2014/main" xmlns="" id="{9F5A7754-E8C7-438B-922D-9027C6CF58E2}"/>
+                <a16:creationId xmlns:a16="http://schemas.microsoft.com/office/drawing/2014/main" id="{9F5A7754-E8C7-438B-922D-9027C6CF58E2}"/>
               </a:ext>
             </a:extLst>
           </p:cNvPr>
@@ -29869,7 +29886,7 @@
           <p:cNvPr id="5" name="Rectangle 4">
             <a:extLst>
               <a:ext uri="{FF2B5EF4-FFF2-40B4-BE49-F238E27FC236}">
-                <a16:creationId xmlns:a16="http://schemas.microsoft.com/office/drawing/2014/main" xmlns="" id="{7CDDDB7D-9189-9548-A2B9-81DC62C3C1A3}"/>
+                <a16:creationId xmlns:a16="http://schemas.microsoft.com/office/drawing/2014/main" id="{7CDDDB7D-9189-9548-A2B9-81DC62C3C1A3}"/>
               </a:ext>
             </a:extLst>
           </p:cNvPr>
@@ -29923,7 +29940,7 @@
           <p:cNvPr id="7" name="Freeform: Shape 9">
             <a:extLst>
               <a:ext uri="{FF2B5EF4-FFF2-40B4-BE49-F238E27FC236}">
-                <a16:creationId xmlns:a16="http://schemas.microsoft.com/office/drawing/2014/main" xmlns="" id="{096D8877-6B4A-4540-8927-767DD7401718}"/>
+                <a16:creationId xmlns:a16="http://schemas.microsoft.com/office/drawing/2014/main" id="{096D8877-6B4A-4540-8927-767DD7401718}"/>
               </a:ext>
             </a:extLst>
           </p:cNvPr>
@@ -30046,7 +30063,7 @@
           <p:cNvPr id="8" name="Freeform: Shape 17">
             <a:extLst>
               <a:ext uri="{FF2B5EF4-FFF2-40B4-BE49-F238E27FC236}">
-                <a16:creationId xmlns:a16="http://schemas.microsoft.com/office/drawing/2014/main" xmlns="" id="{5AF2E123-FE0F-8541-8E36-5030C450AA7E}"/>
+                <a16:creationId xmlns:a16="http://schemas.microsoft.com/office/drawing/2014/main" id="{5AF2E123-FE0F-8541-8E36-5030C450AA7E}"/>
               </a:ext>
             </a:extLst>
           </p:cNvPr>
@@ -30198,7 +30215,7 @@
           <p:cNvPr id="9" name="Freeform: Shape 11">
             <a:extLst>
               <a:ext uri="{FF2B5EF4-FFF2-40B4-BE49-F238E27FC236}">
-                <a16:creationId xmlns:a16="http://schemas.microsoft.com/office/drawing/2014/main" xmlns="" id="{E5519D99-3B68-924A-9CD0-14B911711CA8}"/>
+                <a16:creationId xmlns:a16="http://schemas.microsoft.com/office/drawing/2014/main" id="{E5519D99-3B68-924A-9CD0-14B911711CA8}"/>
               </a:ext>
             </a:extLst>
           </p:cNvPr>
@@ -30348,7 +30365,7 @@
           <p:cNvPr id="10" name="Freeform: Shape 7">
             <a:extLst>
               <a:ext uri="{FF2B5EF4-FFF2-40B4-BE49-F238E27FC236}">
-                <a16:creationId xmlns:a16="http://schemas.microsoft.com/office/drawing/2014/main" xmlns="" id="{A09E21A9-FBEF-144C-A152-FE484F3C55C1}"/>
+                <a16:creationId xmlns:a16="http://schemas.microsoft.com/office/drawing/2014/main" id="{A09E21A9-FBEF-144C-A152-FE484F3C55C1}"/>
               </a:ext>
             </a:extLst>
           </p:cNvPr>
@@ -30494,7 +30511,7 @@
           <p:cNvPr id="11" name="Title 1">
             <a:extLst>
               <a:ext uri="{FF2B5EF4-FFF2-40B4-BE49-F238E27FC236}">
-                <a16:creationId xmlns:a16="http://schemas.microsoft.com/office/drawing/2014/main" xmlns="" id="{70C7F2CB-A8CE-1545-A08D-93592C4BAEEA}"/>
+                <a16:creationId xmlns:a16="http://schemas.microsoft.com/office/drawing/2014/main" id="{70C7F2CB-A8CE-1545-A08D-93592C4BAEEA}"/>
               </a:ext>
             </a:extLst>
           </p:cNvPr>
@@ -30550,7 +30567,7 @@
           <p:cNvPr id="4" name="Group 11">
             <a:extLst>
               <a:ext uri="{FF2B5EF4-FFF2-40B4-BE49-F238E27FC236}">
-                <a16:creationId xmlns:a16="http://schemas.microsoft.com/office/drawing/2014/main" xmlns="" id="{7068FCE4-1B47-3C4B-B091-013120A97D09}"/>
+                <a16:creationId xmlns:a16="http://schemas.microsoft.com/office/drawing/2014/main" id="{7068FCE4-1B47-3C4B-B091-013120A97D09}"/>
               </a:ext>
             </a:extLst>
           </p:cNvPr>
@@ -30570,7 +30587,7 @@
             <p:cNvPr id="13" name="Freeform: Shape 15">
               <a:extLst>
                 <a:ext uri="{FF2B5EF4-FFF2-40B4-BE49-F238E27FC236}">
-                  <a16:creationId xmlns:a16="http://schemas.microsoft.com/office/drawing/2014/main" xmlns="" id="{FEC3FDE7-F27E-5E4E-8752-287CAB7792D4}"/>
+                  <a16:creationId xmlns:a16="http://schemas.microsoft.com/office/drawing/2014/main" id="{FEC3FDE7-F27E-5E4E-8752-287CAB7792D4}"/>
                 </a:ext>
               </a:extLst>
             </p:cNvPr>
@@ -30660,7 +30677,7 @@
             <p:cNvPr id="14" name="Freeform: Shape 16">
               <a:extLst>
                 <a:ext uri="{FF2B5EF4-FFF2-40B4-BE49-F238E27FC236}">
-                  <a16:creationId xmlns:a16="http://schemas.microsoft.com/office/drawing/2014/main" xmlns="" id="{81C902DB-0D21-5044-82B6-9E7A70A1BF62}"/>
+                  <a16:creationId xmlns:a16="http://schemas.microsoft.com/office/drawing/2014/main" id="{81C902DB-0D21-5044-82B6-9E7A70A1BF62}"/>
                 </a:ext>
               </a:extLst>
             </p:cNvPr>
@@ -30759,7 +30776,7 @@
           <p:cNvPr id="12" name="Group 14">
             <a:extLst>
               <a:ext uri="{FF2B5EF4-FFF2-40B4-BE49-F238E27FC236}">
-                <a16:creationId xmlns:a16="http://schemas.microsoft.com/office/drawing/2014/main" xmlns="" id="{BE1E08A0-195D-694F-947B-986A76FBB93E}"/>
+                <a16:creationId xmlns:a16="http://schemas.microsoft.com/office/drawing/2014/main" id="{BE1E08A0-195D-694F-947B-986A76FBB93E}"/>
               </a:ext>
             </a:extLst>
           </p:cNvPr>
@@ -30779,7 +30796,7 @@
             <p:cNvPr id="16" name="Rectangle: Single Corner Snipped 18">
               <a:extLst>
                 <a:ext uri="{FF2B5EF4-FFF2-40B4-BE49-F238E27FC236}">
-                  <a16:creationId xmlns:a16="http://schemas.microsoft.com/office/drawing/2014/main" xmlns="" id="{ED5DFFCD-1EE3-E64E-B51F-BD7D72413E0B}"/>
+                  <a16:creationId xmlns:a16="http://schemas.microsoft.com/office/drawing/2014/main" id="{ED5DFFCD-1EE3-E64E-B51F-BD7D72413E0B}"/>
                 </a:ext>
               </a:extLst>
             </p:cNvPr>
@@ -30845,7 +30862,7 @@
             <p:cNvPr id="17" name="Rectangle: Single Corner Snipped 2">
               <a:extLst>
                 <a:ext uri="{FF2B5EF4-FFF2-40B4-BE49-F238E27FC236}">
-                  <a16:creationId xmlns:a16="http://schemas.microsoft.com/office/drawing/2014/main" xmlns="" id="{C12DB3CA-8E64-AA43-BFBE-A2CA9A816DBE}"/>
+                  <a16:creationId xmlns:a16="http://schemas.microsoft.com/office/drawing/2014/main" id="{C12DB3CA-8E64-AA43-BFBE-A2CA9A816DBE}"/>
                 </a:ext>
               </a:extLst>
             </p:cNvPr>
@@ -30902,7 +30919,7 @@
           <p:cNvPr id="18" name="Freeform: Shape 23">
             <a:extLst>
               <a:ext uri="{FF2B5EF4-FFF2-40B4-BE49-F238E27FC236}">
-                <a16:creationId xmlns:a16="http://schemas.microsoft.com/office/drawing/2014/main" xmlns="" id="{A587DEFD-D470-4142-8E0D-A71DDB147C92}"/>
+                <a16:creationId xmlns:a16="http://schemas.microsoft.com/office/drawing/2014/main" id="{A587DEFD-D470-4142-8E0D-A71DDB147C92}"/>
               </a:ext>
             </a:extLst>
           </p:cNvPr>
@@ -30997,7 +31014,7 @@
           <p:cNvPr id="19" name="Slide Number Placeholder 4">
             <a:extLst>
               <a:ext uri="{FF2B5EF4-FFF2-40B4-BE49-F238E27FC236}">
-                <a16:creationId xmlns:a16="http://schemas.microsoft.com/office/drawing/2014/main" xmlns="" id="{7D9BF857-7910-734D-A217-5E3344220AA2}"/>
+                <a16:creationId xmlns:a16="http://schemas.microsoft.com/office/drawing/2014/main" id="{7D9BF857-7910-734D-A217-5E3344220AA2}"/>
               </a:ext>
             </a:extLst>
           </p:cNvPr>
@@ -31125,7 +31142,7 @@
     </p:spTree>
     <p:extLst>
       <p:ext uri="{BB962C8B-B14F-4D97-AF65-F5344CB8AC3E}">
-        <p14:creationId xmlns:p14="http://schemas.microsoft.com/office/powerpoint/2010/main" xmlns="" val="666093331"/>
+        <p14:creationId xmlns:p14="http://schemas.microsoft.com/office/powerpoint/2010/main" val="666093331"/>
       </p:ext>
     </p:extLst>
   </p:cSld>
@@ -31445,9 +31462,9 @@
       </a:lvl9pPr>
     </p:otherStyle>
   </p:txStyles>
-  <p:extLst mod="1">
+  <p:extLst>
     <p:ext uri="{27BBF7A9-308A-43DC-89C8-2F10F3537804}">
-      <p15:sldGuideLst xmlns:p15="http://schemas.microsoft.com/office/powerpoint/2012/main" xmlns="">
+      <p15:sldGuideLst xmlns:p15="http://schemas.microsoft.com/office/powerpoint/2012/main">
         <p15:guide id="1" orient="horz" pos="2160" userDrawn="1">
           <p15:clr>
             <a:srgbClr val="F26B43"/>
@@ -31517,11 +31534,11 @@
           <a:lstStyle/>
           <a:p>
             <a:r>
-              <a:rPr lang="es-ES" dirty="0" smtClean="0"/>
+              <a:rPr lang="es-ES" dirty="0"/>
               <a:t>Net </a:t>
             </a:r>
             <a:r>
-              <a:rPr lang="es-ES" dirty="0" err="1" smtClean="0"/>
+              <a:rPr lang="es-ES" dirty="0" err="1"/>
               <a:t>Blazor</a:t>
             </a:r>
             <a:endParaRPr lang="es-ES" dirty="0"/>
@@ -31544,18 +31561,17 @@
           <a:lstStyle/>
           <a:p>
             <a:r>
-              <a:rPr lang="es-ES" dirty="0" smtClean="0"/>
+              <a:rPr lang="es-ES" dirty="0"/>
               <a:t>El nuevo </a:t>
             </a:r>
             <a:r>
-              <a:rPr lang="es-ES" dirty="0" err="1" smtClean="0"/>
+              <a:rPr lang="es-ES" dirty="0" err="1"/>
               <a:t>framework</a:t>
             </a:r>
             <a:r>
-              <a:rPr lang="es-ES" dirty="0" smtClean="0"/>
+              <a:rPr lang="es-ES" dirty="0"/>
               <a:t> SPA de Microsoft</a:t>
             </a:r>
-            <a:endParaRPr lang="es-ES" dirty="0"/>
           </a:p>
         </p:txBody>
       </p:sp>
@@ -31605,11 +31621,11 @@
           <a:lstStyle/>
           <a:p>
             <a:r>
-              <a:rPr lang="es-ES" dirty="0" smtClean="0"/>
+              <a:rPr lang="es-ES" dirty="0"/>
               <a:t>Actualidad de </a:t>
             </a:r>
             <a:r>
-              <a:rPr lang="es-ES" dirty="0" err="1" smtClean="0"/>
+              <a:rPr lang="es-ES" dirty="0" err="1"/>
               <a:t>Blazor</a:t>
             </a:r>
             <a:endParaRPr lang="es-ES" dirty="0"/>
@@ -31632,58 +31648,34 @@
           <a:lstStyle/>
           <a:p>
             <a:r>
-              <a:rPr lang="es-AR" b="1" dirty="0" smtClean="0"/>
+              <a:rPr lang="es-AR" b="1" dirty="0"/>
               <a:t>En la actualidad,</a:t>
             </a:r>
             <a:r>
-              <a:rPr lang="es-AR" dirty="0" smtClean="0"/>
+              <a:rPr lang="es-AR" dirty="0"/>
               <a:t> Microsoft plantea lanzar las ediciones </a:t>
             </a:r>
             <a:r>
-              <a:rPr lang="es-AR" b="1" dirty="0" err="1" smtClean="0"/>
+              <a:rPr lang="es-AR" b="1" dirty="0" err="1"/>
               <a:t>Blazor</a:t>
             </a:r>
             <a:r>
-              <a:rPr lang="es-AR" b="1" dirty="0" smtClean="0"/>
+              <a:rPr lang="es-AR" b="1" dirty="0"/>
               <a:t> PWA</a:t>
             </a:r>
             <a:r>
-              <a:rPr lang="es-AR" dirty="0" smtClean="0"/>
+              <a:rPr lang="es-AR" dirty="0"/>
               <a:t> y </a:t>
             </a:r>
             <a:r>
-              <a:rPr lang="es-AR" b="1" dirty="0" err="1" smtClean="0"/>
+              <a:rPr lang="es-AR" b="1" dirty="0" err="1"/>
               <a:t>BlazorHybrid</a:t>
             </a:r>
             <a:r>
-              <a:rPr lang="es-AR" dirty="0" smtClean="0"/>
-              <a:t>. El </a:t>
+              <a:rPr lang="es-AR" dirty="0"/>
+              <a:t>. El primero es compatible con aplicaciones web progresivas (PWA). Este último es un marco nativo de la plataforma (a diferencia de un marco web), pero aún representa la interfaz de usuario utilizando tecnologías web (por ejemplo, HTML y CSS).</a:t>
             </a:r>
-            <a:r>
-              <a:rPr lang="es-AR" dirty="0" smtClean="0"/>
-              <a:t>primero es compatible con a</a:t>
-            </a:r>
-            <a:r>
-              <a:rPr lang="es-AR" dirty="0" smtClean="0"/>
-              <a:t>plicaciones web progresivas</a:t>
-            </a:r>
-            <a:r>
-              <a:rPr lang="es-AR" dirty="0" smtClean="0"/>
-              <a:t> (PWA). Este último es un marco nativo de la plataforma (a diferencia de un marco web), pero aún representa la interfaz de usuario utilizando tecnologías web (por ejemplo, </a:t>
-            </a:r>
-            <a:r>
-              <a:rPr lang="es-AR" dirty="0" smtClean="0"/>
-              <a:t>HTML</a:t>
-            </a:r>
-            <a:r>
-              <a:rPr lang="es-AR" dirty="0" smtClean="0"/>
-              <a:t> y </a:t>
-            </a:r>
-            <a:r>
-              <a:rPr lang="es-AR" dirty="0" smtClean="0"/>
-              <a:t>CSS).</a:t>
-            </a:r>
-            <a:endParaRPr lang="es-ES" dirty="0" smtClean="0"/>
+            <a:endParaRPr lang="es-ES" dirty="0"/>
           </a:p>
           <a:p>
             <a:endParaRPr lang="es-ES" dirty="0"/>
@@ -31736,15 +31728,15 @@
           <a:lstStyle/>
           <a:p>
             <a:r>
-              <a:rPr lang="es-ES" dirty="0" err="1" smtClean="0"/>
+              <a:rPr lang="es-ES" dirty="0" err="1"/>
               <a:t>Blazor</a:t>
             </a:r>
             <a:r>
-              <a:rPr lang="es-ES" dirty="0" smtClean="0"/>
+              <a:rPr lang="es-ES" dirty="0"/>
               <a:t> como competencia de </a:t>
             </a:r>
             <a:r>
-              <a:rPr lang="es-ES" dirty="0" err="1" smtClean="0"/>
+              <a:rPr lang="es-ES" dirty="0" err="1"/>
               <a:t>JavaScript</a:t>
             </a:r>
             <a:endParaRPr lang="es-ES" dirty="0"/>
@@ -31767,86 +31759,86 @@
           <a:lstStyle/>
           <a:p>
             <a:r>
-              <a:rPr lang="es-AR" dirty="0" err="1" smtClean="0"/>
+              <a:rPr lang="es-AR" dirty="0" err="1"/>
               <a:t>Blazor</a:t>
             </a:r>
             <a:r>
-              <a:rPr lang="es-AR" dirty="0" smtClean="0"/>
+              <a:rPr lang="es-AR" dirty="0"/>
               <a:t> ofrece un competidor directo a los SPA de </a:t>
             </a:r>
             <a:r>
-              <a:rPr lang="es-AR" dirty="0" err="1" smtClean="0"/>
+              <a:rPr lang="es-AR" dirty="0" err="1"/>
               <a:t>JavaScript</a:t>
             </a:r>
             <a:r>
-              <a:rPr lang="es-AR" dirty="0" smtClean="0"/>
+              <a:rPr lang="es-AR" dirty="0"/>
               <a:t> como Angular, </a:t>
             </a:r>
             <a:r>
-              <a:rPr lang="es-AR" dirty="0" err="1" smtClean="0"/>
+              <a:rPr lang="es-AR" dirty="0" err="1"/>
               <a:t>Vue</a:t>
             </a:r>
             <a:r>
-              <a:rPr lang="es-AR" dirty="0" smtClean="0"/>
+              <a:rPr lang="es-AR" dirty="0"/>
               <a:t> y </a:t>
             </a:r>
             <a:r>
-              <a:rPr lang="es-AR" dirty="0" err="1" smtClean="0"/>
+              <a:rPr lang="es-AR" dirty="0" err="1"/>
               <a:t>React</a:t>
             </a:r>
             <a:r>
-              <a:rPr lang="es-AR" dirty="0" smtClean="0"/>
+              <a:rPr lang="es-AR" dirty="0"/>
               <a:t>, ya que, usando </a:t>
             </a:r>
             <a:r>
-              <a:rPr lang="es-AR" dirty="0" err="1" smtClean="0"/>
+              <a:rPr lang="es-AR" dirty="0" err="1"/>
               <a:t>WebAssemblyes</a:t>
             </a:r>
             <a:r>
-              <a:rPr lang="es-AR" dirty="0" smtClean="0"/>
+              <a:rPr lang="es-AR" dirty="0"/>
               <a:t> capaz de escribir lógica UI usando C# y no </a:t>
             </a:r>
             <a:r>
-              <a:rPr lang="es-AR" dirty="0" err="1" smtClean="0"/>
+              <a:rPr lang="es-AR" dirty="0" err="1"/>
               <a:t>JavaScript</a:t>
             </a:r>
             <a:r>
-              <a:rPr lang="es-AR" dirty="0" smtClean="0"/>
+              <a:rPr lang="es-AR" dirty="0"/>
               <a:t>. Pero, aunque tiene potencial de acabar con la dependencia de </a:t>
             </a:r>
             <a:r>
-              <a:rPr lang="es-AR" dirty="0" err="1" smtClean="0"/>
+              <a:rPr lang="es-AR" dirty="0" err="1"/>
               <a:t>JavaScript</a:t>
             </a:r>
             <a:r>
-              <a:rPr lang="es-AR" dirty="0" smtClean="0"/>
+              <a:rPr lang="es-AR" dirty="0"/>
               <a:t>, este no va a desaparecer, porque todavía hay muchas cosas que </a:t>
             </a:r>
             <a:r>
-              <a:rPr lang="es-AR" dirty="0" err="1" smtClean="0"/>
+              <a:rPr lang="es-AR" dirty="0" err="1"/>
               <a:t>WebAssembly</a:t>
             </a:r>
             <a:r>
-              <a:rPr lang="es-AR" dirty="0" smtClean="0"/>
+              <a:rPr lang="es-AR" dirty="0"/>
               <a:t> aun no puede hacer, entonces para ayudar se usa la abstracción </a:t>
             </a:r>
             <a:r>
-              <a:rPr lang="es-AR" dirty="0" err="1" smtClean="0"/>
+              <a:rPr lang="es-AR" dirty="0" err="1"/>
               <a:t>IJSRuntime</a:t>
             </a:r>
             <a:r>
-              <a:rPr lang="es-AR" dirty="0" smtClean="0"/>
+              <a:rPr lang="es-AR" dirty="0"/>
               <a:t>, lo cual hace llamadas a funciones </a:t>
             </a:r>
             <a:r>
-              <a:rPr lang="es-AR" dirty="0" err="1" smtClean="0"/>
+              <a:rPr lang="es-AR" dirty="0" err="1"/>
               <a:t>JavaScript</a:t>
             </a:r>
             <a:r>
-              <a:rPr lang="es-AR" dirty="0" smtClean="0"/>
+              <a:rPr lang="es-AR" dirty="0"/>
               <a:t>. Incluso podemos hacer que funciones JS hagan llamadas al código C#.</a:t>
             </a:r>
-            <a:endParaRPr lang="es-ES" dirty="0" smtClean="0"/>
+            <a:endParaRPr lang="es-ES" dirty="0"/>
           </a:p>
           <a:p>
             <a:pPr>
@@ -31902,15 +31894,11 @@
           <a:lstStyle/>
           <a:p>
             <a:r>
-              <a:rPr lang="es-AR" dirty="0" smtClean="0"/>
+              <a:rPr lang="es-AR" dirty="0"/>
               <a:t>Un ejemplo para llamar JS desde C# seria:</a:t>
             </a:r>
-            <a:r>
-              <a:rPr lang="es-ES" dirty="0" smtClean="0"/>
-              <a:t/>
-            </a:r>
             <a:br>
-              <a:rPr lang="es-ES" dirty="0" smtClean="0"/>
+              <a:rPr lang="es-ES" dirty="0"/>
             </a:br>
             <a:endParaRPr lang="es-ES" dirty="0"/>
           </a:p>
@@ -31983,19 +31971,11 @@
           <a:lstStyle/>
           <a:p>
             <a:r>
-              <a:rPr lang="es-AR" dirty="0" smtClean="0"/>
-              <a:t>Otro ejemplo llamar </a:t>
-            </a:r>
-            <a:r>
-              <a:rPr lang="es-AR" dirty="0" smtClean="0"/>
-              <a:t>a C# desde JS:</a:t>
-            </a:r>
-            <a:r>
-              <a:rPr lang="es-ES" dirty="0" smtClean="0"/>
-              <a:t/>
+              <a:rPr lang="es-AR" dirty="0"/>
+              <a:t>Otro ejemplo llamar a C# desde JS:</a:t>
             </a:r>
             <a:br>
-              <a:rPr lang="es-ES" dirty="0" smtClean="0"/>
+              <a:rPr lang="es-ES" dirty="0"/>
             </a:br>
             <a:endParaRPr lang="es-ES" dirty="0"/>
           </a:p>
@@ -32017,7 +31997,7 @@
           <a:lstStyle/>
           <a:p>
             <a:r>
-              <a:rPr lang="es-ES" dirty="0" err="1" smtClean="0"/>
+              <a:rPr lang="es-ES" dirty="0" err="1"/>
               <a:t>Blazor</a:t>
             </a:r>
             <a:endParaRPr lang="es-ES" dirty="0"/>
@@ -32040,10 +32020,9 @@
           <a:lstStyle/>
           <a:p>
             <a:r>
-              <a:rPr lang="es-ES" dirty="0" smtClean="0"/>
+              <a:rPr lang="es-ES" dirty="0"/>
               <a:t>JS</a:t>
             </a:r>
-            <a:endParaRPr lang="es-ES" dirty="0"/>
           </a:p>
         </p:txBody>
       </p:sp>
@@ -32193,18 +32172,17 @@
           <a:lstStyle/>
           <a:p>
             <a:r>
-              <a:rPr lang="es-ES" dirty="0" smtClean="0"/>
+              <a:rPr lang="es-ES" dirty="0"/>
               <a:t>¿Conviene sustituir </a:t>
             </a:r>
             <a:r>
-              <a:rPr lang="es-ES" dirty="0" err="1" smtClean="0"/>
+              <a:rPr lang="es-ES" dirty="0" err="1"/>
               <a:t>Blazor</a:t>
             </a:r>
             <a:r>
-              <a:rPr lang="es-ES" dirty="0" smtClean="0"/>
+              <a:rPr lang="es-ES" dirty="0"/>
               <a:t> de JS?</a:t>
             </a:r>
-            <a:endParaRPr lang="es-ES" dirty="0"/>
           </a:p>
         </p:txBody>
       </p:sp>
@@ -32224,26 +32202,22 @@
           <a:lstStyle/>
           <a:p>
             <a:r>
-              <a:rPr lang="es-AR" dirty="0" err="1" smtClean="0"/>
+              <a:rPr lang="es-AR" dirty="0" err="1"/>
               <a:t>Blazor</a:t>
             </a:r>
             <a:r>
-              <a:rPr lang="es-AR" dirty="0" smtClean="0"/>
+              <a:rPr lang="es-AR" dirty="0"/>
               <a:t> es una alternativa, no puede hacer todo lo que JS hace, si </a:t>
             </a:r>
             <a:r>
-              <a:rPr lang="es-AR" dirty="0" err="1" smtClean="0"/>
+              <a:rPr lang="es-AR" dirty="0" err="1"/>
               <a:t>Blazor</a:t>
             </a:r>
             <a:r>
-              <a:rPr lang="es-AR" dirty="0" smtClean="0"/>
-              <a:t> no soporta una característica, puede ser necesaria una cantidad de código en JS para lograr cumplir el objetivo. Si algún día lo suplanta estará por verse, hasta ahora solo hay una alternativa</a:t>
+              <a:rPr lang="es-AR" dirty="0"/>
+              <a:t> no soporta una característica, puede ser necesaria una cantidad de código en JS para lograr cumplir el objetivo. Si algún día lo suplanta estará por verse, hasta ahora solo hay una alternativa.</a:t>
             </a:r>
-            <a:r>
-              <a:rPr lang="es-AR" dirty="0" smtClean="0"/>
-              <a:t>.</a:t>
-            </a:r>
-            <a:endParaRPr lang="es-ES" dirty="0" smtClean="0"/>
+            <a:endParaRPr lang="es-ES" dirty="0"/>
           </a:p>
         </p:txBody>
       </p:sp>
@@ -32293,7 +32267,7 @@
           <a:lstStyle/>
           <a:p>
             <a:r>
-              <a:rPr lang="es-ES" dirty="0" err="1" smtClean="0"/>
+              <a:rPr lang="es-ES" dirty="0" err="1"/>
               <a:t>Conclusion</a:t>
             </a:r>
             <a:endParaRPr lang="es-ES" dirty="0"/>
@@ -32324,112 +32298,104 @@
               <a:buNone/>
             </a:pPr>
             <a:r>
-              <a:rPr lang="es-AR" dirty="0" smtClean="0"/>
-              <a:t>   En </a:t>
+              <a:rPr lang="es-AR" dirty="0"/>
+              <a:t>   En conclusión, </a:t>
             </a:r>
             <a:r>
-              <a:rPr lang="es-AR" dirty="0" smtClean="0"/>
-              <a:t>conclusión, </a:t>
-            </a:r>
-            <a:r>
-              <a:rPr lang="es-AR" dirty="0" err="1" smtClean="0"/>
+              <a:rPr lang="es-AR" dirty="0" err="1"/>
               <a:t>Blazor</a:t>
             </a:r>
             <a:r>
-              <a:rPr lang="es-AR" dirty="0" smtClean="0"/>
+              <a:rPr lang="es-AR" dirty="0"/>
               <a:t> es un Framework que deja escribir código C# en el Front-</a:t>
             </a:r>
             <a:r>
-              <a:rPr lang="es-AR" dirty="0" err="1" smtClean="0"/>
+              <a:rPr lang="es-AR" dirty="0" err="1"/>
               <a:t>Endcon</a:t>
             </a:r>
             <a:r>
-              <a:rPr lang="es-AR" dirty="0" smtClean="0"/>
+              <a:rPr lang="es-AR" dirty="0"/>
               <a:t> sus dos opciones:</a:t>
             </a:r>
-            <a:endParaRPr lang="es-ES" dirty="0" smtClean="0"/>
+            <a:endParaRPr lang="es-ES" dirty="0"/>
           </a:p>
           <a:p>
             <a:r>
-              <a:rPr lang="es-AR" b="1" dirty="0" err="1" smtClean="0"/>
+              <a:rPr lang="es-AR" b="1" dirty="0" err="1"/>
               <a:t>BlazorWebAssembly</a:t>
             </a:r>
             <a:r>
-              <a:rPr lang="es-AR" dirty="0" smtClean="0"/>
+              <a:rPr lang="es-AR" dirty="0"/>
               <a:t>; siendo un competidor directo a los </a:t>
             </a:r>
             <a:r>
-              <a:rPr lang="es-AR" dirty="0" err="1" smtClean="0"/>
+              <a:rPr lang="es-AR" dirty="0" err="1"/>
               <a:t>frameworks</a:t>
             </a:r>
             <a:r>
-              <a:rPr lang="es-AR" dirty="0" smtClean="0"/>
+              <a:rPr lang="es-AR" dirty="0"/>
               <a:t> como </a:t>
             </a:r>
             <a:r>
-              <a:rPr lang="es-AR" dirty="0" err="1" smtClean="0"/>
+              <a:rPr lang="es-AR" dirty="0" err="1"/>
               <a:t>JavaScript</a:t>
             </a:r>
             <a:r>
-              <a:rPr lang="es-AR" dirty="0" smtClean="0"/>
+              <a:rPr lang="es-AR" dirty="0"/>
               <a:t>. No necesita el uso de .NET en el servidor, pudiendo tener </a:t>
             </a:r>
             <a:r>
-              <a:rPr lang="es-AR" dirty="0" err="1" smtClean="0"/>
+              <a:rPr lang="es-AR" dirty="0" err="1"/>
               <a:t>backend</a:t>
             </a:r>
             <a:r>
-              <a:rPr lang="es-AR" dirty="0" smtClean="0"/>
+              <a:rPr lang="es-AR" dirty="0"/>
               <a:t> en </a:t>
             </a:r>
             <a:r>
-              <a:rPr lang="es-AR" dirty="0" err="1" smtClean="0"/>
+              <a:rPr lang="es-AR" dirty="0" err="1"/>
               <a:t>Node</a:t>
             </a:r>
             <a:r>
-              <a:rPr lang="es-AR" dirty="0" smtClean="0"/>
+              <a:rPr lang="es-AR" dirty="0"/>
               <a:t>, PHP o </a:t>
             </a:r>
             <a:r>
-              <a:rPr lang="es-AR" dirty="0" err="1" smtClean="0"/>
+              <a:rPr lang="es-AR" dirty="0" err="1"/>
               <a:t>Rails</a:t>
             </a:r>
             <a:r>
-              <a:rPr lang="es-AR" dirty="0" smtClean="0"/>
+              <a:rPr lang="es-AR" dirty="0"/>
               <a:t>, porque </a:t>
             </a:r>
             <a:r>
-              <a:rPr lang="es-AR" dirty="0" err="1" smtClean="0"/>
+              <a:rPr lang="es-AR" dirty="0" err="1"/>
               <a:t>WebAssembly</a:t>
             </a:r>
             <a:r>
-              <a:rPr lang="es-AR" dirty="0" smtClean="0"/>
+              <a:rPr lang="es-AR" dirty="0"/>
               <a:t> compila archivos estáticos.</a:t>
             </a:r>
-            <a:endParaRPr lang="es-ES" dirty="0" smtClean="0"/>
+            <a:endParaRPr lang="es-ES" dirty="0"/>
           </a:p>
           <a:p>
             <a:r>
-              <a:rPr lang="es-AR" b="1" dirty="0" err="1" smtClean="0"/>
+              <a:rPr lang="es-AR" b="1" dirty="0" err="1"/>
               <a:t>BlazorServer</a:t>
             </a:r>
             <a:r>
-              <a:rPr lang="es-AR" dirty="0" smtClean="0"/>
+              <a:rPr lang="es-AR" dirty="0"/>
               <a:t>; se puede usar para muchos escenarios, recomendados donde hay poca latencia y pocos problemas de conectividad es en aplicaciones de </a:t>
             </a:r>
             <a:r>
-              <a:rPr lang="es-AR" dirty="0" err="1" smtClean="0"/>
+              <a:rPr lang="es-AR" dirty="0" err="1"/>
               <a:t>ittranet</a:t>
             </a:r>
             <a:r>
-              <a:rPr lang="es-AR" dirty="0" smtClean="0"/>
-              <a:t> o aplicación de cara al publico de baja </a:t>
+              <a:rPr lang="es-AR" dirty="0"/>
+              <a:t> o aplicación de cara al publico de baja demanda.</a:t>
             </a:r>
-            <a:r>
-              <a:rPr lang="es-AR" dirty="0" smtClean="0"/>
-              <a:t>demanda.</a:t>
-            </a:r>
-            <a:endParaRPr lang="es-ES" dirty="0" smtClean="0"/>
+            <a:endParaRPr lang="es-ES" dirty="0"/>
           </a:p>
           <a:p>
             <a:endParaRPr lang="es-ES" dirty="0"/>
@@ -32437,6 +32403,137 @@
         </p:txBody>
       </p:sp>
     </p:spTree>
+  </p:cSld>
+  <p:clrMapOvr>
+    <a:masterClrMapping/>
+  </p:clrMapOvr>
+</p:sld>
+</file>
+
+<file path=ppt/slides/slide17.xml><?xml version="1.0" encoding="utf-8"?>
+<p:sld xmlns:a="http://schemas.openxmlformats.org/drawingml/2006/main" xmlns:r="http://schemas.openxmlformats.org/officeDocument/2006/relationships" xmlns:p="http://schemas.openxmlformats.org/presentationml/2006/main">
+  <p:cSld>
+    <p:spTree>
+      <p:nvGrpSpPr>
+        <p:cNvPr id="1" name=""/>
+        <p:cNvGrpSpPr/>
+        <p:nvPr/>
+      </p:nvGrpSpPr>
+      <p:grpSpPr>
+        <a:xfrm>
+          <a:off x="0" y="0"/>
+          <a:ext cx="0" cy="0"/>
+          <a:chOff x="0" y="0"/>
+          <a:chExt cx="0" cy="0"/>
+        </a:xfrm>
+      </p:grpSpPr>
+      <p:sp>
+        <p:nvSpPr>
+          <p:cNvPr id="2" name="Título 1">
+            <a:extLst>
+              <a:ext uri="{FF2B5EF4-FFF2-40B4-BE49-F238E27FC236}">
+                <a16:creationId xmlns:a16="http://schemas.microsoft.com/office/drawing/2014/main" id="{96A54E9D-4F06-1383-A686-E61BBC875332}"/>
+              </a:ext>
+            </a:extLst>
+          </p:cNvPr>
+          <p:cNvSpPr>
+            <a:spLocks noGrp="1"/>
+          </p:cNvSpPr>
+          <p:nvPr>
+            <p:ph type="title"/>
+          </p:nvPr>
+        </p:nvSpPr>
+        <p:spPr>
+          <a:xfrm>
+            <a:off x="333375" y="542926"/>
+            <a:ext cx="8410575" cy="535531"/>
+          </a:xfrm>
+        </p:spPr>
+        <p:txBody>
+          <a:bodyPr/>
+          <a:lstStyle/>
+          <a:p>
+            <a:pPr algn="ctr"/>
+            <a:r>
+              <a:rPr lang="es-AR" dirty="0"/>
+              <a:t>Participantes</a:t>
+            </a:r>
+          </a:p>
+        </p:txBody>
+      </p:sp>
+      <p:sp>
+        <p:nvSpPr>
+          <p:cNvPr id="3" name="Marcador de contenido 2">
+            <a:extLst>
+              <a:ext uri="{FF2B5EF4-FFF2-40B4-BE49-F238E27FC236}">
+                <a16:creationId xmlns:a16="http://schemas.microsoft.com/office/drawing/2014/main" id="{4BF25310-6C18-C586-5C8F-4BDD57039ECF}"/>
+              </a:ext>
+            </a:extLst>
+          </p:cNvPr>
+          <p:cNvSpPr>
+            <a:spLocks noGrp="1"/>
+          </p:cNvSpPr>
+          <p:nvPr>
+            <p:ph idx="1"/>
+          </p:nvPr>
+        </p:nvSpPr>
+        <p:spPr/>
+        <p:txBody>
+          <a:bodyPr/>
+          <a:lstStyle/>
+          <a:p>
+            <a:pPr marL="0" indent="0" algn="ctr">
+              <a:buNone/>
+            </a:pPr>
+            <a:endParaRPr lang="es-AR" dirty="0"/>
+          </a:p>
+          <a:p>
+            <a:pPr marL="0" indent="0" algn="ctr">
+              <a:buNone/>
+            </a:pPr>
+            <a:endParaRPr lang="es-AR" dirty="0"/>
+          </a:p>
+          <a:p>
+            <a:pPr marL="0" indent="0" algn="ctr">
+              <a:buNone/>
+            </a:pPr>
+            <a:endParaRPr lang="es-AR" dirty="0"/>
+          </a:p>
+          <a:p>
+            <a:pPr marL="0" indent="0" algn="ctr">
+              <a:buNone/>
+            </a:pPr>
+            <a:r>
+              <a:rPr lang="es-AR" dirty="0"/>
+              <a:t>Leandro Alonso</a:t>
+            </a:r>
+          </a:p>
+          <a:p>
+            <a:pPr marL="0" indent="0" algn="ctr">
+              <a:buNone/>
+            </a:pPr>
+            <a:r>
+              <a:rPr lang="es-AR" dirty="0"/>
+              <a:t>Diego Arredondo</a:t>
+            </a:r>
+          </a:p>
+          <a:p>
+            <a:pPr marL="0" indent="0" algn="ctr">
+              <a:buNone/>
+            </a:pPr>
+            <a:r>
+              <a:rPr lang="es-AR" dirty="0"/>
+              <a:t>Joel Escobar</a:t>
+            </a:r>
+          </a:p>
+        </p:txBody>
+      </p:sp>
+    </p:spTree>
+    <p:extLst>
+      <p:ext uri="{BB962C8B-B14F-4D97-AF65-F5344CB8AC3E}">
+        <p14:creationId xmlns:p14="http://schemas.microsoft.com/office/powerpoint/2010/main" val="3923297943"/>
+      </p:ext>
+    </p:extLst>
   </p:cSld>
   <p:clrMapOvr>
     <a:masterClrMapping/>
@@ -32477,18 +32574,17 @@
           <a:lstStyle/>
           <a:p>
             <a:r>
-              <a:rPr lang="es-ES" dirty="0" smtClean="0"/>
+              <a:rPr lang="es-ES" dirty="0"/>
               <a:t>¿Qué es </a:t>
             </a:r>
             <a:r>
-              <a:rPr lang="es-ES" dirty="0" err="1" smtClean="0"/>
+              <a:rPr lang="es-ES" dirty="0" err="1"/>
               <a:t>blazor</a:t>
             </a:r>
             <a:r>
-              <a:rPr lang="es-ES" dirty="0" smtClean="0"/>
+              <a:rPr lang="es-ES" dirty="0"/>
               <a:t>?</a:t>
             </a:r>
-            <a:endParaRPr lang="es-ES" dirty="0"/>
           </a:p>
         </p:txBody>
       </p:sp>
@@ -32508,58 +32604,54 @@
           <a:lstStyle/>
           <a:p>
             <a:r>
-              <a:rPr lang="es-AR" b="1" dirty="0" err="1" smtClean="0"/>
+              <a:rPr lang="es-AR" b="1" dirty="0" err="1"/>
               <a:t>Blazor</a:t>
             </a:r>
             <a:r>
-              <a:rPr lang="es-AR" dirty="0" smtClean="0"/>
+              <a:rPr lang="es-AR" dirty="0"/>
               <a:t> es un </a:t>
             </a:r>
             <a:r>
-              <a:rPr lang="es-AR" dirty="0" err="1" smtClean="0"/>
+              <a:rPr lang="es-AR" dirty="0" err="1"/>
               <a:t>framework</a:t>
             </a:r>
             <a:r>
-              <a:rPr lang="es-AR" dirty="0" smtClean="0"/>
+              <a:rPr lang="es-AR" dirty="0"/>
               <a:t> del equipo de Microsoft ASP.NET que permite a los desarrolladores escribir aplicaciones interactivas de una sola página (</a:t>
             </a:r>
             <a:r>
-              <a:rPr lang="es-AR" b="1" dirty="0" smtClean="0"/>
+              <a:rPr lang="es-AR" b="1" dirty="0"/>
               <a:t>SPA</a:t>
             </a:r>
             <a:r>
-              <a:rPr lang="es-AR" dirty="0" smtClean="0"/>
+              <a:rPr lang="es-AR" dirty="0"/>
               <a:t>) sin </a:t>
             </a:r>
             <a:r>
-              <a:rPr lang="es-AR" dirty="0" err="1" smtClean="0"/>
+              <a:rPr lang="es-AR" dirty="0" err="1"/>
               <a:t>JavaScript</a:t>
             </a:r>
             <a:r>
-              <a:rPr lang="es-AR" dirty="0" smtClean="0"/>
-              <a:t>. </a:t>
+              <a:rPr lang="es-AR" dirty="0"/>
+              <a:t>. Y su nombre esta inspirando en </a:t>
             </a:r>
             <a:r>
-              <a:rPr lang="es-AR" dirty="0" smtClean="0"/>
-              <a:t>Y su nombre esta inspirando en </a:t>
-            </a:r>
-            <a:r>
-              <a:rPr lang="es-AR" b="1" dirty="0" smtClean="0"/>
+              <a:rPr lang="es-AR" b="1" dirty="0"/>
               <a:t>BROWSER</a:t>
             </a:r>
             <a:r>
-              <a:rPr lang="es-AR" dirty="0" smtClean="0"/>
+              <a:rPr lang="es-AR" dirty="0"/>
               <a:t> + </a:t>
             </a:r>
             <a:r>
-              <a:rPr lang="es-AR" b="1" dirty="0" smtClean="0"/>
+              <a:rPr lang="es-AR" b="1" dirty="0"/>
               <a:t>RAZOR</a:t>
             </a:r>
             <a:r>
-              <a:rPr lang="es-AR" dirty="0" smtClean="0"/>
+              <a:rPr lang="es-AR" dirty="0"/>
               <a:t>.</a:t>
             </a:r>
-            <a:endParaRPr lang="es-ES" dirty="0" smtClean="0"/>
+            <a:endParaRPr lang="es-ES" dirty="0"/>
           </a:p>
           <a:p>
             <a:endParaRPr lang="es-ES" dirty="0"/>
@@ -32631,18 +32723,17 @@
           <a:lstStyle/>
           <a:p>
             <a:r>
-              <a:rPr lang="es-ES" dirty="0" smtClean="0"/>
+              <a:rPr lang="es-ES" dirty="0"/>
               <a:t>¿Qué lenguaje usa </a:t>
             </a:r>
             <a:r>
-              <a:rPr lang="es-ES" dirty="0" err="1" smtClean="0"/>
+              <a:rPr lang="es-ES" dirty="0" err="1"/>
               <a:t>blazor</a:t>
             </a:r>
             <a:r>
-              <a:rPr lang="es-ES" dirty="0" smtClean="0"/>
+              <a:rPr lang="es-ES" dirty="0"/>
               <a:t>?</a:t>
             </a:r>
-            <a:endParaRPr lang="es-ES" dirty="0"/>
           </a:p>
         </p:txBody>
       </p:sp>
@@ -32662,78 +32753,58 @@
           <a:lstStyle/>
           <a:p>
             <a:r>
-              <a:rPr lang="es-AR" dirty="0" smtClean="0"/>
-              <a:t>En </a:t>
+              <a:rPr lang="es-AR" dirty="0"/>
+              <a:t>En simples palabras es </a:t>
             </a:r>
             <a:r>
-              <a:rPr lang="es-AR" dirty="0" smtClean="0"/>
-              <a:t>simples palabras es </a:t>
-            </a:r>
-            <a:r>
-              <a:rPr lang="es-AR" b="1" dirty="0" smtClean="0"/>
+              <a:rPr lang="es-AR" b="1" dirty="0"/>
               <a:t>C#</a:t>
             </a:r>
             <a:r>
-              <a:rPr lang="es-AR" dirty="0" smtClean="0"/>
+              <a:rPr lang="es-AR" dirty="0"/>
               <a:t> en el área del Front-</a:t>
             </a:r>
             <a:r>
-              <a:rPr lang="es-AR" dirty="0" err="1" smtClean="0"/>
+              <a:rPr lang="es-AR" dirty="0" err="1"/>
               <a:t>End</a:t>
             </a:r>
             <a:r>
-              <a:rPr lang="es-AR" dirty="0" smtClean="0"/>
-              <a:t>/Cliente</a:t>
+              <a:rPr lang="es-AR" dirty="0"/>
+              <a:t>/Cliente. Con este </a:t>
             </a:r>
             <a:r>
-              <a:rPr lang="es-AR" dirty="0" smtClean="0"/>
-              <a:t>. </a:t>
-            </a:r>
-            <a:r>
-              <a:rPr lang="es-AR" dirty="0" smtClean="0"/>
-              <a:t>Con este </a:t>
-            </a:r>
-            <a:r>
-              <a:rPr lang="es-AR" dirty="0" err="1" smtClean="0"/>
+              <a:rPr lang="es-AR" dirty="0" err="1"/>
               <a:t>framework</a:t>
             </a:r>
             <a:r>
-              <a:rPr lang="es-AR" dirty="0" smtClean="0"/>
+              <a:rPr lang="es-AR" dirty="0"/>
               <a:t> podemos escribir con el mismo lenguaje tanto en el Back-</a:t>
             </a:r>
             <a:r>
-              <a:rPr lang="es-AR" dirty="0" err="1" smtClean="0"/>
+              <a:rPr lang="es-AR" dirty="0" err="1"/>
               <a:t>End</a:t>
             </a:r>
             <a:r>
-              <a:rPr lang="es-AR" dirty="0" smtClean="0"/>
+              <a:rPr lang="es-AR" dirty="0"/>
               <a:t> como en el Front-</a:t>
             </a:r>
             <a:r>
-              <a:rPr lang="es-AR" dirty="0" err="1" smtClean="0"/>
+              <a:rPr lang="es-AR" dirty="0" err="1"/>
               <a:t>End</a:t>
             </a:r>
             <a:r>
-              <a:rPr lang="es-AR" dirty="0" smtClean="0"/>
-              <a:t>, </a:t>
+              <a:rPr lang="es-AR" dirty="0"/>
+              <a:t>, hace que se desarrolle más rápido y con menos errores, haciéndolo </a:t>
             </a:r>
             <a:r>
-              <a:rPr lang="es-AR" dirty="0" smtClean="0"/>
-              <a:t>hace que se </a:t>
-            </a:r>
-            <a:r>
-              <a:rPr lang="es-AR" dirty="0" smtClean="0"/>
-              <a:t>desarrolle más rápido y con menos errores, haciéndolo </a:t>
-            </a:r>
-            <a:r>
-              <a:rPr lang="es-AR" dirty="0" err="1" smtClean="0"/>
+              <a:rPr lang="es-AR" dirty="0" err="1"/>
               <a:t>FullStack</a:t>
             </a:r>
             <a:r>
-              <a:rPr lang="es-AR" dirty="0" smtClean="0"/>
+              <a:rPr lang="es-AR" dirty="0"/>
               <a:t>.</a:t>
             </a:r>
-            <a:endParaRPr lang="es-ES" dirty="0" smtClean="0"/>
+            <a:endParaRPr lang="es-ES" dirty="0"/>
           </a:p>
           <a:p>
             <a:endParaRPr lang="es-ES" dirty="0"/>
@@ -32805,11 +32876,11 @@
           <a:lstStyle/>
           <a:p>
             <a:r>
-              <a:rPr lang="es-ES" dirty="0" smtClean="0"/>
+              <a:rPr lang="es-ES" dirty="0"/>
               <a:t>Ejemplo de </a:t>
             </a:r>
             <a:r>
-              <a:rPr lang="es-ES" dirty="0" err="1" smtClean="0"/>
+              <a:rPr lang="es-ES" dirty="0" err="1"/>
               <a:t>codigo</a:t>
             </a:r>
             <a:endParaRPr lang="es-ES" dirty="0"/>
@@ -32890,18 +32961,17 @@
           <a:lstStyle/>
           <a:p>
             <a:r>
-              <a:rPr lang="es-ES" dirty="0" smtClean="0"/>
+              <a:rPr lang="es-ES" dirty="0"/>
               <a:t>¿Cómo funciona </a:t>
             </a:r>
             <a:r>
-              <a:rPr lang="es-ES" dirty="0" err="1" smtClean="0"/>
+              <a:rPr lang="es-ES" dirty="0" err="1"/>
               <a:t>blazor</a:t>
             </a:r>
             <a:r>
-              <a:rPr lang="es-ES" dirty="0" smtClean="0"/>
+              <a:rPr lang="es-ES" dirty="0"/>
               <a:t>?</a:t>
             </a:r>
-            <a:endParaRPr lang="es-ES" dirty="0"/>
           </a:p>
         </p:txBody>
       </p:sp>
@@ -32926,45 +32996,45 @@
           <a:lstStyle/>
           <a:p>
             <a:r>
-              <a:rPr lang="es-ES" dirty="0" err="1" smtClean="0"/>
+              <a:rPr lang="es-ES" dirty="0" err="1"/>
               <a:t>Blazor</a:t>
             </a:r>
             <a:r>
-              <a:rPr lang="es-ES" dirty="0" smtClean="0"/>
+              <a:rPr lang="es-ES" dirty="0"/>
               <a:t> esta implementado con archivo .</a:t>
             </a:r>
             <a:r>
-              <a:rPr lang="es-ES" dirty="0" err="1" smtClean="0"/>
+              <a:rPr lang="es-ES" dirty="0" err="1"/>
               <a:t>cshtml</a:t>
             </a:r>
             <a:r>
-              <a:rPr lang="es-ES" dirty="0" smtClean="0"/>
+              <a:rPr lang="es-ES" dirty="0"/>
               <a:t>.</a:t>
             </a:r>
           </a:p>
           <a:p>
             <a:r>
-              <a:rPr lang="es-ES" dirty="0" smtClean="0"/>
+              <a:rPr lang="es-ES" dirty="0"/>
               <a:t>La interfaz de usuario se define usando HTML y la lógica se añade usando una sintaxis de C# incrustada.</a:t>
             </a:r>
           </a:p>
           <a:p>
             <a:r>
-              <a:rPr lang="es-ES" dirty="0" smtClean="0"/>
+              <a:rPr lang="es-ES" dirty="0"/>
               <a:t>En el bloque @</a:t>
             </a:r>
             <a:r>
-              <a:rPr lang="es-ES" dirty="0" err="1" smtClean="0"/>
+              <a:rPr lang="es-ES" dirty="0" err="1"/>
               <a:t>functions</a:t>
             </a:r>
             <a:r>
-              <a:rPr lang="es-ES" dirty="0" smtClean="0"/>
+              <a:rPr lang="es-ES" dirty="0"/>
               <a:t> definís las propiedades que utilizas en la vista y se vinculan los métodos con el control como evento</a:t>
             </a:r>
           </a:p>
           <a:p>
             <a:r>
-              <a:rPr lang="es-ES" dirty="0" smtClean="0"/>
+              <a:rPr lang="es-ES" dirty="0"/>
               <a:t>Cuando se compila se convierten en una clase componente.</a:t>
             </a:r>
           </a:p>
@@ -32983,7 +33053,7 @@
           <a:blip r:embed="rId2">
             <a:extLst>
               <a:ext uri="{28A0092B-C50C-407E-A947-70E740481C1C}">
-                <a14:useLocalDpi xmlns="" xmlns:wpc="http://schemas.microsoft.com/office/word/2010/wordprocessingCanvas" xmlns:cx="http://schemas.microsoft.com/office/drawing/2014/chartex" xmlns:cx1="http://schemas.microsoft.com/office/drawing/2015/9/8/chartex" xmlns:cx2="http://schemas.microsoft.com/office/drawing/2015/10/21/chartex" xmlns:cx3="http://schemas.microsoft.com/office/drawing/2016/5/9/chartex" xmlns:cx4="http://schemas.microsoft.com/office/drawing/2016/5/10/chartex" xmlns:cx5="http://schemas.microsoft.com/office/drawing/2016/5/11/chartex" xmlns:cx6="http://schemas.microsoft.com/office/drawing/2016/5/12/chartex" xmlns:cx7="http://schemas.microsoft.com/office/drawing/2016/5/13/chartex" xmlns:cx8="http://schemas.microsoft.com/office/drawing/2016/5/14/chartex" xmlns:mc="http://schemas.openxmlformats.org/markup-compatibility/2006" xmlns:aink="http://schemas.microsoft.com/office/drawing/2016/ink" xmlns:am3d="http://schemas.microsoft.com/office/drawing/2017/model3d" xmlns:o="urn:schemas-microsoft-com:office:office" xmlns:oel="http://schemas.microsoft.com/office/2019/extlst" xmlns:m="http://schemas.openxmlformats.org/officeDocument/2006/math" xmlns:v="urn:schemas-microsoft-com:vml" xmlns:wp14="http://schemas.microsoft.com/office/word/2010/wordprocessingDrawing" xmlns:wp="http://schemas.openxmlformats.org/drawingml/2006/wordprocessingDrawing" xmlns:w10="urn:schemas-microsoft-com:office:word" xmlns:w="http://schemas.openxmlformats.org/wordprocessingml/2006/main" xmlns:w14="http://schemas.microsoft.com/office/word/2010/wordml" xmlns:w15="http://schemas.microsoft.com/office/word/2012/wordml" xmlns:w16cex="http://schemas.microsoft.com/office/word/2018/wordml/cex" xmlns:w16cid="http://schemas.microsoft.com/office/word/2016/wordml/cid" xmlns:w16="http://schemas.microsoft.com/office/word/2018/wordml" xmlns:w16sdtdh="http://schemas.microsoft.com/office/word/2020/wordml/sdtdatahash" xmlns:w16se="http://schemas.microsoft.com/office/word/2015/wordml/symex" xmlns:wpg="http://schemas.microsoft.com/office/word/2010/wordprocessingGroup" xmlns:wpi="http://schemas.microsoft.com/office/word/2010/wordprocessingInk" xmlns:wne="http://schemas.microsoft.com/office/word/2006/wordml" xmlns:wps="http://schemas.microsoft.com/office/word/2010/wordprocessingShape" xmlns:a14="http://schemas.microsoft.com/office/drawing/2010/main" xmlns:pic="http://schemas.openxmlformats.org/drawingml/2006/picture" xmlns:lc="http://schemas.openxmlformats.org/drawingml/2006/lockedCanvas" val="0"/>
+                <a14:useLocalDpi xmlns:a14="http://schemas.microsoft.com/office/drawing/2010/main" val="0"/>
               </a:ext>
             </a:extLst>
           </a:blip>
@@ -33042,18 +33112,17 @@
           <a:lstStyle/>
           <a:p>
             <a:r>
-              <a:rPr lang="es-ES" dirty="0" smtClean="0"/>
+              <a:rPr lang="es-ES" dirty="0"/>
               <a:t>¿Cómo se ejecuta </a:t>
             </a:r>
             <a:r>
-              <a:rPr lang="es-ES" dirty="0" err="1" smtClean="0"/>
+              <a:rPr lang="es-ES" dirty="0" err="1"/>
               <a:t>blazor</a:t>
             </a:r>
             <a:r>
-              <a:rPr lang="es-ES" dirty="0" smtClean="0"/>
+              <a:rPr lang="es-ES" dirty="0"/>
               <a:t>?</a:t>
             </a:r>
-            <a:endParaRPr lang="es-ES" dirty="0"/>
           </a:p>
         </p:txBody>
       </p:sp>
@@ -33073,44 +33142,44 @@
           <a:lstStyle/>
           <a:p>
             <a:r>
-              <a:rPr lang="es-ES" dirty="0" smtClean="0"/>
+              <a:rPr lang="es-ES" dirty="0"/>
               <a:t>Tiene dos formas de ejecutarse en el navegador del cliente o en el servidor. Ambas opciones son diferentes conceptos, pero se pueden configurar; las opciones son:</a:t>
             </a:r>
           </a:p>
           <a:p>
             <a:pPr lvl="0"/>
             <a:r>
-              <a:rPr lang="es-AR" b="1" dirty="0" err="1" smtClean="0"/>
+              <a:rPr lang="es-AR" b="1" dirty="0" err="1"/>
               <a:t>Blazor</a:t>
             </a:r>
             <a:r>
-              <a:rPr lang="es-AR" b="1" dirty="0" smtClean="0"/>
+              <a:rPr lang="es-AR" b="1" dirty="0"/>
               <a:t> Server </a:t>
             </a:r>
             <a:r>
-              <a:rPr lang="es-AR" b="1" dirty="0" err="1" smtClean="0"/>
+              <a:rPr lang="es-AR" b="1" dirty="0" err="1"/>
               <a:t>Side</a:t>
             </a:r>
-            <a:endParaRPr lang="es-ES" dirty="0" smtClean="0"/>
+            <a:endParaRPr lang="es-ES" dirty="0"/>
           </a:p>
           <a:p>
             <a:pPr lvl="0"/>
             <a:r>
-              <a:rPr lang="es-AR" b="1" dirty="0" err="1" smtClean="0"/>
+              <a:rPr lang="es-AR" b="1" dirty="0" err="1"/>
               <a:t>Blazor</a:t>
             </a:r>
             <a:r>
-              <a:rPr lang="es-AR" b="1" dirty="0" smtClean="0"/>
+              <a:rPr lang="es-AR" b="1" dirty="0"/>
               <a:t> Web </a:t>
             </a:r>
             <a:r>
-              <a:rPr lang="es-AR" b="1" dirty="0" err="1" smtClean="0"/>
+              <a:rPr lang="es-AR" b="1" dirty="0" err="1"/>
               <a:t>Assembly</a:t>
             </a:r>
-            <a:endParaRPr lang="es-ES" dirty="0" smtClean="0"/>
-          </a:p>
-          <a:p>
-            <a:endParaRPr lang="es-ES" dirty="0" smtClean="0"/>
+            <a:endParaRPr lang="es-ES" dirty="0"/>
+          </a:p>
+          <a:p>
+            <a:endParaRPr lang="es-ES" dirty="0"/>
           </a:p>
           <a:p>
             <a:endParaRPr lang="es-ES" dirty="0"/>
@@ -33158,7 +33227,7 @@
           <a:lstStyle/>
           <a:p>
             <a:r>
-              <a:rPr lang="es-ES" dirty="0" err="1" smtClean="0">
+              <a:rPr lang="es-ES" dirty="0" err="1">
                 <a:solidFill>
                   <a:schemeClr val="bg1"/>
                 </a:solidFill>
@@ -33166,7 +33235,7 @@
               <a:t>Blazor</a:t>
             </a:r>
             <a:r>
-              <a:rPr lang="es-ES" dirty="0" smtClean="0">
+              <a:rPr lang="es-ES" dirty="0">
                 <a:solidFill>
                   <a:schemeClr val="bg1"/>
                 </a:solidFill>
@@ -33174,7 +33243,7 @@
               <a:t> server </a:t>
             </a:r>
             <a:r>
-              <a:rPr lang="es-ES" dirty="0" err="1" smtClean="0">
+              <a:rPr lang="es-ES" dirty="0" err="1">
                 <a:solidFill>
                   <a:schemeClr val="bg1"/>
                 </a:solidFill>
@@ -33205,31 +33274,31 @@
           <a:lstStyle/>
           <a:p>
             <a:r>
-              <a:rPr lang="es-ES" dirty="0" smtClean="0"/>
+              <a:rPr lang="es-ES" dirty="0"/>
               <a:t>Utiliza una tecnología llamada </a:t>
             </a:r>
             <a:r>
-              <a:rPr lang="es-ES" dirty="0" err="1" smtClean="0"/>
+              <a:rPr lang="es-ES" dirty="0" err="1"/>
               <a:t>SignalR</a:t>
             </a:r>
             <a:r>
-              <a:rPr lang="es-ES" dirty="0" smtClean="0"/>
+              <a:rPr lang="es-ES" dirty="0"/>
               <a:t> que construye el DOM desde el servidor, básicamente sería un </a:t>
             </a:r>
             <a:r>
-              <a:rPr lang="es-ES" dirty="0" err="1" smtClean="0"/>
+              <a:rPr lang="es-ES" dirty="0" err="1"/>
               <a:t>ASP.Net</a:t>
             </a:r>
             <a:r>
-              <a:rPr lang="es-ES" dirty="0" smtClean="0"/>
+              <a:rPr lang="es-ES" dirty="0"/>
               <a:t> el que genera la ejecución y después envía el resultado a </a:t>
             </a:r>
             <a:r>
-              <a:rPr lang="es-ES" dirty="0" err="1" smtClean="0"/>
+              <a:rPr lang="es-ES" dirty="0" err="1"/>
               <a:t>Blazor</a:t>
             </a:r>
             <a:r>
-              <a:rPr lang="es-ES" dirty="0" smtClean="0"/>
+              <a:rPr lang="es-ES" dirty="0"/>
               <a:t>.</a:t>
             </a:r>
           </a:p>
@@ -33238,22 +33307,17 @@
               <a:buNone/>
             </a:pPr>
             <a:r>
-              <a:rPr lang="es-ES" dirty="0" smtClean="0"/>
-              <a:t>   El </a:t>
+              <a:rPr lang="es-ES" dirty="0"/>
+              <a:t>   El cliente servidor de toda la vida, si no tienes conexión con el servidor </a:t>
             </a:r>
             <a:r>
-              <a:rPr lang="es-ES" dirty="0" smtClean="0"/>
-              <a:t>cliente servidor de toda la vida, si no tienes conexión con el servidor </a:t>
-            </a:r>
-            <a:r>
-              <a:rPr lang="es-ES" dirty="0" err="1" smtClean="0"/>
+              <a:rPr lang="es-ES" dirty="0" err="1"/>
               <a:t>Blazor</a:t>
             </a:r>
             <a:r>
-              <a:rPr lang="es-ES" dirty="0" smtClean="0"/>
+              <a:rPr lang="es-ES" dirty="0"/>
               <a:t> deja de funcionar.</a:t>
             </a:r>
-            <a:endParaRPr lang="es-ES" dirty="0"/>
           </a:p>
         </p:txBody>
       </p:sp>
@@ -33303,10 +33367,9 @@
           <a:lstStyle/>
           <a:p>
             <a:r>
-              <a:rPr lang="es-ES" dirty="0" smtClean="0"/>
+              <a:rPr lang="es-ES" dirty="0"/>
               <a:t>BLAZOR WEB ASSEMBLY</a:t>
             </a:r>
-            <a:endParaRPr lang="es-ES" dirty="0"/>
           </a:p>
         </p:txBody>
       </p:sp>
@@ -33328,15 +33391,15 @@
           <a:lstStyle/>
           <a:p>
             <a:r>
-              <a:rPr lang="es-ES" dirty="0" smtClean="0"/>
+              <a:rPr lang="es-ES" dirty="0"/>
               <a:t>El código se ejecuta directamente en el navegador del usuario por lo que no necesita ningún servidor externo para funcionar, aunque obviamente siempre podrá llamar a </a:t>
             </a:r>
             <a:r>
-              <a:rPr lang="es-ES" dirty="0" err="1" smtClean="0"/>
+              <a:rPr lang="es-ES" dirty="0" err="1"/>
               <a:t>APIs</a:t>
             </a:r>
             <a:r>
-              <a:rPr lang="es-ES" dirty="0" smtClean="0"/>
+              <a:rPr lang="es-ES" dirty="0"/>
               <a:t> para obtener datos.</a:t>
             </a:r>
           </a:p>
@@ -33345,58 +33408,57 @@
               <a:buNone/>
             </a:pPr>
             <a:r>
-              <a:rPr lang="es-ES" dirty="0" smtClean="0"/>
+              <a:rPr lang="es-ES" dirty="0"/>
               <a:t>  </a:t>
             </a:r>
             <a:r>
-              <a:rPr lang="es-ES" dirty="0" err="1" smtClean="0"/>
+              <a:rPr lang="es-ES" dirty="0" err="1"/>
               <a:t>Blazor</a:t>
             </a:r>
             <a:r>
-              <a:rPr lang="es-ES" dirty="0" smtClean="0"/>
+              <a:rPr lang="es-ES" dirty="0"/>
               <a:t> </a:t>
             </a:r>
             <a:r>
-              <a:rPr lang="es-ES" dirty="0" err="1" smtClean="0"/>
+              <a:rPr lang="es-ES" dirty="0" err="1"/>
               <a:t>WebAssembly</a:t>
             </a:r>
             <a:r>
-              <a:rPr lang="es-ES" dirty="0" smtClean="0"/>
+              <a:rPr lang="es-ES" dirty="0"/>
               <a:t> sería lo más parecido a los </a:t>
             </a:r>
             <a:r>
-              <a:rPr lang="es-ES" dirty="0" err="1" smtClean="0"/>
+              <a:rPr lang="es-ES" dirty="0" err="1"/>
               <a:t>Frameworks</a:t>
             </a:r>
             <a:r>
-              <a:rPr lang="es-ES" dirty="0" smtClean="0"/>
+              <a:rPr lang="es-ES" dirty="0"/>
               <a:t> de </a:t>
             </a:r>
             <a:r>
-              <a:rPr lang="es-ES" dirty="0" err="1" smtClean="0"/>
+              <a:rPr lang="es-ES" dirty="0" err="1"/>
               <a:t>Javascript</a:t>
             </a:r>
             <a:r>
-              <a:rPr lang="es-ES" dirty="0" smtClean="0"/>
+              <a:rPr lang="es-ES" dirty="0"/>
               <a:t> (Angular, </a:t>
             </a:r>
             <a:r>
-              <a:rPr lang="es-ES" dirty="0" err="1" smtClean="0"/>
+              <a:rPr lang="es-ES" dirty="0" err="1"/>
               <a:t>React</a:t>
             </a:r>
             <a:r>
-              <a:rPr lang="es-ES" dirty="0" smtClean="0"/>
+              <a:rPr lang="es-ES" dirty="0"/>
               <a:t>, </a:t>
             </a:r>
             <a:r>
-              <a:rPr lang="es-ES" dirty="0" err="1" smtClean="0"/>
+              <a:rPr lang="es-ES" dirty="0" err="1"/>
               <a:t>Vue</a:t>
             </a:r>
             <a:r>
-              <a:rPr lang="es-ES" dirty="0" smtClean="0"/>
+              <a:rPr lang="es-ES" dirty="0"/>
               <a:t>). Lo más interesante es que al ejecutar el código directamente en el cliente se reduce la carga en el servidor por lo que a fin de cuentas acabas ahorrando dinero.</a:t>
             </a:r>
-            <a:endParaRPr lang="es-ES" dirty="0"/>
           </a:p>
         </p:txBody>
       </p:sp>
@@ -33651,7 +33713,7 @@
   <a:extraClrSchemeLst/>
   <a:extLst>
     <a:ext uri="{05A4C25C-085E-4340-85A3-A5531E510DB2}">
-      <thm15:themeFamily xmlns:thm15="http://schemas.microsoft.com/office/thememl/2012/main" xmlns="" name="Pantone template_Win32_v5.potx" id="{0B6ADF6A-1AB9-4B5E-8A87-5E88E283A9E8}" vid="{98AF5320-421A-4856-A75D-6587C36D5470}"/>
+      <thm15:themeFamily xmlns:thm15="http://schemas.microsoft.com/office/thememl/2012/main" name="Pantone template_Win32_v5.potx" id="{0B6ADF6A-1AB9-4B5E-8A87-5E88E283A9E8}" vid="{98AF5320-421A-4856-A75D-6587C36D5470}"/>
     </a:ext>
   </a:extLst>
 </a:theme>
@@ -33852,7 +33914,7 @@
   <a:extraClrSchemeLst/>
   <a:extLst>
     <a:ext uri="{05A4C25C-085E-4340-85A3-A5531E510DB2}">
-      <thm15:themeFamily xmlns:thm15="http://schemas.microsoft.com/office/thememl/2012/main" xmlns="" name="Pantone template_Win32_v5.potx" id="{0B6ADF6A-1AB9-4B5E-8A87-5E88E283A9E8}" vid="{6E2187FA-78B5-42F2-9074-40D4C2C1399B}"/>
+      <thm15:themeFamily xmlns:thm15="http://schemas.microsoft.com/office/thememl/2012/main" name="Pantone template_Win32_v5.potx" id="{0B6ADF6A-1AB9-4B5E-8A87-5E88E283A9E8}" vid="{6E2187FA-78B5-42F2-9074-40D4C2C1399B}"/>
     </a:ext>
   </a:extLst>
 </a:theme>
@@ -34053,7 +34115,7 @@
   <a:extraClrSchemeLst/>
   <a:extLst>
     <a:ext uri="{05A4C25C-085E-4340-85A3-A5531E510DB2}">
-      <thm15:themeFamily xmlns:thm15="http://schemas.microsoft.com/office/thememl/2012/main" xmlns="" name="Pantone template_Win32_v5.potx" id="{0B6ADF6A-1AB9-4B5E-8A87-5E88E283A9E8}" vid="{CED26E1E-587B-4123-A4F9-DB49A037FBB9}"/>
+      <thm15:themeFamily xmlns:thm15="http://schemas.microsoft.com/office/thememl/2012/main" name="Pantone template_Win32_v5.potx" id="{0B6ADF6A-1AB9-4B5E-8A87-5E88E283A9E8}" vid="{CED26E1E-587B-4123-A4F9-DB49A037FBB9}"/>
     </a:ext>
   </a:extLst>
 </a:theme>
@@ -34254,7 +34316,7 @@
   <a:extraClrSchemeLst/>
   <a:extLst>
     <a:ext uri="{05A4C25C-085E-4340-85A3-A5531E510DB2}">
-      <thm15:themeFamily xmlns:thm15="http://schemas.microsoft.com/office/thememl/2012/main" xmlns="" name="Pantone template_Win32_v5.potx" id="{0B6ADF6A-1AB9-4B5E-8A87-5E88E283A9E8}" vid="{573AD6BE-256C-44EB-886C-5713CB0A8D47}"/>
+      <thm15:themeFamily xmlns:thm15="http://schemas.microsoft.com/office/thememl/2012/main" name="Pantone template_Win32_v5.potx" id="{0B6ADF6A-1AB9-4B5E-8A87-5E88E283A9E8}" vid="{573AD6BE-256C-44EB-886C-5713CB0A8D47}"/>
     </a:ext>
   </a:extLst>
 </a:theme>
@@ -34455,7 +34517,7 @@
   <a:extraClrSchemeLst/>
   <a:extLst>
     <a:ext uri="{05A4C25C-085E-4340-85A3-A5531E510DB2}">
-      <thm15:themeFamily xmlns:thm15="http://schemas.microsoft.com/office/thememl/2012/main" xmlns="" name="TF66687569_Modern blue presentation_AAS_v5" id="{C7B59113-CD15-4341-96CA-86E715D5BE98}" vid="{5A8FDAEB-3DF3-4B3C-A708-49813F8D6F85}"/>
+      <thm15:themeFamily xmlns:thm15="http://schemas.microsoft.com/office/thememl/2012/main" name="TF66687569_Modern blue presentation_AAS_v5" id="{C7B59113-CD15-4341-96CA-86E715D5BE98}" vid="{5A8FDAEB-3DF3-4B3C-A708-49813F8D6F85}"/>
     </a:ext>
   </a:extLst>
 </a:theme>
